--- a/slides/java_core/java_oop.pptx
+++ b/slides/java_core/java_oop.pptx
@@ -5,7 +5,7 @@
     <p:sldMasterId id="2147483648" r:id="rId1"/>
   </p:sldMasterIdLst>
   <p:notesMasterIdLst>
-    <p:notesMasterId r:id="rId29"/>
+    <p:notesMasterId r:id="rId34"/>
   </p:notesMasterIdLst>
   <p:sldIdLst>
     <p:sldId id="257" r:id="rId2"/>
@@ -35,6 +35,11 @@
     <p:sldId id="281" r:id="rId26"/>
     <p:sldId id="282" r:id="rId27"/>
     <p:sldId id="283" r:id="rId28"/>
+    <p:sldId id="284" r:id="rId29"/>
+    <p:sldId id="285" r:id="rId30"/>
+    <p:sldId id="286" r:id="rId31"/>
+    <p:sldId id="287" r:id="rId32"/>
+    <p:sldId id="288" r:id="rId33"/>
   </p:sldIdLst>
   <p:sldSz cx="12192000" cy="6858000"/>
   <p:notesSz cx="6858000" cy="9144000"/>
@@ -133,6 +138,11 @@
       </a:defRPr>
     </a:lvl9pPr>
   </p:defaultTextStyle>
+  <p:extLst>
+    <p:ext uri="{EFAFB233-063F-42B5-8137-9DF3F51BA10A}">
+      <p15:sldGuideLst xmlns:p15="http://schemas.microsoft.com/office/powerpoint/2012/main"/>
+    </p:ext>
+  </p:extLst>
 </p:presentation>
 </file>
 
@@ -218,7 +228,7 @@
           <a:p>
             <a:fld id="{1B748818-9FF2-4C94-95DE-874601FBD844}" type="datetimeFigureOut">
               <a:rPr lang="en-US" smtClean="0"/>
-              <a:t>12/3/2019</a:t>
+              <a:t>12/9/2019</a:t>
             </a:fld>
             <a:endParaRPr lang="en-US"/>
           </a:p>
@@ -800,7 +810,7 @@
           <a:p>
             <a:fld id="{CB43FE48-5D54-4C74-B525-7884AECF43DC}" type="datetimeFigureOut">
               <a:rPr lang="en-US" smtClean="0"/>
-              <a:t>12/3/2019</a:t>
+              <a:t>12/9/2019</a:t>
             </a:fld>
             <a:endParaRPr lang="en-US"/>
           </a:p>
@@ -998,7 +1008,7 @@
           <a:p>
             <a:fld id="{CB43FE48-5D54-4C74-B525-7884AECF43DC}" type="datetimeFigureOut">
               <a:rPr lang="en-US" smtClean="0"/>
-              <a:t>12/3/2019</a:t>
+              <a:t>12/9/2019</a:t>
             </a:fld>
             <a:endParaRPr lang="en-US"/>
           </a:p>
@@ -1206,7 +1216,7 @@
           <a:p>
             <a:fld id="{CB43FE48-5D54-4C74-B525-7884AECF43DC}" type="datetimeFigureOut">
               <a:rPr lang="en-US" smtClean="0"/>
-              <a:t>12/3/2019</a:t>
+              <a:t>12/9/2019</a:t>
             </a:fld>
             <a:endParaRPr lang="en-US"/>
           </a:p>
@@ -1404,7 +1414,7 @@
           <a:p>
             <a:fld id="{CB43FE48-5D54-4C74-B525-7884AECF43DC}" type="datetimeFigureOut">
               <a:rPr lang="en-US" smtClean="0"/>
-              <a:t>12/3/2019</a:t>
+              <a:t>12/9/2019</a:t>
             </a:fld>
             <a:endParaRPr lang="en-US"/>
           </a:p>
@@ -1679,7 +1689,7 @@
           <a:p>
             <a:fld id="{CB43FE48-5D54-4C74-B525-7884AECF43DC}" type="datetimeFigureOut">
               <a:rPr lang="en-US" smtClean="0"/>
-              <a:t>12/3/2019</a:t>
+              <a:t>12/9/2019</a:t>
             </a:fld>
             <a:endParaRPr lang="en-US"/>
           </a:p>
@@ -1944,7 +1954,7 @@
           <a:p>
             <a:fld id="{CB43FE48-5D54-4C74-B525-7884AECF43DC}" type="datetimeFigureOut">
               <a:rPr lang="en-US" smtClean="0"/>
-              <a:t>12/3/2019</a:t>
+              <a:t>12/9/2019</a:t>
             </a:fld>
             <a:endParaRPr lang="en-US"/>
           </a:p>
@@ -2356,7 +2366,7 @@
           <a:p>
             <a:fld id="{CB43FE48-5D54-4C74-B525-7884AECF43DC}" type="datetimeFigureOut">
               <a:rPr lang="en-US" smtClean="0"/>
-              <a:t>12/3/2019</a:t>
+              <a:t>12/9/2019</a:t>
             </a:fld>
             <a:endParaRPr lang="en-US"/>
           </a:p>
@@ -2497,7 +2507,7 @@
           <a:p>
             <a:fld id="{CB43FE48-5D54-4C74-B525-7884AECF43DC}" type="datetimeFigureOut">
               <a:rPr lang="en-US" smtClean="0"/>
-              <a:t>12/3/2019</a:t>
+              <a:t>12/9/2019</a:t>
             </a:fld>
             <a:endParaRPr lang="en-US"/>
           </a:p>
@@ -2610,7 +2620,7 @@
           <a:p>
             <a:fld id="{CB43FE48-5D54-4C74-B525-7884AECF43DC}" type="datetimeFigureOut">
               <a:rPr lang="en-US" smtClean="0"/>
-              <a:t>12/3/2019</a:t>
+              <a:t>12/9/2019</a:t>
             </a:fld>
             <a:endParaRPr lang="en-US"/>
           </a:p>
@@ -2921,7 +2931,7 @@
           <a:p>
             <a:fld id="{CB43FE48-5D54-4C74-B525-7884AECF43DC}" type="datetimeFigureOut">
               <a:rPr lang="en-US" smtClean="0"/>
-              <a:t>12/3/2019</a:t>
+              <a:t>12/9/2019</a:t>
             </a:fld>
             <a:endParaRPr lang="en-US"/>
           </a:p>
@@ -3209,7 +3219,7 @@
           <a:p>
             <a:fld id="{CB43FE48-5D54-4C74-B525-7884AECF43DC}" type="datetimeFigureOut">
               <a:rPr lang="en-US" smtClean="0"/>
-              <a:t>12/3/2019</a:t>
+              <a:t>12/9/2019</a:t>
             </a:fld>
             <a:endParaRPr lang="en-US"/>
           </a:p>
@@ -3450,7 +3460,7 @@
           <a:p>
             <a:fld id="{CB43FE48-5D54-4C74-B525-7884AECF43DC}" type="datetimeFigureOut">
               <a:rPr lang="en-US" smtClean="0"/>
-              <a:t>12/3/2019</a:t>
+              <a:t>12/9/2019</a:t>
             </a:fld>
             <a:endParaRPr lang="en-US"/>
           </a:p>
@@ -22937,6 +22947,3307 @@
 </p:sld>
 </file>
 
+<file path=ppt/slides/slide28.xml><?xml version="1.0" encoding="utf-8"?>
+<p:sld xmlns:a="http://schemas.openxmlformats.org/drawingml/2006/main" xmlns:r="http://schemas.openxmlformats.org/officeDocument/2006/relationships" xmlns:p="http://schemas.openxmlformats.org/presentationml/2006/main">
+  <p:cSld>
+    <p:spTree>
+      <p:nvGrpSpPr>
+        <p:cNvPr id="1" name=""/>
+        <p:cNvGrpSpPr/>
+        <p:nvPr/>
+      </p:nvGrpSpPr>
+      <p:grpSpPr>
+        <a:xfrm>
+          <a:off x="0" y="0"/>
+          <a:ext cx="0" cy="0"/>
+          <a:chOff x="0" y="0"/>
+          <a:chExt cx="0" cy="0"/>
+        </a:xfrm>
+      </p:grpSpPr>
+      <p:sp>
+        <p:nvSpPr>
+          <p:cNvPr id="2" name="Title 1">
+            <a:extLst>
+              <a:ext uri="{FF2B5EF4-FFF2-40B4-BE49-F238E27FC236}">
+                <a16:creationId xmlns:a16="http://schemas.microsoft.com/office/drawing/2014/main" id="{9612958F-B082-4745-84BD-9476A6BBC557}"/>
+              </a:ext>
+            </a:extLst>
+          </p:cNvPr>
+          <p:cNvSpPr>
+            <a:spLocks noGrp="1"/>
+          </p:cNvSpPr>
+          <p:nvPr>
+            <p:ph type="title"/>
+          </p:nvPr>
+        </p:nvSpPr>
+        <p:spPr/>
+        <p:txBody>
+          <a:bodyPr/>
+          <a:lstStyle/>
+          <a:p>
+            <a:r>
+              <a:rPr lang="en-US" dirty="0">
+                <a:solidFill>
+                  <a:srgbClr val="0070C0"/>
+                </a:solidFill>
+                <a:latin typeface="Times New Roman" panose="02020603050405020304" pitchFamily="18" charset="0"/>
+                <a:cs typeface="Times New Roman" panose="02020603050405020304" pitchFamily="18" charset="0"/>
+              </a:rPr>
+              <a:t>Java Polymorphism</a:t>
+            </a:r>
+          </a:p>
+        </p:txBody>
+      </p:sp>
+      <p:sp>
+        <p:nvSpPr>
+          <p:cNvPr id="5" name="Content Placeholder 2">
+            <a:extLst>
+              <a:ext uri="{FF2B5EF4-FFF2-40B4-BE49-F238E27FC236}">
+                <a16:creationId xmlns:a16="http://schemas.microsoft.com/office/drawing/2014/main" id="{BB4333A8-D54A-489A-BF0C-35B54C45B3D3}"/>
+              </a:ext>
+            </a:extLst>
+          </p:cNvPr>
+          <p:cNvSpPr txBox="1">
+            <a:spLocks/>
+          </p:cNvSpPr>
+          <p:nvPr/>
+        </p:nvSpPr>
+        <p:spPr>
+          <a:xfrm>
+            <a:off x="838201" y="1880371"/>
+            <a:ext cx="10515599" cy="4511551"/>
+          </a:xfrm>
+          <a:prstGeom prst="rect">
+            <a:avLst/>
+          </a:prstGeom>
+        </p:spPr>
+        <p:txBody>
+          <a:bodyPr vert="horz" lIns="91440" tIns="45720" rIns="91440" bIns="45720" rtlCol="0">
+            <a:normAutofit/>
+          </a:bodyPr>
+          <a:lstStyle>
+            <a:lvl1pPr marL="228600" indent="-228600" algn="l" defTabSz="914400" rtl="0" eaLnBrk="1" latinLnBrk="0" hangingPunct="1">
+              <a:lnSpc>
+                <a:spcPct val="90000"/>
+              </a:lnSpc>
+              <a:spcBef>
+                <a:spcPts val="1000"/>
+              </a:spcBef>
+              <a:buFont typeface="Arial" panose="020B0604020202020204" pitchFamily="34" charset="0"/>
+              <a:buChar char="•"/>
+              <a:defRPr sz="2800" kern="1200">
+                <a:solidFill>
+                  <a:schemeClr val="tx1"/>
+                </a:solidFill>
+                <a:latin typeface="+mn-lt"/>
+                <a:ea typeface="+mn-ea"/>
+                <a:cs typeface="+mn-cs"/>
+              </a:defRPr>
+            </a:lvl1pPr>
+            <a:lvl2pPr marL="685800" indent="-228600" algn="l" defTabSz="914400" rtl="0" eaLnBrk="1" latinLnBrk="0" hangingPunct="1">
+              <a:lnSpc>
+                <a:spcPct val="90000"/>
+              </a:lnSpc>
+              <a:spcBef>
+                <a:spcPts val="500"/>
+              </a:spcBef>
+              <a:buFont typeface="Arial" panose="020B0604020202020204" pitchFamily="34" charset="0"/>
+              <a:buChar char="•"/>
+              <a:defRPr sz="2400" kern="1200">
+                <a:solidFill>
+                  <a:schemeClr val="tx1"/>
+                </a:solidFill>
+                <a:latin typeface="+mn-lt"/>
+                <a:ea typeface="+mn-ea"/>
+                <a:cs typeface="+mn-cs"/>
+              </a:defRPr>
+            </a:lvl2pPr>
+            <a:lvl3pPr marL="1143000" indent="-228600" algn="l" defTabSz="914400" rtl="0" eaLnBrk="1" latinLnBrk="0" hangingPunct="1">
+              <a:lnSpc>
+                <a:spcPct val="90000"/>
+              </a:lnSpc>
+              <a:spcBef>
+                <a:spcPts val="500"/>
+              </a:spcBef>
+              <a:buFont typeface="Arial" panose="020B0604020202020204" pitchFamily="34" charset="0"/>
+              <a:buChar char="•"/>
+              <a:defRPr sz="2000" kern="1200">
+                <a:solidFill>
+                  <a:schemeClr val="tx1"/>
+                </a:solidFill>
+                <a:latin typeface="+mn-lt"/>
+                <a:ea typeface="+mn-ea"/>
+                <a:cs typeface="+mn-cs"/>
+              </a:defRPr>
+            </a:lvl3pPr>
+            <a:lvl4pPr marL="1600200" indent="-228600" algn="l" defTabSz="914400" rtl="0" eaLnBrk="1" latinLnBrk="0" hangingPunct="1">
+              <a:lnSpc>
+                <a:spcPct val="90000"/>
+              </a:lnSpc>
+              <a:spcBef>
+                <a:spcPts val="500"/>
+              </a:spcBef>
+              <a:buFont typeface="Arial" panose="020B0604020202020204" pitchFamily="34" charset="0"/>
+              <a:buChar char="•"/>
+              <a:defRPr sz="1800" kern="1200">
+                <a:solidFill>
+                  <a:schemeClr val="tx1"/>
+                </a:solidFill>
+                <a:latin typeface="+mn-lt"/>
+                <a:ea typeface="+mn-ea"/>
+                <a:cs typeface="+mn-cs"/>
+              </a:defRPr>
+            </a:lvl4pPr>
+            <a:lvl5pPr marL="2057400" indent="-228600" algn="l" defTabSz="914400" rtl="0" eaLnBrk="1" latinLnBrk="0" hangingPunct="1">
+              <a:lnSpc>
+                <a:spcPct val="90000"/>
+              </a:lnSpc>
+              <a:spcBef>
+                <a:spcPts val="500"/>
+              </a:spcBef>
+              <a:buFont typeface="Arial" panose="020B0604020202020204" pitchFamily="34" charset="0"/>
+              <a:buChar char="•"/>
+              <a:defRPr sz="1800" kern="1200">
+                <a:solidFill>
+                  <a:schemeClr val="tx1"/>
+                </a:solidFill>
+                <a:latin typeface="+mn-lt"/>
+                <a:ea typeface="+mn-ea"/>
+                <a:cs typeface="+mn-cs"/>
+              </a:defRPr>
+            </a:lvl5pPr>
+            <a:lvl6pPr marL="2514600" indent="-228600" algn="l" defTabSz="914400" rtl="0" eaLnBrk="1" latinLnBrk="0" hangingPunct="1">
+              <a:lnSpc>
+                <a:spcPct val="90000"/>
+              </a:lnSpc>
+              <a:spcBef>
+                <a:spcPts val="500"/>
+              </a:spcBef>
+              <a:buFont typeface="Arial" panose="020B0604020202020204" pitchFamily="34" charset="0"/>
+              <a:buChar char="•"/>
+              <a:defRPr sz="1800" kern="1200">
+                <a:solidFill>
+                  <a:schemeClr val="tx1"/>
+                </a:solidFill>
+                <a:latin typeface="+mn-lt"/>
+                <a:ea typeface="+mn-ea"/>
+                <a:cs typeface="+mn-cs"/>
+              </a:defRPr>
+            </a:lvl6pPr>
+            <a:lvl7pPr marL="2971800" indent="-228600" algn="l" defTabSz="914400" rtl="0" eaLnBrk="1" latinLnBrk="0" hangingPunct="1">
+              <a:lnSpc>
+                <a:spcPct val="90000"/>
+              </a:lnSpc>
+              <a:spcBef>
+                <a:spcPts val="500"/>
+              </a:spcBef>
+              <a:buFont typeface="Arial" panose="020B0604020202020204" pitchFamily="34" charset="0"/>
+              <a:buChar char="•"/>
+              <a:defRPr sz="1800" kern="1200">
+                <a:solidFill>
+                  <a:schemeClr val="tx1"/>
+                </a:solidFill>
+                <a:latin typeface="+mn-lt"/>
+                <a:ea typeface="+mn-ea"/>
+                <a:cs typeface="+mn-cs"/>
+              </a:defRPr>
+            </a:lvl7pPr>
+            <a:lvl8pPr marL="3429000" indent="-228600" algn="l" defTabSz="914400" rtl="0" eaLnBrk="1" latinLnBrk="0" hangingPunct="1">
+              <a:lnSpc>
+                <a:spcPct val="90000"/>
+              </a:lnSpc>
+              <a:spcBef>
+                <a:spcPts val="500"/>
+              </a:spcBef>
+              <a:buFont typeface="Arial" panose="020B0604020202020204" pitchFamily="34" charset="0"/>
+              <a:buChar char="•"/>
+              <a:defRPr sz="1800" kern="1200">
+                <a:solidFill>
+                  <a:schemeClr val="tx1"/>
+                </a:solidFill>
+                <a:latin typeface="+mn-lt"/>
+                <a:ea typeface="+mn-ea"/>
+                <a:cs typeface="+mn-cs"/>
+              </a:defRPr>
+            </a:lvl8pPr>
+            <a:lvl9pPr marL="3886200" indent="-228600" algn="l" defTabSz="914400" rtl="0" eaLnBrk="1" latinLnBrk="0" hangingPunct="1">
+              <a:lnSpc>
+                <a:spcPct val="90000"/>
+              </a:lnSpc>
+              <a:spcBef>
+                <a:spcPts val="500"/>
+              </a:spcBef>
+              <a:buFont typeface="Arial" panose="020B0604020202020204" pitchFamily="34" charset="0"/>
+              <a:buChar char="•"/>
+              <a:defRPr sz="1800" kern="1200">
+                <a:solidFill>
+                  <a:schemeClr val="tx1"/>
+                </a:solidFill>
+                <a:latin typeface="+mn-lt"/>
+                <a:ea typeface="+mn-ea"/>
+                <a:cs typeface="+mn-cs"/>
+              </a:defRPr>
+            </a:lvl9pPr>
+          </a:lstStyle>
+          <a:p>
+            <a:r>
+              <a:rPr lang="en-US" sz="2000" dirty="0">
+                <a:latin typeface="Times New Roman" panose="02020603050405020304" pitchFamily="18" charset="0"/>
+                <a:cs typeface="Times New Roman" panose="02020603050405020304" pitchFamily="18" charset="0"/>
+              </a:rPr>
+              <a:t>Polymorphism (</a:t>
+            </a:r>
+            <a:r>
+              <a:rPr lang="en-US" sz="2000" dirty="0" err="1">
+                <a:latin typeface="Times New Roman" panose="02020603050405020304" pitchFamily="18" charset="0"/>
+                <a:cs typeface="Times New Roman" panose="02020603050405020304" pitchFamily="18" charset="0"/>
+              </a:rPr>
+              <a:t>đa</a:t>
+            </a:r>
+            <a:r>
+              <a:rPr lang="en-US" sz="2000" dirty="0">
+                <a:latin typeface="Times New Roman" panose="02020603050405020304" pitchFamily="18" charset="0"/>
+                <a:cs typeface="Times New Roman" panose="02020603050405020304" pitchFamily="18" charset="0"/>
+              </a:rPr>
+              <a:t> </a:t>
+            </a:r>
+            <a:r>
+              <a:rPr lang="en-US" sz="2000" dirty="0" err="1">
+                <a:latin typeface="Times New Roman" panose="02020603050405020304" pitchFamily="18" charset="0"/>
+                <a:cs typeface="Times New Roman" panose="02020603050405020304" pitchFamily="18" charset="0"/>
+              </a:rPr>
+              <a:t>hình</a:t>
+            </a:r>
+            <a:r>
+              <a:rPr lang="en-US" sz="2000" dirty="0">
+                <a:latin typeface="Times New Roman" panose="02020603050405020304" pitchFamily="18" charset="0"/>
+                <a:cs typeface="Times New Roman" panose="02020603050405020304" pitchFamily="18" charset="0"/>
+              </a:rPr>
+              <a:t>)</a:t>
+            </a:r>
+            <a:endParaRPr lang="en-US" sz="2000" dirty="0">
+              <a:latin typeface="Consolas" panose="020B0609020204030204" pitchFamily="49" charset="0"/>
+              <a:cs typeface="Times New Roman" panose="02020603050405020304" pitchFamily="18" charset="0"/>
+            </a:endParaRPr>
+          </a:p>
+        </p:txBody>
+      </p:sp>
+      <p:sp>
+        <p:nvSpPr>
+          <p:cNvPr id="3" name="Rectangle 1">
+            <a:extLst>
+              <a:ext uri="{FF2B5EF4-FFF2-40B4-BE49-F238E27FC236}">
+                <a16:creationId xmlns:a16="http://schemas.microsoft.com/office/drawing/2014/main" id="{18CE4C47-7DDF-4857-9FEB-45054A0FF3D1}"/>
+              </a:ext>
+            </a:extLst>
+          </p:cNvPr>
+          <p:cNvSpPr>
+            <a:spLocks noChangeArrowheads="1"/>
+          </p:cNvSpPr>
+          <p:nvPr/>
+        </p:nvSpPr>
+        <p:spPr bwMode="auto">
+          <a:xfrm>
+            <a:off x="1003177" y="2612444"/>
+            <a:ext cx="5650906" cy="3754874"/>
+          </a:xfrm>
+          <a:prstGeom prst="rect">
+            <a:avLst/>
+          </a:prstGeom>
+          <a:solidFill>
+            <a:srgbClr val="FFFFFF"/>
+          </a:solidFill>
+          <a:ln>
+            <a:noFill/>
+          </a:ln>
+          <a:effectLst/>
+          <a:extLst>
+            <a:ext uri="{91240B29-F687-4F45-9708-019B960494DF}">
+              <a14:hiddenLine xmlns:a14="http://schemas.microsoft.com/office/drawing/2010/main" w="9525">
+                <a:solidFill>
+                  <a:schemeClr val="tx1"/>
+                </a:solidFill>
+                <a:miter lim="800000"/>
+                <a:headEnd/>
+                <a:tailEnd/>
+              </a14:hiddenLine>
+            </a:ext>
+            <a:ext uri="{AF507438-7753-43E0-B8FC-AC1667EBCBE1}">
+              <a14:hiddenEffects xmlns:a14="http://schemas.microsoft.com/office/drawing/2010/main">
+                <a:effectLst>
+                  <a:outerShdw dist="35921" dir="2700000" algn="ctr" rotWithShape="0">
+                    <a:schemeClr val="bg2"/>
+                  </a:outerShdw>
+                </a:effectLst>
+              </a14:hiddenEffects>
+            </a:ext>
+          </a:extLst>
+        </p:spPr>
+        <p:txBody>
+          <a:bodyPr vert="horz" wrap="none" lIns="91440" tIns="45720" rIns="91440" bIns="45720" numCol="1" anchor="ctr" anchorCtr="0" compatLnSpc="1">
+            <a:prstTxWarp prst="textNoShape">
+              <a:avLst/>
+            </a:prstTxWarp>
+            <a:spAutoFit/>
+          </a:bodyPr>
+          <a:lstStyle/>
+          <a:p>
+            <a:pPr marL="0" marR="0" lvl="0" indent="0" algn="l" defTabSz="914400" rtl="0" eaLnBrk="0" fontAlgn="base" latinLnBrk="0" hangingPunct="0">
+              <a:lnSpc>
+                <a:spcPct val="100000"/>
+              </a:lnSpc>
+              <a:spcBef>
+                <a:spcPct val="0"/>
+              </a:spcBef>
+              <a:spcAft>
+                <a:spcPct val="0"/>
+              </a:spcAft>
+              <a:buClrTx/>
+              <a:buSzTx/>
+              <a:buFontTx/>
+              <a:buNone/>
+              <a:tabLst/>
+            </a:pPr>
+            <a:r>
+              <a:rPr kumimoji="0" lang="en-US" altLang="en-US" sz="1400" b="1" i="0" u="none" strike="noStrike" cap="none" normalizeH="0" baseline="0" dirty="0">
+                <a:ln>
+                  <a:noFill/>
+                </a:ln>
+                <a:solidFill>
+                  <a:srgbClr val="000080"/>
+                </a:solidFill>
+                <a:effectLst/>
+                <a:latin typeface="Consolas" panose="020B0609020204030204" pitchFamily="49" charset="0"/>
+              </a:rPr>
+              <a:t>class </a:t>
+            </a:r>
+            <a:r>
+              <a:rPr kumimoji="0" lang="en-US" altLang="en-US" sz="1400" b="0" i="0" u="none" strike="noStrike" cap="none" normalizeH="0" baseline="0" dirty="0">
+                <a:ln>
+                  <a:noFill/>
+                </a:ln>
+                <a:solidFill>
+                  <a:srgbClr val="000000"/>
+                </a:solidFill>
+                <a:effectLst/>
+                <a:latin typeface="Consolas" panose="020B0609020204030204" pitchFamily="49" charset="0"/>
+              </a:rPr>
+              <a:t>Animal {</a:t>
+            </a:r>
+            <a:br>
+              <a:rPr kumimoji="0" lang="en-US" altLang="en-US" sz="1400" b="0" i="0" u="none" strike="noStrike" cap="none" normalizeH="0" baseline="0" dirty="0">
+                <a:ln>
+                  <a:noFill/>
+                </a:ln>
+                <a:solidFill>
+                  <a:srgbClr val="000000"/>
+                </a:solidFill>
+                <a:effectLst/>
+                <a:latin typeface="Consolas" panose="020B0609020204030204" pitchFamily="49" charset="0"/>
+              </a:rPr>
+            </a:br>
+            <a:r>
+              <a:rPr kumimoji="0" lang="en-US" altLang="en-US" sz="1400" b="0" i="0" u="none" strike="noStrike" cap="none" normalizeH="0" baseline="0" dirty="0">
+                <a:ln>
+                  <a:noFill/>
+                </a:ln>
+                <a:solidFill>
+                  <a:srgbClr val="000000"/>
+                </a:solidFill>
+                <a:effectLst/>
+                <a:latin typeface="Consolas" panose="020B0609020204030204" pitchFamily="49" charset="0"/>
+              </a:rPr>
+              <a:t>    </a:t>
+            </a:r>
+            <a:r>
+              <a:rPr kumimoji="0" lang="en-US" altLang="en-US" sz="1400" b="1" i="0" u="none" strike="noStrike" cap="none" normalizeH="0" baseline="0" dirty="0">
+                <a:ln>
+                  <a:noFill/>
+                </a:ln>
+                <a:solidFill>
+                  <a:srgbClr val="000080"/>
+                </a:solidFill>
+                <a:effectLst/>
+                <a:latin typeface="Consolas" panose="020B0609020204030204" pitchFamily="49" charset="0"/>
+              </a:rPr>
+              <a:t>public void </a:t>
+            </a:r>
+            <a:r>
+              <a:rPr kumimoji="0" lang="en-US" altLang="en-US" sz="1400" b="0" i="0" u="none" strike="noStrike" cap="none" normalizeH="0" baseline="0" dirty="0" err="1">
+                <a:ln>
+                  <a:noFill/>
+                </a:ln>
+                <a:solidFill>
+                  <a:srgbClr val="000000"/>
+                </a:solidFill>
+                <a:effectLst/>
+                <a:latin typeface="Consolas" panose="020B0609020204030204" pitchFamily="49" charset="0"/>
+              </a:rPr>
+              <a:t>animalSound</a:t>
+            </a:r>
+            <a:r>
+              <a:rPr kumimoji="0" lang="en-US" altLang="en-US" sz="1400" b="0" i="0" u="none" strike="noStrike" cap="none" normalizeH="0" baseline="0" dirty="0">
+                <a:ln>
+                  <a:noFill/>
+                </a:ln>
+                <a:solidFill>
+                  <a:srgbClr val="000000"/>
+                </a:solidFill>
+                <a:effectLst/>
+                <a:latin typeface="Consolas" panose="020B0609020204030204" pitchFamily="49" charset="0"/>
+              </a:rPr>
+              <a:t>() {</a:t>
+            </a:r>
+            <a:br>
+              <a:rPr kumimoji="0" lang="en-US" altLang="en-US" sz="1400" b="0" i="0" u="none" strike="noStrike" cap="none" normalizeH="0" baseline="0" dirty="0">
+                <a:ln>
+                  <a:noFill/>
+                </a:ln>
+                <a:solidFill>
+                  <a:srgbClr val="000000"/>
+                </a:solidFill>
+                <a:effectLst/>
+                <a:latin typeface="Consolas" panose="020B0609020204030204" pitchFamily="49" charset="0"/>
+              </a:rPr>
+            </a:br>
+            <a:r>
+              <a:rPr kumimoji="0" lang="en-US" altLang="en-US" sz="1400" b="0" i="0" u="none" strike="noStrike" cap="none" normalizeH="0" baseline="0" dirty="0">
+                <a:ln>
+                  <a:noFill/>
+                </a:ln>
+                <a:solidFill>
+                  <a:srgbClr val="000000"/>
+                </a:solidFill>
+                <a:effectLst/>
+                <a:latin typeface="Consolas" panose="020B0609020204030204" pitchFamily="49" charset="0"/>
+              </a:rPr>
+              <a:t>        </a:t>
+            </a:r>
+            <a:r>
+              <a:rPr kumimoji="0" lang="en-US" altLang="en-US" sz="1400" b="0" i="0" u="none" strike="noStrike" cap="none" normalizeH="0" baseline="0" dirty="0" err="1">
+                <a:ln>
+                  <a:noFill/>
+                </a:ln>
+                <a:solidFill>
+                  <a:srgbClr val="000000"/>
+                </a:solidFill>
+                <a:effectLst/>
+                <a:latin typeface="Consolas" panose="020B0609020204030204" pitchFamily="49" charset="0"/>
+              </a:rPr>
+              <a:t>System.</a:t>
+            </a:r>
+            <a:r>
+              <a:rPr kumimoji="0" lang="en-US" altLang="en-US" sz="1400" b="1" i="1" u="none" strike="noStrike" cap="none" normalizeH="0" baseline="0" dirty="0" err="1">
+                <a:ln>
+                  <a:noFill/>
+                </a:ln>
+                <a:solidFill>
+                  <a:srgbClr val="660E7A"/>
+                </a:solidFill>
+                <a:effectLst/>
+                <a:latin typeface="Consolas" panose="020B0609020204030204" pitchFamily="49" charset="0"/>
+              </a:rPr>
+              <a:t>out</a:t>
+            </a:r>
+            <a:r>
+              <a:rPr kumimoji="0" lang="en-US" altLang="en-US" sz="1400" b="0" i="0" u="none" strike="noStrike" cap="none" normalizeH="0" baseline="0" dirty="0" err="1">
+                <a:ln>
+                  <a:noFill/>
+                </a:ln>
+                <a:solidFill>
+                  <a:srgbClr val="000000"/>
+                </a:solidFill>
+                <a:effectLst/>
+                <a:latin typeface="Consolas" panose="020B0609020204030204" pitchFamily="49" charset="0"/>
+              </a:rPr>
+              <a:t>.println</a:t>
+            </a:r>
+            <a:r>
+              <a:rPr kumimoji="0" lang="en-US" altLang="en-US" sz="1400" b="0" i="0" u="none" strike="noStrike" cap="none" normalizeH="0" baseline="0" dirty="0">
+                <a:ln>
+                  <a:noFill/>
+                </a:ln>
+                <a:solidFill>
+                  <a:srgbClr val="000000"/>
+                </a:solidFill>
+                <a:effectLst/>
+                <a:latin typeface="Consolas" panose="020B0609020204030204" pitchFamily="49" charset="0"/>
+              </a:rPr>
+              <a:t>(</a:t>
+            </a:r>
+            <a:r>
+              <a:rPr kumimoji="0" lang="en-US" altLang="en-US" sz="1400" b="1" i="0" u="none" strike="noStrike" cap="none" normalizeH="0" baseline="0" dirty="0">
+                <a:ln>
+                  <a:noFill/>
+                </a:ln>
+                <a:solidFill>
+                  <a:srgbClr val="008000"/>
+                </a:solidFill>
+                <a:effectLst/>
+                <a:latin typeface="Consolas" panose="020B0609020204030204" pitchFamily="49" charset="0"/>
+              </a:rPr>
+              <a:t>"The animal makes a sound"</a:t>
+            </a:r>
+            <a:r>
+              <a:rPr kumimoji="0" lang="en-US" altLang="en-US" sz="1400" b="0" i="0" u="none" strike="noStrike" cap="none" normalizeH="0" baseline="0" dirty="0">
+                <a:ln>
+                  <a:noFill/>
+                </a:ln>
+                <a:solidFill>
+                  <a:srgbClr val="000000"/>
+                </a:solidFill>
+                <a:effectLst/>
+                <a:latin typeface="Consolas" panose="020B0609020204030204" pitchFamily="49" charset="0"/>
+              </a:rPr>
+              <a:t>);</a:t>
+            </a:r>
+            <a:br>
+              <a:rPr kumimoji="0" lang="en-US" altLang="en-US" sz="1400" b="0" i="0" u="none" strike="noStrike" cap="none" normalizeH="0" baseline="0" dirty="0">
+                <a:ln>
+                  <a:noFill/>
+                </a:ln>
+                <a:solidFill>
+                  <a:srgbClr val="000000"/>
+                </a:solidFill>
+                <a:effectLst/>
+                <a:latin typeface="Consolas" panose="020B0609020204030204" pitchFamily="49" charset="0"/>
+              </a:rPr>
+            </a:br>
+            <a:r>
+              <a:rPr kumimoji="0" lang="en-US" altLang="en-US" sz="1400" b="0" i="0" u="none" strike="noStrike" cap="none" normalizeH="0" baseline="0" dirty="0">
+                <a:ln>
+                  <a:noFill/>
+                </a:ln>
+                <a:solidFill>
+                  <a:srgbClr val="000000"/>
+                </a:solidFill>
+                <a:effectLst/>
+                <a:latin typeface="Consolas" panose="020B0609020204030204" pitchFamily="49" charset="0"/>
+              </a:rPr>
+              <a:t>    }</a:t>
+            </a:r>
+            <a:br>
+              <a:rPr kumimoji="0" lang="en-US" altLang="en-US" sz="1400" b="0" i="0" u="none" strike="noStrike" cap="none" normalizeH="0" baseline="0" dirty="0">
+                <a:ln>
+                  <a:noFill/>
+                </a:ln>
+                <a:solidFill>
+                  <a:srgbClr val="000000"/>
+                </a:solidFill>
+                <a:effectLst/>
+                <a:latin typeface="Consolas" panose="020B0609020204030204" pitchFamily="49" charset="0"/>
+              </a:rPr>
+            </a:br>
+            <a:r>
+              <a:rPr kumimoji="0" lang="en-US" altLang="en-US" sz="1400" b="0" i="0" u="none" strike="noStrike" cap="none" normalizeH="0" baseline="0" dirty="0">
+                <a:ln>
+                  <a:noFill/>
+                </a:ln>
+                <a:solidFill>
+                  <a:srgbClr val="000000"/>
+                </a:solidFill>
+                <a:effectLst/>
+                <a:latin typeface="Consolas" panose="020B0609020204030204" pitchFamily="49" charset="0"/>
+              </a:rPr>
+              <a:t>}</a:t>
+            </a:r>
+            <a:br>
+              <a:rPr kumimoji="0" lang="en-US" altLang="en-US" sz="1400" b="0" i="0" u="none" strike="noStrike" cap="none" normalizeH="0" baseline="0" dirty="0">
+                <a:ln>
+                  <a:noFill/>
+                </a:ln>
+                <a:solidFill>
+                  <a:srgbClr val="000000"/>
+                </a:solidFill>
+                <a:effectLst/>
+                <a:latin typeface="Consolas" panose="020B0609020204030204" pitchFamily="49" charset="0"/>
+              </a:rPr>
+            </a:br>
+            <a:br>
+              <a:rPr kumimoji="0" lang="en-US" altLang="en-US" sz="1400" b="0" i="0" u="none" strike="noStrike" cap="none" normalizeH="0" baseline="0" dirty="0">
+                <a:ln>
+                  <a:noFill/>
+                </a:ln>
+                <a:solidFill>
+                  <a:srgbClr val="000000"/>
+                </a:solidFill>
+                <a:effectLst/>
+                <a:latin typeface="Consolas" panose="020B0609020204030204" pitchFamily="49" charset="0"/>
+              </a:rPr>
+            </a:br>
+            <a:r>
+              <a:rPr kumimoji="0" lang="en-US" altLang="en-US" sz="1400" b="1" i="0" u="none" strike="noStrike" cap="none" normalizeH="0" baseline="0" dirty="0">
+                <a:ln>
+                  <a:noFill/>
+                </a:ln>
+                <a:solidFill>
+                  <a:srgbClr val="000080"/>
+                </a:solidFill>
+                <a:effectLst/>
+                <a:latin typeface="Consolas" panose="020B0609020204030204" pitchFamily="49" charset="0"/>
+              </a:rPr>
+              <a:t>class </a:t>
+            </a:r>
+            <a:r>
+              <a:rPr kumimoji="0" lang="en-US" altLang="en-US" sz="1400" b="0" i="0" u="none" strike="noStrike" cap="none" normalizeH="0" baseline="0" dirty="0">
+                <a:ln>
+                  <a:noFill/>
+                </a:ln>
+                <a:solidFill>
+                  <a:srgbClr val="000000"/>
+                </a:solidFill>
+                <a:effectLst/>
+                <a:latin typeface="Consolas" panose="020B0609020204030204" pitchFamily="49" charset="0"/>
+              </a:rPr>
+              <a:t>Pig </a:t>
+            </a:r>
+            <a:r>
+              <a:rPr kumimoji="0" lang="en-US" altLang="en-US" sz="1400" b="1" i="0" u="none" strike="noStrike" cap="none" normalizeH="0" baseline="0" dirty="0">
+                <a:ln>
+                  <a:noFill/>
+                </a:ln>
+                <a:solidFill>
+                  <a:srgbClr val="000080"/>
+                </a:solidFill>
+                <a:effectLst/>
+                <a:latin typeface="Consolas" panose="020B0609020204030204" pitchFamily="49" charset="0"/>
+              </a:rPr>
+              <a:t>extends </a:t>
+            </a:r>
+            <a:r>
+              <a:rPr kumimoji="0" lang="en-US" altLang="en-US" sz="1400" b="0" i="0" u="none" strike="noStrike" cap="none" normalizeH="0" baseline="0" dirty="0">
+                <a:ln>
+                  <a:noFill/>
+                </a:ln>
+                <a:solidFill>
+                  <a:srgbClr val="000000"/>
+                </a:solidFill>
+                <a:effectLst/>
+                <a:latin typeface="Consolas" panose="020B0609020204030204" pitchFamily="49" charset="0"/>
+              </a:rPr>
+              <a:t>Animal {</a:t>
+            </a:r>
+            <a:br>
+              <a:rPr kumimoji="0" lang="en-US" altLang="en-US" sz="1400" b="0" i="0" u="none" strike="noStrike" cap="none" normalizeH="0" baseline="0" dirty="0">
+                <a:ln>
+                  <a:noFill/>
+                </a:ln>
+                <a:solidFill>
+                  <a:srgbClr val="000000"/>
+                </a:solidFill>
+                <a:effectLst/>
+                <a:latin typeface="Consolas" panose="020B0609020204030204" pitchFamily="49" charset="0"/>
+              </a:rPr>
+            </a:br>
+            <a:r>
+              <a:rPr kumimoji="0" lang="en-US" altLang="en-US" sz="1400" b="0" i="0" u="none" strike="noStrike" cap="none" normalizeH="0" baseline="0" dirty="0">
+                <a:ln>
+                  <a:noFill/>
+                </a:ln>
+                <a:solidFill>
+                  <a:srgbClr val="000000"/>
+                </a:solidFill>
+                <a:effectLst/>
+                <a:latin typeface="Consolas" panose="020B0609020204030204" pitchFamily="49" charset="0"/>
+              </a:rPr>
+              <a:t>    </a:t>
+            </a:r>
+            <a:r>
+              <a:rPr kumimoji="0" lang="en-US" altLang="en-US" sz="1400" b="1" i="0" u="none" strike="noStrike" cap="none" normalizeH="0" baseline="0" dirty="0">
+                <a:ln>
+                  <a:noFill/>
+                </a:ln>
+                <a:solidFill>
+                  <a:srgbClr val="000080"/>
+                </a:solidFill>
+                <a:effectLst/>
+                <a:latin typeface="Consolas" panose="020B0609020204030204" pitchFamily="49" charset="0"/>
+              </a:rPr>
+              <a:t>public void </a:t>
+            </a:r>
+            <a:r>
+              <a:rPr kumimoji="0" lang="en-US" altLang="en-US" sz="1400" b="0" i="0" u="none" strike="noStrike" cap="none" normalizeH="0" baseline="0" dirty="0" err="1">
+                <a:ln>
+                  <a:noFill/>
+                </a:ln>
+                <a:solidFill>
+                  <a:srgbClr val="000000"/>
+                </a:solidFill>
+                <a:effectLst/>
+                <a:latin typeface="Consolas" panose="020B0609020204030204" pitchFamily="49" charset="0"/>
+              </a:rPr>
+              <a:t>animalSound</a:t>
+            </a:r>
+            <a:r>
+              <a:rPr kumimoji="0" lang="en-US" altLang="en-US" sz="1400" b="0" i="0" u="none" strike="noStrike" cap="none" normalizeH="0" baseline="0" dirty="0">
+                <a:ln>
+                  <a:noFill/>
+                </a:ln>
+                <a:solidFill>
+                  <a:srgbClr val="000000"/>
+                </a:solidFill>
+                <a:effectLst/>
+                <a:latin typeface="Consolas" panose="020B0609020204030204" pitchFamily="49" charset="0"/>
+              </a:rPr>
+              <a:t>() {</a:t>
+            </a:r>
+            <a:br>
+              <a:rPr kumimoji="0" lang="en-US" altLang="en-US" sz="1400" b="0" i="0" u="none" strike="noStrike" cap="none" normalizeH="0" baseline="0" dirty="0">
+                <a:ln>
+                  <a:noFill/>
+                </a:ln>
+                <a:solidFill>
+                  <a:srgbClr val="000000"/>
+                </a:solidFill>
+                <a:effectLst/>
+                <a:latin typeface="Consolas" panose="020B0609020204030204" pitchFamily="49" charset="0"/>
+              </a:rPr>
+            </a:br>
+            <a:r>
+              <a:rPr kumimoji="0" lang="en-US" altLang="en-US" sz="1400" b="0" i="0" u="none" strike="noStrike" cap="none" normalizeH="0" baseline="0" dirty="0">
+                <a:ln>
+                  <a:noFill/>
+                </a:ln>
+                <a:solidFill>
+                  <a:srgbClr val="000000"/>
+                </a:solidFill>
+                <a:effectLst/>
+                <a:latin typeface="Consolas" panose="020B0609020204030204" pitchFamily="49" charset="0"/>
+              </a:rPr>
+              <a:t>        </a:t>
+            </a:r>
+            <a:r>
+              <a:rPr kumimoji="0" lang="en-US" altLang="en-US" sz="1400" b="0" i="0" u="none" strike="noStrike" cap="none" normalizeH="0" baseline="0" dirty="0" err="1">
+                <a:ln>
+                  <a:noFill/>
+                </a:ln>
+                <a:solidFill>
+                  <a:srgbClr val="000000"/>
+                </a:solidFill>
+                <a:effectLst/>
+                <a:latin typeface="Consolas" panose="020B0609020204030204" pitchFamily="49" charset="0"/>
+              </a:rPr>
+              <a:t>System.</a:t>
+            </a:r>
+            <a:r>
+              <a:rPr kumimoji="0" lang="en-US" altLang="en-US" sz="1400" b="1" i="1" u="none" strike="noStrike" cap="none" normalizeH="0" baseline="0" dirty="0" err="1">
+                <a:ln>
+                  <a:noFill/>
+                </a:ln>
+                <a:solidFill>
+                  <a:srgbClr val="660E7A"/>
+                </a:solidFill>
+                <a:effectLst/>
+                <a:latin typeface="Consolas" panose="020B0609020204030204" pitchFamily="49" charset="0"/>
+              </a:rPr>
+              <a:t>out</a:t>
+            </a:r>
+            <a:r>
+              <a:rPr kumimoji="0" lang="en-US" altLang="en-US" sz="1400" b="0" i="0" u="none" strike="noStrike" cap="none" normalizeH="0" baseline="0" dirty="0" err="1">
+                <a:ln>
+                  <a:noFill/>
+                </a:ln>
+                <a:solidFill>
+                  <a:srgbClr val="000000"/>
+                </a:solidFill>
+                <a:effectLst/>
+                <a:latin typeface="Consolas" panose="020B0609020204030204" pitchFamily="49" charset="0"/>
+              </a:rPr>
+              <a:t>.println</a:t>
+            </a:r>
+            <a:r>
+              <a:rPr kumimoji="0" lang="en-US" altLang="en-US" sz="1400" b="0" i="0" u="none" strike="noStrike" cap="none" normalizeH="0" baseline="0" dirty="0">
+                <a:ln>
+                  <a:noFill/>
+                </a:ln>
+                <a:solidFill>
+                  <a:srgbClr val="000000"/>
+                </a:solidFill>
+                <a:effectLst/>
+                <a:latin typeface="Consolas" panose="020B0609020204030204" pitchFamily="49" charset="0"/>
+              </a:rPr>
+              <a:t>(</a:t>
+            </a:r>
+            <a:r>
+              <a:rPr kumimoji="0" lang="en-US" altLang="en-US" sz="1400" b="1" i="0" u="none" strike="noStrike" cap="none" normalizeH="0" baseline="0" dirty="0">
+                <a:ln>
+                  <a:noFill/>
+                </a:ln>
+                <a:solidFill>
+                  <a:srgbClr val="008000"/>
+                </a:solidFill>
+                <a:effectLst/>
+                <a:latin typeface="Consolas" panose="020B0609020204030204" pitchFamily="49" charset="0"/>
+              </a:rPr>
+              <a:t>"The pig says: wee wee"</a:t>
+            </a:r>
+            <a:r>
+              <a:rPr kumimoji="0" lang="en-US" altLang="en-US" sz="1400" b="0" i="0" u="none" strike="noStrike" cap="none" normalizeH="0" baseline="0" dirty="0">
+                <a:ln>
+                  <a:noFill/>
+                </a:ln>
+                <a:solidFill>
+                  <a:srgbClr val="000000"/>
+                </a:solidFill>
+                <a:effectLst/>
+                <a:latin typeface="Consolas" panose="020B0609020204030204" pitchFamily="49" charset="0"/>
+              </a:rPr>
+              <a:t>);</a:t>
+            </a:r>
+            <a:br>
+              <a:rPr kumimoji="0" lang="en-US" altLang="en-US" sz="1400" b="0" i="0" u="none" strike="noStrike" cap="none" normalizeH="0" baseline="0" dirty="0">
+                <a:ln>
+                  <a:noFill/>
+                </a:ln>
+                <a:solidFill>
+                  <a:srgbClr val="000000"/>
+                </a:solidFill>
+                <a:effectLst/>
+                <a:latin typeface="Consolas" panose="020B0609020204030204" pitchFamily="49" charset="0"/>
+              </a:rPr>
+            </a:br>
+            <a:r>
+              <a:rPr kumimoji="0" lang="en-US" altLang="en-US" sz="1400" b="0" i="0" u="none" strike="noStrike" cap="none" normalizeH="0" baseline="0" dirty="0">
+                <a:ln>
+                  <a:noFill/>
+                </a:ln>
+                <a:solidFill>
+                  <a:srgbClr val="000000"/>
+                </a:solidFill>
+                <a:effectLst/>
+                <a:latin typeface="Consolas" panose="020B0609020204030204" pitchFamily="49" charset="0"/>
+              </a:rPr>
+              <a:t>    }</a:t>
+            </a:r>
+            <a:br>
+              <a:rPr kumimoji="0" lang="en-US" altLang="en-US" sz="1400" b="0" i="0" u="none" strike="noStrike" cap="none" normalizeH="0" baseline="0" dirty="0">
+                <a:ln>
+                  <a:noFill/>
+                </a:ln>
+                <a:solidFill>
+                  <a:srgbClr val="000000"/>
+                </a:solidFill>
+                <a:effectLst/>
+                <a:latin typeface="Consolas" panose="020B0609020204030204" pitchFamily="49" charset="0"/>
+              </a:rPr>
+            </a:br>
+            <a:r>
+              <a:rPr kumimoji="0" lang="en-US" altLang="en-US" sz="1400" b="0" i="0" u="none" strike="noStrike" cap="none" normalizeH="0" baseline="0" dirty="0">
+                <a:ln>
+                  <a:noFill/>
+                </a:ln>
+                <a:solidFill>
+                  <a:srgbClr val="000000"/>
+                </a:solidFill>
+                <a:effectLst/>
+                <a:latin typeface="Consolas" panose="020B0609020204030204" pitchFamily="49" charset="0"/>
+              </a:rPr>
+              <a:t>}</a:t>
+            </a:r>
+            <a:br>
+              <a:rPr kumimoji="0" lang="en-US" altLang="en-US" sz="1400" b="0" i="0" u="none" strike="noStrike" cap="none" normalizeH="0" baseline="0" dirty="0">
+                <a:ln>
+                  <a:noFill/>
+                </a:ln>
+                <a:solidFill>
+                  <a:srgbClr val="000000"/>
+                </a:solidFill>
+                <a:effectLst/>
+                <a:latin typeface="Consolas" panose="020B0609020204030204" pitchFamily="49" charset="0"/>
+              </a:rPr>
+            </a:br>
+            <a:br>
+              <a:rPr kumimoji="0" lang="en-US" altLang="en-US" sz="1400" b="0" i="0" u="none" strike="noStrike" cap="none" normalizeH="0" baseline="0" dirty="0">
+                <a:ln>
+                  <a:noFill/>
+                </a:ln>
+                <a:solidFill>
+                  <a:srgbClr val="000000"/>
+                </a:solidFill>
+                <a:effectLst/>
+                <a:latin typeface="Consolas" panose="020B0609020204030204" pitchFamily="49" charset="0"/>
+              </a:rPr>
+            </a:br>
+            <a:r>
+              <a:rPr kumimoji="0" lang="en-US" altLang="en-US" sz="1400" b="1" i="0" u="none" strike="noStrike" cap="none" normalizeH="0" baseline="0" dirty="0">
+                <a:ln>
+                  <a:noFill/>
+                </a:ln>
+                <a:solidFill>
+                  <a:srgbClr val="000080"/>
+                </a:solidFill>
+                <a:effectLst/>
+                <a:latin typeface="Consolas" panose="020B0609020204030204" pitchFamily="49" charset="0"/>
+              </a:rPr>
+              <a:t>class </a:t>
+            </a:r>
+            <a:r>
+              <a:rPr kumimoji="0" lang="en-US" altLang="en-US" sz="1400" b="0" i="0" u="none" strike="noStrike" cap="none" normalizeH="0" baseline="0" dirty="0">
+                <a:ln>
+                  <a:noFill/>
+                </a:ln>
+                <a:solidFill>
+                  <a:srgbClr val="000000"/>
+                </a:solidFill>
+                <a:effectLst/>
+                <a:latin typeface="Consolas" panose="020B0609020204030204" pitchFamily="49" charset="0"/>
+              </a:rPr>
+              <a:t>Dog </a:t>
+            </a:r>
+            <a:r>
+              <a:rPr kumimoji="0" lang="en-US" altLang="en-US" sz="1400" b="1" i="0" u="none" strike="noStrike" cap="none" normalizeH="0" baseline="0" dirty="0">
+                <a:ln>
+                  <a:noFill/>
+                </a:ln>
+                <a:solidFill>
+                  <a:srgbClr val="000080"/>
+                </a:solidFill>
+                <a:effectLst/>
+                <a:latin typeface="Consolas" panose="020B0609020204030204" pitchFamily="49" charset="0"/>
+              </a:rPr>
+              <a:t>extends </a:t>
+            </a:r>
+            <a:r>
+              <a:rPr kumimoji="0" lang="en-US" altLang="en-US" sz="1400" b="0" i="0" u="none" strike="noStrike" cap="none" normalizeH="0" baseline="0" dirty="0">
+                <a:ln>
+                  <a:noFill/>
+                </a:ln>
+                <a:solidFill>
+                  <a:srgbClr val="000000"/>
+                </a:solidFill>
+                <a:effectLst/>
+                <a:latin typeface="Consolas" panose="020B0609020204030204" pitchFamily="49" charset="0"/>
+              </a:rPr>
+              <a:t>Animal {</a:t>
+            </a:r>
+            <a:br>
+              <a:rPr kumimoji="0" lang="en-US" altLang="en-US" sz="1400" b="0" i="0" u="none" strike="noStrike" cap="none" normalizeH="0" baseline="0" dirty="0">
+                <a:ln>
+                  <a:noFill/>
+                </a:ln>
+                <a:solidFill>
+                  <a:srgbClr val="000000"/>
+                </a:solidFill>
+                <a:effectLst/>
+                <a:latin typeface="Consolas" panose="020B0609020204030204" pitchFamily="49" charset="0"/>
+              </a:rPr>
+            </a:br>
+            <a:r>
+              <a:rPr kumimoji="0" lang="en-US" altLang="en-US" sz="1400" b="0" i="0" u="none" strike="noStrike" cap="none" normalizeH="0" baseline="0" dirty="0">
+                <a:ln>
+                  <a:noFill/>
+                </a:ln>
+                <a:solidFill>
+                  <a:srgbClr val="000000"/>
+                </a:solidFill>
+                <a:effectLst/>
+                <a:latin typeface="Consolas" panose="020B0609020204030204" pitchFamily="49" charset="0"/>
+              </a:rPr>
+              <a:t>    </a:t>
+            </a:r>
+            <a:r>
+              <a:rPr kumimoji="0" lang="en-US" altLang="en-US" sz="1400" b="1" i="0" u="none" strike="noStrike" cap="none" normalizeH="0" baseline="0" dirty="0">
+                <a:ln>
+                  <a:noFill/>
+                </a:ln>
+                <a:solidFill>
+                  <a:srgbClr val="000080"/>
+                </a:solidFill>
+                <a:effectLst/>
+                <a:latin typeface="Consolas" panose="020B0609020204030204" pitchFamily="49" charset="0"/>
+              </a:rPr>
+              <a:t>public void </a:t>
+            </a:r>
+            <a:r>
+              <a:rPr kumimoji="0" lang="en-US" altLang="en-US" sz="1400" b="0" i="0" u="none" strike="noStrike" cap="none" normalizeH="0" baseline="0" dirty="0" err="1">
+                <a:ln>
+                  <a:noFill/>
+                </a:ln>
+                <a:solidFill>
+                  <a:srgbClr val="000000"/>
+                </a:solidFill>
+                <a:effectLst/>
+                <a:latin typeface="Consolas" panose="020B0609020204030204" pitchFamily="49" charset="0"/>
+              </a:rPr>
+              <a:t>animalSound</a:t>
+            </a:r>
+            <a:r>
+              <a:rPr kumimoji="0" lang="en-US" altLang="en-US" sz="1400" b="0" i="0" u="none" strike="noStrike" cap="none" normalizeH="0" baseline="0" dirty="0">
+                <a:ln>
+                  <a:noFill/>
+                </a:ln>
+                <a:solidFill>
+                  <a:srgbClr val="000000"/>
+                </a:solidFill>
+                <a:effectLst/>
+                <a:latin typeface="Consolas" panose="020B0609020204030204" pitchFamily="49" charset="0"/>
+              </a:rPr>
+              <a:t>() {</a:t>
+            </a:r>
+            <a:br>
+              <a:rPr kumimoji="0" lang="en-US" altLang="en-US" sz="1400" b="0" i="0" u="none" strike="noStrike" cap="none" normalizeH="0" baseline="0" dirty="0">
+                <a:ln>
+                  <a:noFill/>
+                </a:ln>
+                <a:solidFill>
+                  <a:srgbClr val="000000"/>
+                </a:solidFill>
+                <a:effectLst/>
+                <a:latin typeface="Consolas" panose="020B0609020204030204" pitchFamily="49" charset="0"/>
+              </a:rPr>
+            </a:br>
+            <a:r>
+              <a:rPr kumimoji="0" lang="en-US" altLang="en-US" sz="1400" b="0" i="0" u="none" strike="noStrike" cap="none" normalizeH="0" baseline="0" dirty="0">
+                <a:ln>
+                  <a:noFill/>
+                </a:ln>
+                <a:solidFill>
+                  <a:srgbClr val="000000"/>
+                </a:solidFill>
+                <a:effectLst/>
+                <a:latin typeface="Consolas" panose="020B0609020204030204" pitchFamily="49" charset="0"/>
+              </a:rPr>
+              <a:t>        </a:t>
+            </a:r>
+            <a:r>
+              <a:rPr kumimoji="0" lang="en-US" altLang="en-US" sz="1400" b="0" i="0" u="none" strike="noStrike" cap="none" normalizeH="0" baseline="0" dirty="0" err="1">
+                <a:ln>
+                  <a:noFill/>
+                </a:ln>
+                <a:solidFill>
+                  <a:srgbClr val="000000"/>
+                </a:solidFill>
+                <a:effectLst/>
+                <a:latin typeface="Consolas" panose="020B0609020204030204" pitchFamily="49" charset="0"/>
+              </a:rPr>
+              <a:t>System.</a:t>
+            </a:r>
+            <a:r>
+              <a:rPr kumimoji="0" lang="en-US" altLang="en-US" sz="1400" b="1" i="1" u="none" strike="noStrike" cap="none" normalizeH="0" baseline="0" dirty="0" err="1">
+                <a:ln>
+                  <a:noFill/>
+                </a:ln>
+                <a:solidFill>
+                  <a:srgbClr val="660E7A"/>
+                </a:solidFill>
+                <a:effectLst/>
+                <a:latin typeface="Consolas" panose="020B0609020204030204" pitchFamily="49" charset="0"/>
+              </a:rPr>
+              <a:t>out</a:t>
+            </a:r>
+            <a:r>
+              <a:rPr kumimoji="0" lang="en-US" altLang="en-US" sz="1400" b="0" i="0" u="none" strike="noStrike" cap="none" normalizeH="0" baseline="0" dirty="0" err="1">
+                <a:ln>
+                  <a:noFill/>
+                </a:ln>
+                <a:solidFill>
+                  <a:srgbClr val="000000"/>
+                </a:solidFill>
+                <a:effectLst/>
+                <a:latin typeface="Consolas" panose="020B0609020204030204" pitchFamily="49" charset="0"/>
+              </a:rPr>
+              <a:t>.println</a:t>
+            </a:r>
+            <a:r>
+              <a:rPr kumimoji="0" lang="en-US" altLang="en-US" sz="1400" b="0" i="0" u="none" strike="noStrike" cap="none" normalizeH="0" baseline="0" dirty="0">
+                <a:ln>
+                  <a:noFill/>
+                </a:ln>
+                <a:solidFill>
+                  <a:srgbClr val="000000"/>
+                </a:solidFill>
+                <a:effectLst/>
+                <a:latin typeface="Consolas" panose="020B0609020204030204" pitchFamily="49" charset="0"/>
+              </a:rPr>
+              <a:t>(</a:t>
+            </a:r>
+            <a:r>
+              <a:rPr kumimoji="0" lang="en-US" altLang="en-US" sz="1400" b="1" i="0" u="none" strike="noStrike" cap="none" normalizeH="0" baseline="0" dirty="0">
+                <a:ln>
+                  <a:noFill/>
+                </a:ln>
+                <a:solidFill>
+                  <a:srgbClr val="008000"/>
+                </a:solidFill>
+                <a:effectLst/>
+                <a:latin typeface="Consolas" panose="020B0609020204030204" pitchFamily="49" charset="0"/>
+              </a:rPr>
+              <a:t>"The dog says: bow wow"</a:t>
+            </a:r>
+            <a:r>
+              <a:rPr kumimoji="0" lang="en-US" altLang="en-US" sz="1400" b="0" i="0" u="none" strike="noStrike" cap="none" normalizeH="0" baseline="0" dirty="0">
+                <a:ln>
+                  <a:noFill/>
+                </a:ln>
+                <a:solidFill>
+                  <a:srgbClr val="000000"/>
+                </a:solidFill>
+                <a:effectLst/>
+                <a:latin typeface="Consolas" panose="020B0609020204030204" pitchFamily="49" charset="0"/>
+              </a:rPr>
+              <a:t>);</a:t>
+            </a:r>
+            <a:br>
+              <a:rPr kumimoji="0" lang="en-US" altLang="en-US" sz="1400" b="0" i="0" u="none" strike="noStrike" cap="none" normalizeH="0" baseline="0" dirty="0">
+                <a:ln>
+                  <a:noFill/>
+                </a:ln>
+                <a:solidFill>
+                  <a:srgbClr val="000000"/>
+                </a:solidFill>
+                <a:effectLst/>
+                <a:latin typeface="Consolas" panose="020B0609020204030204" pitchFamily="49" charset="0"/>
+              </a:rPr>
+            </a:br>
+            <a:r>
+              <a:rPr kumimoji="0" lang="en-US" altLang="en-US" sz="1400" b="0" i="0" u="none" strike="noStrike" cap="none" normalizeH="0" baseline="0" dirty="0">
+                <a:ln>
+                  <a:noFill/>
+                </a:ln>
+                <a:solidFill>
+                  <a:srgbClr val="000000"/>
+                </a:solidFill>
+                <a:effectLst/>
+                <a:latin typeface="Consolas" panose="020B0609020204030204" pitchFamily="49" charset="0"/>
+              </a:rPr>
+              <a:t>    }</a:t>
+            </a:r>
+            <a:br>
+              <a:rPr kumimoji="0" lang="en-US" altLang="en-US" sz="1400" b="0" i="0" u="none" strike="noStrike" cap="none" normalizeH="0" baseline="0" dirty="0">
+                <a:ln>
+                  <a:noFill/>
+                </a:ln>
+                <a:solidFill>
+                  <a:srgbClr val="000000"/>
+                </a:solidFill>
+                <a:effectLst/>
+                <a:latin typeface="Consolas" panose="020B0609020204030204" pitchFamily="49" charset="0"/>
+              </a:rPr>
+            </a:br>
+            <a:r>
+              <a:rPr kumimoji="0" lang="en-US" altLang="en-US" sz="1400" b="0" i="0" u="none" strike="noStrike" cap="none" normalizeH="0" baseline="0" dirty="0">
+                <a:ln>
+                  <a:noFill/>
+                </a:ln>
+                <a:solidFill>
+                  <a:srgbClr val="000000"/>
+                </a:solidFill>
+                <a:effectLst/>
+                <a:latin typeface="Consolas" panose="020B0609020204030204" pitchFamily="49" charset="0"/>
+              </a:rPr>
+              <a:t>}</a:t>
+            </a:r>
+            <a:endParaRPr kumimoji="0" lang="en-US" altLang="en-US" sz="1400" b="0" i="0" u="none" strike="noStrike" cap="none" normalizeH="0" baseline="0" dirty="0">
+              <a:ln>
+                <a:noFill/>
+              </a:ln>
+              <a:solidFill>
+                <a:schemeClr val="tx1"/>
+              </a:solidFill>
+              <a:effectLst/>
+              <a:latin typeface="Arial" panose="020B0604020202020204" pitchFamily="34" charset="0"/>
+            </a:endParaRPr>
+          </a:p>
+        </p:txBody>
+      </p:sp>
+      <p:sp>
+        <p:nvSpPr>
+          <p:cNvPr id="6" name="Rectangle 2">
+            <a:extLst>
+              <a:ext uri="{FF2B5EF4-FFF2-40B4-BE49-F238E27FC236}">
+                <a16:creationId xmlns:a16="http://schemas.microsoft.com/office/drawing/2014/main" id="{D44E7769-9636-4EE1-8590-11730D0A897E}"/>
+              </a:ext>
+            </a:extLst>
+          </p:cNvPr>
+          <p:cNvSpPr>
+            <a:spLocks noChangeArrowheads="1"/>
+          </p:cNvSpPr>
+          <p:nvPr/>
+        </p:nvSpPr>
+        <p:spPr bwMode="auto">
+          <a:xfrm>
+            <a:off x="6961118" y="2612444"/>
+            <a:ext cx="4557658" cy="2246769"/>
+          </a:xfrm>
+          <a:prstGeom prst="rect">
+            <a:avLst/>
+          </a:prstGeom>
+          <a:solidFill>
+            <a:srgbClr val="FFFFFF"/>
+          </a:solidFill>
+          <a:ln>
+            <a:noFill/>
+          </a:ln>
+          <a:effectLst/>
+          <a:extLst>
+            <a:ext uri="{91240B29-F687-4F45-9708-019B960494DF}">
+              <a14:hiddenLine xmlns:a14="http://schemas.microsoft.com/office/drawing/2010/main" w="9525">
+                <a:solidFill>
+                  <a:schemeClr val="tx1"/>
+                </a:solidFill>
+                <a:miter lim="800000"/>
+                <a:headEnd/>
+                <a:tailEnd/>
+              </a14:hiddenLine>
+            </a:ext>
+            <a:ext uri="{AF507438-7753-43E0-B8FC-AC1667EBCBE1}">
+              <a14:hiddenEffects xmlns:a14="http://schemas.microsoft.com/office/drawing/2010/main">
+                <a:effectLst>
+                  <a:outerShdw dist="35921" dir="2700000" algn="ctr" rotWithShape="0">
+                    <a:schemeClr val="bg2"/>
+                  </a:outerShdw>
+                </a:effectLst>
+              </a14:hiddenEffects>
+            </a:ext>
+          </a:extLst>
+        </p:spPr>
+        <p:txBody>
+          <a:bodyPr vert="horz" wrap="none" lIns="91440" tIns="45720" rIns="91440" bIns="45720" numCol="1" anchor="ctr" anchorCtr="0" compatLnSpc="1">
+            <a:prstTxWarp prst="textNoShape">
+              <a:avLst/>
+            </a:prstTxWarp>
+            <a:spAutoFit/>
+          </a:bodyPr>
+          <a:lstStyle/>
+          <a:p>
+            <a:pPr marL="0" marR="0" lvl="0" indent="0" algn="l" defTabSz="914400" rtl="0" eaLnBrk="0" fontAlgn="base" latinLnBrk="0" hangingPunct="0">
+              <a:lnSpc>
+                <a:spcPct val="100000"/>
+              </a:lnSpc>
+              <a:spcBef>
+                <a:spcPct val="0"/>
+              </a:spcBef>
+              <a:spcAft>
+                <a:spcPct val="0"/>
+              </a:spcAft>
+              <a:buClrTx/>
+              <a:buSzTx/>
+              <a:buFontTx/>
+              <a:buNone/>
+              <a:tabLst/>
+            </a:pPr>
+            <a:r>
+              <a:rPr kumimoji="0" lang="en-US" altLang="en-US" sz="1400" b="1" i="0" u="none" strike="noStrike" cap="none" normalizeH="0" baseline="0" dirty="0">
+                <a:ln>
+                  <a:noFill/>
+                </a:ln>
+                <a:solidFill>
+                  <a:srgbClr val="000080"/>
+                </a:solidFill>
+                <a:effectLst/>
+                <a:latin typeface="Consolas" panose="020B0609020204030204" pitchFamily="49" charset="0"/>
+              </a:rPr>
+              <a:t>class </a:t>
+            </a:r>
+            <a:r>
+              <a:rPr kumimoji="0" lang="en-US" altLang="en-US" sz="1400" b="0" i="0" u="none" strike="noStrike" cap="none" normalizeH="0" baseline="0" dirty="0" err="1">
+                <a:ln>
+                  <a:noFill/>
+                </a:ln>
+                <a:solidFill>
+                  <a:srgbClr val="000000"/>
+                </a:solidFill>
+                <a:effectLst/>
+                <a:latin typeface="Consolas" panose="020B0609020204030204" pitchFamily="49" charset="0"/>
+              </a:rPr>
+              <a:t>MyMainClass</a:t>
+            </a:r>
+            <a:r>
+              <a:rPr kumimoji="0" lang="en-US" altLang="en-US" sz="1400" b="0" i="0" u="none" strike="noStrike" cap="none" normalizeH="0" baseline="0" dirty="0">
+                <a:ln>
+                  <a:noFill/>
+                </a:ln>
+                <a:solidFill>
+                  <a:srgbClr val="000000"/>
+                </a:solidFill>
+                <a:effectLst/>
+                <a:latin typeface="Consolas" panose="020B0609020204030204" pitchFamily="49" charset="0"/>
+              </a:rPr>
+              <a:t> {</a:t>
+            </a:r>
+            <a:br>
+              <a:rPr kumimoji="0" lang="en-US" altLang="en-US" sz="1400" b="0" i="0" u="none" strike="noStrike" cap="none" normalizeH="0" baseline="0" dirty="0">
+                <a:ln>
+                  <a:noFill/>
+                </a:ln>
+                <a:solidFill>
+                  <a:srgbClr val="000000"/>
+                </a:solidFill>
+                <a:effectLst/>
+                <a:latin typeface="Consolas" panose="020B0609020204030204" pitchFamily="49" charset="0"/>
+              </a:rPr>
+            </a:br>
+            <a:r>
+              <a:rPr kumimoji="0" lang="en-US" altLang="en-US" sz="1400" b="0" i="0" u="none" strike="noStrike" cap="none" normalizeH="0" baseline="0" dirty="0">
+                <a:ln>
+                  <a:noFill/>
+                </a:ln>
+                <a:solidFill>
+                  <a:srgbClr val="000000"/>
+                </a:solidFill>
+                <a:effectLst/>
+                <a:latin typeface="Consolas" panose="020B0609020204030204" pitchFamily="49" charset="0"/>
+              </a:rPr>
+              <a:t>    </a:t>
+            </a:r>
+            <a:r>
+              <a:rPr kumimoji="0" lang="en-US" altLang="en-US" sz="1400" b="1" i="0" u="none" strike="noStrike" cap="none" normalizeH="0" baseline="0" dirty="0">
+                <a:ln>
+                  <a:noFill/>
+                </a:ln>
+                <a:solidFill>
+                  <a:srgbClr val="000080"/>
+                </a:solidFill>
+                <a:effectLst/>
+                <a:latin typeface="Consolas" panose="020B0609020204030204" pitchFamily="49" charset="0"/>
+              </a:rPr>
+              <a:t>public static void </a:t>
+            </a:r>
+            <a:r>
+              <a:rPr kumimoji="0" lang="en-US" altLang="en-US" sz="1400" b="0" i="0" u="none" strike="noStrike" cap="none" normalizeH="0" baseline="0" dirty="0">
+                <a:ln>
+                  <a:noFill/>
+                </a:ln>
+                <a:solidFill>
+                  <a:srgbClr val="000000"/>
+                </a:solidFill>
+                <a:effectLst/>
+                <a:latin typeface="Consolas" panose="020B0609020204030204" pitchFamily="49" charset="0"/>
+              </a:rPr>
+              <a:t>main(String[] </a:t>
+            </a:r>
+            <a:r>
+              <a:rPr kumimoji="0" lang="en-US" altLang="en-US" sz="1400" b="0" i="0" u="none" strike="noStrike" cap="none" normalizeH="0" baseline="0" dirty="0" err="1">
+                <a:ln>
+                  <a:noFill/>
+                </a:ln>
+                <a:solidFill>
+                  <a:srgbClr val="000000"/>
+                </a:solidFill>
+                <a:effectLst/>
+                <a:latin typeface="Consolas" panose="020B0609020204030204" pitchFamily="49" charset="0"/>
+              </a:rPr>
+              <a:t>args</a:t>
+            </a:r>
+            <a:r>
+              <a:rPr kumimoji="0" lang="en-US" altLang="en-US" sz="1400" b="0" i="0" u="none" strike="noStrike" cap="none" normalizeH="0" baseline="0" dirty="0">
+                <a:ln>
+                  <a:noFill/>
+                </a:ln>
+                <a:solidFill>
+                  <a:srgbClr val="000000"/>
+                </a:solidFill>
+                <a:effectLst/>
+                <a:latin typeface="Consolas" panose="020B0609020204030204" pitchFamily="49" charset="0"/>
+              </a:rPr>
+              <a:t>) {</a:t>
+            </a:r>
+            <a:br>
+              <a:rPr kumimoji="0" lang="en-US" altLang="en-US" sz="1400" b="0" i="0" u="none" strike="noStrike" cap="none" normalizeH="0" baseline="0" dirty="0">
+                <a:ln>
+                  <a:noFill/>
+                </a:ln>
+                <a:solidFill>
+                  <a:srgbClr val="000000"/>
+                </a:solidFill>
+                <a:effectLst/>
+                <a:latin typeface="Consolas" panose="020B0609020204030204" pitchFamily="49" charset="0"/>
+              </a:rPr>
+            </a:br>
+            <a:r>
+              <a:rPr kumimoji="0" lang="en-US" altLang="en-US" sz="1400" b="0" i="0" u="none" strike="noStrike" cap="none" normalizeH="0" baseline="0" dirty="0">
+                <a:ln>
+                  <a:noFill/>
+                </a:ln>
+                <a:solidFill>
+                  <a:srgbClr val="000000"/>
+                </a:solidFill>
+                <a:effectLst/>
+                <a:latin typeface="Consolas" panose="020B0609020204030204" pitchFamily="49" charset="0"/>
+              </a:rPr>
+              <a:t>        Animal </a:t>
+            </a:r>
+            <a:r>
+              <a:rPr kumimoji="0" lang="en-US" altLang="en-US" sz="1400" b="0" i="0" u="none" strike="noStrike" cap="none" normalizeH="0" baseline="0" dirty="0" err="1">
+                <a:ln>
+                  <a:noFill/>
+                </a:ln>
+                <a:solidFill>
+                  <a:srgbClr val="000000"/>
+                </a:solidFill>
+                <a:effectLst/>
+                <a:latin typeface="Consolas" panose="020B0609020204030204" pitchFamily="49" charset="0"/>
+              </a:rPr>
+              <a:t>myAnimal</a:t>
+            </a:r>
+            <a:r>
+              <a:rPr kumimoji="0" lang="en-US" altLang="en-US" sz="1400" b="0" i="0" u="none" strike="noStrike" cap="none" normalizeH="0" baseline="0" dirty="0">
+                <a:ln>
+                  <a:noFill/>
+                </a:ln>
+                <a:solidFill>
+                  <a:srgbClr val="000000"/>
+                </a:solidFill>
+                <a:effectLst/>
+                <a:latin typeface="Consolas" panose="020B0609020204030204" pitchFamily="49" charset="0"/>
+              </a:rPr>
+              <a:t> = </a:t>
+            </a:r>
+            <a:r>
+              <a:rPr kumimoji="0" lang="en-US" altLang="en-US" sz="1400" b="1" i="0" u="none" strike="noStrike" cap="none" normalizeH="0" baseline="0" dirty="0">
+                <a:ln>
+                  <a:noFill/>
+                </a:ln>
+                <a:solidFill>
+                  <a:srgbClr val="000080"/>
+                </a:solidFill>
+                <a:effectLst/>
+                <a:latin typeface="Consolas" panose="020B0609020204030204" pitchFamily="49" charset="0"/>
+              </a:rPr>
+              <a:t>new </a:t>
+            </a:r>
+            <a:r>
+              <a:rPr kumimoji="0" lang="en-US" altLang="en-US" sz="1400" b="0" i="0" u="none" strike="noStrike" cap="none" normalizeH="0" baseline="0" dirty="0">
+                <a:ln>
+                  <a:noFill/>
+                </a:ln>
+                <a:solidFill>
+                  <a:srgbClr val="000000"/>
+                </a:solidFill>
+                <a:effectLst/>
+                <a:latin typeface="Consolas" panose="020B0609020204030204" pitchFamily="49" charset="0"/>
+              </a:rPr>
+              <a:t>Animal();</a:t>
+            </a:r>
+            <a:br>
+              <a:rPr kumimoji="0" lang="en-US" altLang="en-US" sz="1400" b="0" i="0" u="none" strike="noStrike" cap="none" normalizeH="0" baseline="0" dirty="0">
+                <a:ln>
+                  <a:noFill/>
+                </a:ln>
+                <a:solidFill>
+                  <a:srgbClr val="000000"/>
+                </a:solidFill>
+                <a:effectLst/>
+                <a:latin typeface="Consolas" panose="020B0609020204030204" pitchFamily="49" charset="0"/>
+              </a:rPr>
+            </a:br>
+            <a:r>
+              <a:rPr kumimoji="0" lang="en-US" altLang="en-US" sz="1400" b="0" i="0" u="none" strike="noStrike" cap="none" normalizeH="0" baseline="0" dirty="0">
+                <a:ln>
+                  <a:noFill/>
+                </a:ln>
+                <a:solidFill>
+                  <a:srgbClr val="000000"/>
+                </a:solidFill>
+                <a:effectLst/>
+                <a:latin typeface="Consolas" panose="020B0609020204030204" pitchFamily="49" charset="0"/>
+              </a:rPr>
+              <a:t>        Animal </a:t>
+            </a:r>
+            <a:r>
+              <a:rPr kumimoji="0" lang="en-US" altLang="en-US" sz="1400" b="0" i="0" u="none" strike="noStrike" cap="none" normalizeH="0" baseline="0" dirty="0" err="1">
+                <a:ln>
+                  <a:noFill/>
+                </a:ln>
+                <a:solidFill>
+                  <a:srgbClr val="000000"/>
+                </a:solidFill>
+                <a:effectLst/>
+                <a:latin typeface="Consolas" panose="020B0609020204030204" pitchFamily="49" charset="0"/>
+              </a:rPr>
+              <a:t>myPig</a:t>
+            </a:r>
+            <a:r>
+              <a:rPr kumimoji="0" lang="en-US" altLang="en-US" sz="1400" b="0" i="0" u="none" strike="noStrike" cap="none" normalizeH="0" baseline="0" dirty="0">
+                <a:ln>
+                  <a:noFill/>
+                </a:ln>
+                <a:solidFill>
+                  <a:srgbClr val="000000"/>
+                </a:solidFill>
+                <a:effectLst/>
+                <a:latin typeface="Consolas" panose="020B0609020204030204" pitchFamily="49" charset="0"/>
+              </a:rPr>
+              <a:t> = </a:t>
+            </a:r>
+            <a:r>
+              <a:rPr kumimoji="0" lang="en-US" altLang="en-US" sz="1400" b="1" i="0" u="none" strike="noStrike" cap="none" normalizeH="0" baseline="0" dirty="0">
+                <a:ln>
+                  <a:noFill/>
+                </a:ln>
+                <a:solidFill>
+                  <a:srgbClr val="000080"/>
+                </a:solidFill>
+                <a:effectLst/>
+                <a:latin typeface="Consolas" panose="020B0609020204030204" pitchFamily="49" charset="0"/>
+              </a:rPr>
+              <a:t>new </a:t>
+            </a:r>
+            <a:r>
+              <a:rPr kumimoji="0" lang="en-US" altLang="en-US" sz="1400" b="0" i="0" u="none" strike="noStrike" cap="none" normalizeH="0" baseline="0" dirty="0">
+                <a:ln>
+                  <a:noFill/>
+                </a:ln>
+                <a:solidFill>
+                  <a:srgbClr val="000000"/>
+                </a:solidFill>
+                <a:effectLst/>
+                <a:latin typeface="Consolas" panose="020B0609020204030204" pitchFamily="49" charset="0"/>
+              </a:rPr>
+              <a:t>Pig();</a:t>
+            </a:r>
+            <a:br>
+              <a:rPr kumimoji="0" lang="en-US" altLang="en-US" sz="1400" b="0" i="0" u="none" strike="noStrike" cap="none" normalizeH="0" baseline="0" dirty="0">
+                <a:ln>
+                  <a:noFill/>
+                </a:ln>
+                <a:solidFill>
+                  <a:srgbClr val="000000"/>
+                </a:solidFill>
+                <a:effectLst/>
+                <a:latin typeface="Consolas" panose="020B0609020204030204" pitchFamily="49" charset="0"/>
+              </a:rPr>
+            </a:br>
+            <a:r>
+              <a:rPr kumimoji="0" lang="en-US" altLang="en-US" sz="1400" b="0" i="0" u="none" strike="noStrike" cap="none" normalizeH="0" baseline="0" dirty="0">
+                <a:ln>
+                  <a:noFill/>
+                </a:ln>
+                <a:solidFill>
+                  <a:srgbClr val="000000"/>
+                </a:solidFill>
+                <a:effectLst/>
+                <a:latin typeface="Consolas" panose="020B0609020204030204" pitchFamily="49" charset="0"/>
+              </a:rPr>
+              <a:t>        Animal </a:t>
+            </a:r>
+            <a:r>
+              <a:rPr kumimoji="0" lang="en-US" altLang="en-US" sz="1400" b="0" i="0" u="none" strike="noStrike" cap="none" normalizeH="0" baseline="0" dirty="0" err="1">
+                <a:ln>
+                  <a:noFill/>
+                </a:ln>
+                <a:solidFill>
+                  <a:srgbClr val="000000"/>
+                </a:solidFill>
+                <a:effectLst/>
+                <a:latin typeface="Consolas" panose="020B0609020204030204" pitchFamily="49" charset="0"/>
+              </a:rPr>
+              <a:t>myDog</a:t>
+            </a:r>
+            <a:r>
+              <a:rPr kumimoji="0" lang="en-US" altLang="en-US" sz="1400" b="0" i="0" u="none" strike="noStrike" cap="none" normalizeH="0" baseline="0" dirty="0">
+                <a:ln>
+                  <a:noFill/>
+                </a:ln>
+                <a:solidFill>
+                  <a:srgbClr val="000000"/>
+                </a:solidFill>
+                <a:effectLst/>
+                <a:latin typeface="Consolas" panose="020B0609020204030204" pitchFamily="49" charset="0"/>
+              </a:rPr>
+              <a:t> = </a:t>
+            </a:r>
+            <a:r>
+              <a:rPr kumimoji="0" lang="en-US" altLang="en-US" sz="1400" b="1" i="0" u="none" strike="noStrike" cap="none" normalizeH="0" baseline="0" dirty="0">
+                <a:ln>
+                  <a:noFill/>
+                </a:ln>
+                <a:solidFill>
+                  <a:srgbClr val="000080"/>
+                </a:solidFill>
+                <a:effectLst/>
+                <a:latin typeface="Consolas" panose="020B0609020204030204" pitchFamily="49" charset="0"/>
+              </a:rPr>
+              <a:t>new </a:t>
+            </a:r>
+            <a:r>
+              <a:rPr kumimoji="0" lang="en-US" altLang="en-US" sz="1400" b="0" i="0" u="none" strike="noStrike" cap="none" normalizeH="0" baseline="0" dirty="0">
+                <a:ln>
+                  <a:noFill/>
+                </a:ln>
+                <a:solidFill>
+                  <a:srgbClr val="000000"/>
+                </a:solidFill>
+                <a:effectLst/>
+                <a:latin typeface="Consolas" panose="020B0609020204030204" pitchFamily="49" charset="0"/>
+              </a:rPr>
+              <a:t>Dog();</a:t>
+            </a:r>
+            <a:br>
+              <a:rPr kumimoji="0" lang="en-US" altLang="en-US" sz="1400" b="0" i="0" u="none" strike="noStrike" cap="none" normalizeH="0" baseline="0" dirty="0">
+                <a:ln>
+                  <a:noFill/>
+                </a:ln>
+                <a:solidFill>
+                  <a:srgbClr val="000000"/>
+                </a:solidFill>
+                <a:effectLst/>
+                <a:latin typeface="Consolas" panose="020B0609020204030204" pitchFamily="49" charset="0"/>
+              </a:rPr>
+            </a:br>
+            <a:r>
+              <a:rPr kumimoji="0" lang="en-US" altLang="en-US" sz="1400" b="0" i="0" u="none" strike="noStrike" cap="none" normalizeH="0" baseline="0" dirty="0">
+                <a:ln>
+                  <a:noFill/>
+                </a:ln>
+                <a:solidFill>
+                  <a:srgbClr val="000000"/>
+                </a:solidFill>
+                <a:effectLst/>
+                <a:latin typeface="Consolas" panose="020B0609020204030204" pitchFamily="49" charset="0"/>
+              </a:rPr>
+              <a:t>        </a:t>
+            </a:r>
+            <a:r>
+              <a:rPr kumimoji="0" lang="en-US" altLang="en-US" sz="1400" b="0" i="0" u="none" strike="noStrike" cap="none" normalizeH="0" baseline="0" dirty="0" err="1">
+                <a:ln>
+                  <a:noFill/>
+                </a:ln>
+                <a:solidFill>
+                  <a:srgbClr val="000000"/>
+                </a:solidFill>
+                <a:effectLst/>
+                <a:latin typeface="Consolas" panose="020B0609020204030204" pitchFamily="49" charset="0"/>
+              </a:rPr>
+              <a:t>myAnimal.animalSound</a:t>
+            </a:r>
+            <a:r>
+              <a:rPr kumimoji="0" lang="en-US" altLang="en-US" sz="1400" b="0" i="0" u="none" strike="noStrike" cap="none" normalizeH="0" baseline="0" dirty="0">
+                <a:ln>
+                  <a:noFill/>
+                </a:ln>
+                <a:solidFill>
+                  <a:srgbClr val="000000"/>
+                </a:solidFill>
+                <a:effectLst/>
+                <a:latin typeface="Consolas" panose="020B0609020204030204" pitchFamily="49" charset="0"/>
+              </a:rPr>
+              <a:t>();</a:t>
+            </a:r>
+            <a:br>
+              <a:rPr kumimoji="0" lang="en-US" altLang="en-US" sz="1400" b="0" i="0" u="none" strike="noStrike" cap="none" normalizeH="0" baseline="0" dirty="0">
+                <a:ln>
+                  <a:noFill/>
+                </a:ln>
+                <a:solidFill>
+                  <a:srgbClr val="000000"/>
+                </a:solidFill>
+                <a:effectLst/>
+                <a:latin typeface="Consolas" panose="020B0609020204030204" pitchFamily="49" charset="0"/>
+              </a:rPr>
+            </a:br>
+            <a:r>
+              <a:rPr kumimoji="0" lang="en-US" altLang="en-US" sz="1400" b="0" i="0" u="none" strike="noStrike" cap="none" normalizeH="0" baseline="0" dirty="0">
+                <a:ln>
+                  <a:noFill/>
+                </a:ln>
+                <a:solidFill>
+                  <a:srgbClr val="000000"/>
+                </a:solidFill>
+                <a:effectLst/>
+                <a:latin typeface="Consolas" panose="020B0609020204030204" pitchFamily="49" charset="0"/>
+              </a:rPr>
+              <a:t>        </a:t>
+            </a:r>
+            <a:r>
+              <a:rPr kumimoji="0" lang="en-US" altLang="en-US" sz="1400" b="0" i="0" u="none" strike="noStrike" cap="none" normalizeH="0" baseline="0" dirty="0" err="1">
+                <a:ln>
+                  <a:noFill/>
+                </a:ln>
+                <a:solidFill>
+                  <a:srgbClr val="000000"/>
+                </a:solidFill>
+                <a:effectLst/>
+                <a:latin typeface="Consolas" panose="020B0609020204030204" pitchFamily="49" charset="0"/>
+              </a:rPr>
+              <a:t>myPig.animalSound</a:t>
+            </a:r>
+            <a:r>
+              <a:rPr kumimoji="0" lang="en-US" altLang="en-US" sz="1400" b="0" i="0" u="none" strike="noStrike" cap="none" normalizeH="0" baseline="0" dirty="0">
+                <a:ln>
+                  <a:noFill/>
+                </a:ln>
+                <a:solidFill>
+                  <a:srgbClr val="000000"/>
+                </a:solidFill>
+                <a:effectLst/>
+                <a:latin typeface="Consolas" panose="020B0609020204030204" pitchFamily="49" charset="0"/>
+              </a:rPr>
+              <a:t>();</a:t>
+            </a:r>
+            <a:br>
+              <a:rPr kumimoji="0" lang="en-US" altLang="en-US" sz="1400" b="0" i="0" u="none" strike="noStrike" cap="none" normalizeH="0" baseline="0" dirty="0">
+                <a:ln>
+                  <a:noFill/>
+                </a:ln>
+                <a:solidFill>
+                  <a:srgbClr val="000000"/>
+                </a:solidFill>
+                <a:effectLst/>
+                <a:latin typeface="Consolas" panose="020B0609020204030204" pitchFamily="49" charset="0"/>
+              </a:rPr>
+            </a:br>
+            <a:r>
+              <a:rPr kumimoji="0" lang="en-US" altLang="en-US" sz="1400" b="0" i="0" u="none" strike="noStrike" cap="none" normalizeH="0" baseline="0" dirty="0">
+                <a:ln>
+                  <a:noFill/>
+                </a:ln>
+                <a:solidFill>
+                  <a:srgbClr val="000000"/>
+                </a:solidFill>
+                <a:effectLst/>
+                <a:latin typeface="Consolas" panose="020B0609020204030204" pitchFamily="49" charset="0"/>
+              </a:rPr>
+              <a:t>        </a:t>
+            </a:r>
+            <a:r>
+              <a:rPr kumimoji="0" lang="en-US" altLang="en-US" sz="1400" b="0" i="0" u="none" strike="noStrike" cap="none" normalizeH="0" baseline="0" dirty="0" err="1">
+                <a:ln>
+                  <a:noFill/>
+                </a:ln>
+                <a:solidFill>
+                  <a:srgbClr val="000000"/>
+                </a:solidFill>
+                <a:effectLst/>
+                <a:latin typeface="Consolas" panose="020B0609020204030204" pitchFamily="49" charset="0"/>
+              </a:rPr>
+              <a:t>myDog.animalSound</a:t>
+            </a:r>
+            <a:r>
+              <a:rPr kumimoji="0" lang="en-US" altLang="en-US" sz="1400" b="0" i="0" u="none" strike="noStrike" cap="none" normalizeH="0" baseline="0" dirty="0">
+                <a:ln>
+                  <a:noFill/>
+                </a:ln>
+                <a:solidFill>
+                  <a:srgbClr val="000000"/>
+                </a:solidFill>
+                <a:effectLst/>
+                <a:latin typeface="Consolas" panose="020B0609020204030204" pitchFamily="49" charset="0"/>
+              </a:rPr>
+              <a:t>();</a:t>
+            </a:r>
+            <a:br>
+              <a:rPr kumimoji="0" lang="en-US" altLang="en-US" sz="1400" b="0" i="0" u="none" strike="noStrike" cap="none" normalizeH="0" baseline="0" dirty="0">
+                <a:ln>
+                  <a:noFill/>
+                </a:ln>
+                <a:solidFill>
+                  <a:srgbClr val="000000"/>
+                </a:solidFill>
+                <a:effectLst/>
+                <a:latin typeface="Consolas" panose="020B0609020204030204" pitchFamily="49" charset="0"/>
+              </a:rPr>
+            </a:br>
+            <a:r>
+              <a:rPr kumimoji="0" lang="en-US" altLang="en-US" sz="1400" b="0" i="0" u="none" strike="noStrike" cap="none" normalizeH="0" baseline="0" dirty="0">
+                <a:ln>
+                  <a:noFill/>
+                </a:ln>
+                <a:solidFill>
+                  <a:srgbClr val="000000"/>
+                </a:solidFill>
+                <a:effectLst/>
+                <a:latin typeface="Consolas" panose="020B0609020204030204" pitchFamily="49" charset="0"/>
+              </a:rPr>
+              <a:t>    }</a:t>
+            </a:r>
+            <a:br>
+              <a:rPr kumimoji="0" lang="en-US" altLang="en-US" sz="1400" b="0" i="0" u="none" strike="noStrike" cap="none" normalizeH="0" baseline="0" dirty="0">
+                <a:ln>
+                  <a:noFill/>
+                </a:ln>
+                <a:solidFill>
+                  <a:srgbClr val="000000"/>
+                </a:solidFill>
+                <a:effectLst/>
+                <a:latin typeface="Consolas" panose="020B0609020204030204" pitchFamily="49" charset="0"/>
+              </a:rPr>
+            </a:br>
+            <a:r>
+              <a:rPr kumimoji="0" lang="en-US" altLang="en-US" sz="1400" b="0" i="0" u="none" strike="noStrike" cap="none" normalizeH="0" baseline="0" dirty="0">
+                <a:ln>
+                  <a:noFill/>
+                </a:ln>
+                <a:solidFill>
+                  <a:srgbClr val="000000"/>
+                </a:solidFill>
+                <a:effectLst/>
+                <a:latin typeface="Consolas" panose="020B0609020204030204" pitchFamily="49" charset="0"/>
+              </a:rPr>
+              <a:t>}</a:t>
+            </a:r>
+            <a:endParaRPr kumimoji="0" lang="en-US" altLang="en-US" sz="1400" b="0" i="0" u="none" strike="noStrike" cap="none" normalizeH="0" baseline="0" dirty="0">
+              <a:ln>
+                <a:noFill/>
+              </a:ln>
+              <a:solidFill>
+                <a:schemeClr val="tx1"/>
+              </a:solidFill>
+              <a:effectLst/>
+              <a:latin typeface="Arial" panose="020B0604020202020204" pitchFamily="34" charset="0"/>
+            </a:endParaRPr>
+          </a:p>
+        </p:txBody>
+      </p:sp>
+    </p:spTree>
+    <p:extLst>
+      <p:ext uri="{BB962C8B-B14F-4D97-AF65-F5344CB8AC3E}">
+        <p14:creationId xmlns:p14="http://schemas.microsoft.com/office/powerpoint/2010/main" val="3753712985"/>
+      </p:ext>
+    </p:extLst>
+  </p:cSld>
+  <p:clrMapOvr>
+    <a:masterClrMapping/>
+  </p:clrMapOvr>
+</p:sld>
+</file>
+
+<file path=ppt/slides/slide29.xml><?xml version="1.0" encoding="utf-8"?>
+<p:sld xmlns:a="http://schemas.openxmlformats.org/drawingml/2006/main" xmlns:r="http://schemas.openxmlformats.org/officeDocument/2006/relationships" xmlns:p="http://schemas.openxmlformats.org/presentationml/2006/main">
+  <p:cSld>
+    <p:spTree>
+      <p:nvGrpSpPr>
+        <p:cNvPr id="1" name=""/>
+        <p:cNvGrpSpPr/>
+        <p:nvPr/>
+      </p:nvGrpSpPr>
+      <p:grpSpPr>
+        <a:xfrm>
+          <a:off x="0" y="0"/>
+          <a:ext cx="0" cy="0"/>
+          <a:chOff x="0" y="0"/>
+          <a:chExt cx="0" cy="0"/>
+        </a:xfrm>
+      </p:grpSpPr>
+      <p:sp>
+        <p:nvSpPr>
+          <p:cNvPr id="2" name="Title 1">
+            <a:extLst>
+              <a:ext uri="{FF2B5EF4-FFF2-40B4-BE49-F238E27FC236}">
+                <a16:creationId xmlns:a16="http://schemas.microsoft.com/office/drawing/2014/main" id="{9612958F-B082-4745-84BD-9476A6BBC557}"/>
+              </a:ext>
+            </a:extLst>
+          </p:cNvPr>
+          <p:cNvSpPr>
+            <a:spLocks noGrp="1"/>
+          </p:cNvSpPr>
+          <p:nvPr>
+            <p:ph type="title"/>
+          </p:nvPr>
+        </p:nvSpPr>
+        <p:spPr/>
+        <p:txBody>
+          <a:bodyPr/>
+          <a:lstStyle/>
+          <a:p>
+            <a:r>
+              <a:rPr lang="en-US" dirty="0">
+                <a:solidFill>
+                  <a:srgbClr val="0070C0"/>
+                </a:solidFill>
+                <a:latin typeface="Times New Roman" panose="02020603050405020304" pitchFamily="18" charset="0"/>
+                <a:cs typeface="Times New Roman" panose="02020603050405020304" pitchFamily="18" charset="0"/>
+              </a:rPr>
+              <a:t>Java Inner Classes</a:t>
+            </a:r>
+          </a:p>
+        </p:txBody>
+      </p:sp>
+      <p:sp>
+        <p:nvSpPr>
+          <p:cNvPr id="5" name="Content Placeholder 2">
+            <a:extLst>
+              <a:ext uri="{FF2B5EF4-FFF2-40B4-BE49-F238E27FC236}">
+                <a16:creationId xmlns:a16="http://schemas.microsoft.com/office/drawing/2014/main" id="{BB4333A8-D54A-489A-BF0C-35B54C45B3D3}"/>
+              </a:ext>
+            </a:extLst>
+          </p:cNvPr>
+          <p:cNvSpPr txBox="1">
+            <a:spLocks/>
+          </p:cNvSpPr>
+          <p:nvPr/>
+        </p:nvSpPr>
+        <p:spPr>
+          <a:xfrm>
+            <a:off x="838201" y="1880371"/>
+            <a:ext cx="10515599" cy="4511551"/>
+          </a:xfrm>
+          <a:prstGeom prst="rect">
+            <a:avLst/>
+          </a:prstGeom>
+        </p:spPr>
+        <p:txBody>
+          <a:bodyPr vert="horz" lIns="91440" tIns="45720" rIns="91440" bIns="45720" rtlCol="0">
+            <a:normAutofit/>
+          </a:bodyPr>
+          <a:lstStyle>
+            <a:lvl1pPr marL="228600" indent="-228600" algn="l" defTabSz="914400" rtl="0" eaLnBrk="1" latinLnBrk="0" hangingPunct="1">
+              <a:lnSpc>
+                <a:spcPct val="90000"/>
+              </a:lnSpc>
+              <a:spcBef>
+                <a:spcPts val="1000"/>
+              </a:spcBef>
+              <a:buFont typeface="Arial" panose="020B0604020202020204" pitchFamily="34" charset="0"/>
+              <a:buChar char="•"/>
+              <a:defRPr sz="2800" kern="1200">
+                <a:solidFill>
+                  <a:schemeClr val="tx1"/>
+                </a:solidFill>
+                <a:latin typeface="+mn-lt"/>
+                <a:ea typeface="+mn-ea"/>
+                <a:cs typeface="+mn-cs"/>
+              </a:defRPr>
+            </a:lvl1pPr>
+            <a:lvl2pPr marL="685800" indent="-228600" algn="l" defTabSz="914400" rtl="0" eaLnBrk="1" latinLnBrk="0" hangingPunct="1">
+              <a:lnSpc>
+                <a:spcPct val="90000"/>
+              </a:lnSpc>
+              <a:spcBef>
+                <a:spcPts val="500"/>
+              </a:spcBef>
+              <a:buFont typeface="Arial" panose="020B0604020202020204" pitchFamily="34" charset="0"/>
+              <a:buChar char="•"/>
+              <a:defRPr sz="2400" kern="1200">
+                <a:solidFill>
+                  <a:schemeClr val="tx1"/>
+                </a:solidFill>
+                <a:latin typeface="+mn-lt"/>
+                <a:ea typeface="+mn-ea"/>
+                <a:cs typeface="+mn-cs"/>
+              </a:defRPr>
+            </a:lvl2pPr>
+            <a:lvl3pPr marL="1143000" indent="-228600" algn="l" defTabSz="914400" rtl="0" eaLnBrk="1" latinLnBrk="0" hangingPunct="1">
+              <a:lnSpc>
+                <a:spcPct val="90000"/>
+              </a:lnSpc>
+              <a:spcBef>
+                <a:spcPts val="500"/>
+              </a:spcBef>
+              <a:buFont typeface="Arial" panose="020B0604020202020204" pitchFamily="34" charset="0"/>
+              <a:buChar char="•"/>
+              <a:defRPr sz="2000" kern="1200">
+                <a:solidFill>
+                  <a:schemeClr val="tx1"/>
+                </a:solidFill>
+                <a:latin typeface="+mn-lt"/>
+                <a:ea typeface="+mn-ea"/>
+                <a:cs typeface="+mn-cs"/>
+              </a:defRPr>
+            </a:lvl3pPr>
+            <a:lvl4pPr marL="1600200" indent="-228600" algn="l" defTabSz="914400" rtl="0" eaLnBrk="1" latinLnBrk="0" hangingPunct="1">
+              <a:lnSpc>
+                <a:spcPct val="90000"/>
+              </a:lnSpc>
+              <a:spcBef>
+                <a:spcPts val="500"/>
+              </a:spcBef>
+              <a:buFont typeface="Arial" panose="020B0604020202020204" pitchFamily="34" charset="0"/>
+              <a:buChar char="•"/>
+              <a:defRPr sz="1800" kern="1200">
+                <a:solidFill>
+                  <a:schemeClr val="tx1"/>
+                </a:solidFill>
+                <a:latin typeface="+mn-lt"/>
+                <a:ea typeface="+mn-ea"/>
+                <a:cs typeface="+mn-cs"/>
+              </a:defRPr>
+            </a:lvl4pPr>
+            <a:lvl5pPr marL="2057400" indent="-228600" algn="l" defTabSz="914400" rtl="0" eaLnBrk="1" latinLnBrk="0" hangingPunct="1">
+              <a:lnSpc>
+                <a:spcPct val="90000"/>
+              </a:lnSpc>
+              <a:spcBef>
+                <a:spcPts val="500"/>
+              </a:spcBef>
+              <a:buFont typeface="Arial" panose="020B0604020202020204" pitchFamily="34" charset="0"/>
+              <a:buChar char="•"/>
+              <a:defRPr sz="1800" kern="1200">
+                <a:solidFill>
+                  <a:schemeClr val="tx1"/>
+                </a:solidFill>
+                <a:latin typeface="+mn-lt"/>
+                <a:ea typeface="+mn-ea"/>
+                <a:cs typeface="+mn-cs"/>
+              </a:defRPr>
+            </a:lvl5pPr>
+            <a:lvl6pPr marL="2514600" indent="-228600" algn="l" defTabSz="914400" rtl="0" eaLnBrk="1" latinLnBrk="0" hangingPunct="1">
+              <a:lnSpc>
+                <a:spcPct val="90000"/>
+              </a:lnSpc>
+              <a:spcBef>
+                <a:spcPts val="500"/>
+              </a:spcBef>
+              <a:buFont typeface="Arial" panose="020B0604020202020204" pitchFamily="34" charset="0"/>
+              <a:buChar char="•"/>
+              <a:defRPr sz="1800" kern="1200">
+                <a:solidFill>
+                  <a:schemeClr val="tx1"/>
+                </a:solidFill>
+                <a:latin typeface="+mn-lt"/>
+                <a:ea typeface="+mn-ea"/>
+                <a:cs typeface="+mn-cs"/>
+              </a:defRPr>
+            </a:lvl6pPr>
+            <a:lvl7pPr marL="2971800" indent="-228600" algn="l" defTabSz="914400" rtl="0" eaLnBrk="1" latinLnBrk="0" hangingPunct="1">
+              <a:lnSpc>
+                <a:spcPct val="90000"/>
+              </a:lnSpc>
+              <a:spcBef>
+                <a:spcPts val="500"/>
+              </a:spcBef>
+              <a:buFont typeface="Arial" panose="020B0604020202020204" pitchFamily="34" charset="0"/>
+              <a:buChar char="•"/>
+              <a:defRPr sz="1800" kern="1200">
+                <a:solidFill>
+                  <a:schemeClr val="tx1"/>
+                </a:solidFill>
+                <a:latin typeface="+mn-lt"/>
+                <a:ea typeface="+mn-ea"/>
+                <a:cs typeface="+mn-cs"/>
+              </a:defRPr>
+            </a:lvl7pPr>
+            <a:lvl8pPr marL="3429000" indent="-228600" algn="l" defTabSz="914400" rtl="0" eaLnBrk="1" latinLnBrk="0" hangingPunct="1">
+              <a:lnSpc>
+                <a:spcPct val="90000"/>
+              </a:lnSpc>
+              <a:spcBef>
+                <a:spcPts val="500"/>
+              </a:spcBef>
+              <a:buFont typeface="Arial" panose="020B0604020202020204" pitchFamily="34" charset="0"/>
+              <a:buChar char="•"/>
+              <a:defRPr sz="1800" kern="1200">
+                <a:solidFill>
+                  <a:schemeClr val="tx1"/>
+                </a:solidFill>
+                <a:latin typeface="+mn-lt"/>
+                <a:ea typeface="+mn-ea"/>
+                <a:cs typeface="+mn-cs"/>
+              </a:defRPr>
+            </a:lvl8pPr>
+            <a:lvl9pPr marL="3886200" indent="-228600" algn="l" defTabSz="914400" rtl="0" eaLnBrk="1" latinLnBrk="0" hangingPunct="1">
+              <a:lnSpc>
+                <a:spcPct val="90000"/>
+              </a:lnSpc>
+              <a:spcBef>
+                <a:spcPts val="500"/>
+              </a:spcBef>
+              <a:buFont typeface="Arial" panose="020B0604020202020204" pitchFamily="34" charset="0"/>
+              <a:buChar char="•"/>
+              <a:defRPr sz="1800" kern="1200">
+                <a:solidFill>
+                  <a:schemeClr val="tx1"/>
+                </a:solidFill>
+                <a:latin typeface="+mn-lt"/>
+                <a:ea typeface="+mn-ea"/>
+                <a:cs typeface="+mn-cs"/>
+              </a:defRPr>
+            </a:lvl9pPr>
+          </a:lstStyle>
+          <a:p>
+            <a:r>
+              <a:rPr lang="en-US" sz="2000" dirty="0" err="1">
+                <a:latin typeface="Times New Roman" panose="02020603050405020304" pitchFamily="18" charset="0"/>
+                <a:cs typeface="Times New Roman" panose="02020603050405020304" pitchFamily="18" charset="0"/>
+              </a:rPr>
+              <a:t>Tạo</a:t>
+            </a:r>
+            <a:r>
+              <a:rPr lang="en-US" sz="2000" dirty="0">
+                <a:latin typeface="Times New Roman" panose="02020603050405020304" pitchFamily="18" charset="0"/>
+                <a:cs typeface="Times New Roman" panose="02020603050405020304" pitchFamily="18" charset="0"/>
+              </a:rPr>
+              <a:t> 1 class </a:t>
+            </a:r>
+            <a:r>
+              <a:rPr lang="en-US" sz="2000" dirty="0" err="1">
+                <a:latin typeface="Times New Roman" panose="02020603050405020304" pitchFamily="18" charset="0"/>
+                <a:cs typeface="Times New Roman" panose="02020603050405020304" pitchFamily="18" charset="0"/>
+              </a:rPr>
+              <a:t>bên</a:t>
+            </a:r>
+            <a:r>
+              <a:rPr lang="en-US" sz="2000" dirty="0">
+                <a:latin typeface="Times New Roman" panose="02020603050405020304" pitchFamily="18" charset="0"/>
+                <a:cs typeface="Times New Roman" panose="02020603050405020304" pitchFamily="18" charset="0"/>
+              </a:rPr>
+              <a:t> </a:t>
+            </a:r>
+            <a:r>
+              <a:rPr lang="en-US" sz="2000" dirty="0" err="1">
+                <a:latin typeface="Times New Roman" panose="02020603050405020304" pitchFamily="18" charset="0"/>
+                <a:cs typeface="Times New Roman" panose="02020603050405020304" pitchFamily="18" charset="0"/>
+              </a:rPr>
+              <a:t>trong</a:t>
+            </a:r>
+            <a:r>
+              <a:rPr lang="en-US" sz="2000" dirty="0">
+                <a:latin typeface="Times New Roman" panose="02020603050405020304" pitchFamily="18" charset="0"/>
+                <a:cs typeface="Times New Roman" panose="02020603050405020304" pitchFamily="18" charset="0"/>
+              </a:rPr>
+              <a:t> 1 class </a:t>
+            </a:r>
+            <a:r>
+              <a:rPr lang="en-US" sz="2000" dirty="0" err="1">
+                <a:latin typeface="Times New Roman" panose="02020603050405020304" pitchFamily="18" charset="0"/>
+                <a:cs typeface="Times New Roman" panose="02020603050405020304" pitchFamily="18" charset="0"/>
+              </a:rPr>
+              <a:t>khác</a:t>
+            </a:r>
+            <a:r>
+              <a:rPr lang="en-US" sz="2000" dirty="0">
+                <a:latin typeface="Times New Roman" panose="02020603050405020304" pitchFamily="18" charset="0"/>
+                <a:cs typeface="Times New Roman" panose="02020603050405020304" pitchFamily="18" charset="0"/>
+              </a:rPr>
+              <a:t>, </a:t>
+            </a:r>
+            <a:r>
+              <a:rPr lang="en-US" sz="2000" dirty="0" err="1">
+                <a:latin typeface="Times New Roman" panose="02020603050405020304" pitchFamily="18" charset="0"/>
+                <a:cs typeface="Times New Roman" panose="02020603050405020304" pitchFamily="18" charset="0"/>
+              </a:rPr>
+              <a:t>để</a:t>
+            </a:r>
+            <a:r>
+              <a:rPr lang="en-US" sz="2000" dirty="0">
+                <a:latin typeface="Times New Roman" panose="02020603050405020304" pitchFamily="18" charset="0"/>
+                <a:cs typeface="Times New Roman" panose="02020603050405020304" pitchFamily="18" charset="0"/>
+              </a:rPr>
+              <a:t> </a:t>
+            </a:r>
+            <a:r>
+              <a:rPr lang="en-US" sz="2000" dirty="0" err="1">
+                <a:latin typeface="Times New Roman" panose="02020603050405020304" pitchFamily="18" charset="0"/>
+                <a:cs typeface="Times New Roman" panose="02020603050405020304" pitchFamily="18" charset="0"/>
+              </a:rPr>
+              <a:t>nhóm</a:t>
+            </a:r>
+            <a:r>
+              <a:rPr lang="en-US" sz="2000" dirty="0">
+                <a:latin typeface="Times New Roman" panose="02020603050405020304" pitchFamily="18" charset="0"/>
+                <a:cs typeface="Times New Roman" panose="02020603050405020304" pitchFamily="18" charset="0"/>
+              </a:rPr>
+              <a:t> </a:t>
+            </a:r>
+            <a:r>
+              <a:rPr lang="en-US" sz="2000" dirty="0" err="1">
+                <a:latin typeface="Times New Roman" panose="02020603050405020304" pitchFamily="18" charset="0"/>
+                <a:cs typeface="Times New Roman" panose="02020603050405020304" pitchFamily="18" charset="0"/>
+              </a:rPr>
+              <a:t>các</a:t>
+            </a:r>
+            <a:r>
+              <a:rPr lang="en-US" sz="2000" dirty="0">
+                <a:latin typeface="Times New Roman" panose="02020603050405020304" pitchFamily="18" charset="0"/>
+                <a:cs typeface="Times New Roman" panose="02020603050405020304" pitchFamily="18" charset="0"/>
+              </a:rPr>
+              <a:t> class </a:t>
+            </a:r>
+            <a:r>
+              <a:rPr lang="en-US" sz="2000" dirty="0" err="1">
+                <a:latin typeface="Times New Roman" panose="02020603050405020304" pitchFamily="18" charset="0"/>
+                <a:cs typeface="Times New Roman" panose="02020603050405020304" pitchFamily="18" charset="0"/>
+              </a:rPr>
+              <a:t>lại</a:t>
+            </a:r>
+            <a:r>
+              <a:rPr lang="en-US" sz="2000" dirty="0">
+                <a:latin typeface="Times New Roman" panose="02020603050405020304" pitchFamily="18" charset="0"/>
+                <a:cs typeface="Times New Roman" panose="02020603050405020304" pitchFamily="18" charset="0"/>
+              </a:rPr>
+              <a:t> </a:t>
+            </a:r>
+            <a:r>
+              <a:rPr lang="en-US" sz="2000" dirty="0" err="1">
+                <a:latin typeface="Times New Roman" panose="02020603050405020304" pitchFamily="18" charset="0"/>
+                <a:cs typeface="Times New Roman" panose="02020603050405020304" pitchFamily="18" charset="0"/>
+              </a:rPr>
+              <a:t>với</a:t>
+            </a:r>
+            <a:r>
+              <a:rPr lang="en-US" sz="2000" dirty="0">
+                <a:latin typeface="Times New Roman" panose="02020603050405020304" pitchFamily="18" charset="0"/>
+                <a:cs typeface="Times New Roman" panose="02020603050405020304" pitchFamily="18" charset="0"/>
+              </a:rPr>
+              <a:t> </a:t>
+            </a:r>
+            <a:r>
+              <a:rPr lang="en-US" sz="2000" dirty="0" err="1">
+                <a:latin typeface="Times New Roman" panose="02020603050405020304" pitchFamily="18" charset="0"/>
+                <a:cs typeface="Times New Roman" panose="02020603050405020304" pitchFamily="18" charset="0"/>
+              </a:rPr>
+              <a:t>nhau</a:t>
+            </a:r>
+            <a:endParaRPr lang="en-US" sz="2000" dirty="0">
+              <a:latin typeface="Consolas" panose="020B0609020204030204" pitchFamily="49" charset="0"/>
+              <a:cs typeface="Times New Roman" panose="02020603050405020304" pitchFamily="18" charset="0"/>
+            </a:endParaRPr>
+          </a:p>
+        </p:txBody>
+      </p:sp>
+      <p:sp>
+        <p:nvSpPr>
+          <p:cNvPr id="4" name="Rectangle 1">
+            <a:extLst>
+              <a:ext uri="{FF2B5EF4-FFF2-40B4-BE49-F238E27FC236}">
+                <a16:creationId xmlns:a16="http://schemas.microsoft.com/office/drawing/2014/main" id="{EBE5BE90-F795-4963-B432-B8A53E986361}"/>
+              </a:ext>
+            </a:extLst>
+          </p:cNvPr>
+          <p:cNvSpPr>
+            <a:spLocks noChangeArrowheads="1"/>
+          </p:cNvSpPr>
+          <p:nvPr/>
+        </p:nvSpPr>
+        <p:spPr bwMode="auto">
+          <a:xfrm>
+            <a:off x="1109709" y="2446135"/>
+            <a:ext cx="7478329" cy="3785652"/>
+          </a:xfrm>
+          <a:prstGeom prst="rect">
+            <a:avLst/>
+          </a:prstGeom>
+          <a:solidFill>
+            <a:srgbClr val="FFFFFF"/>
+          </a:solidFill>
+          <a:ln>
+            <a:noFill/>
+          </a:ln>
+          <a:effectLst/>
+          <a:extLst>
+            <a:ext uri="{91240B29-F687-4F45-9708-019B960494DF}">
+              <a14:hiddenLine xmlns:a14="http://schemas.microsoft.com/office/drawing/2010/main" w="9525">
+                <a:solidFill>
+                  <a:schemeClr val="tx1"/>
+                </a:solidFill>
+                <a:miter lim="800000"/>
+                <a:headEnd/>
+                <a:tailEnd/>
+              </a14:hiddenLine>
+            </a:ext>
+            <a:ext uri="{AF507438-7753-43E0-B8FC-AC1667EBCBE1}">
+              <a14:hiddenEffects xmlns:a14="http://schemas.microsoft.com/office/drawing/2010/main">
+                <a:effectLst>
+                  <a:outerShdw dist="35921" dir="2700000" algn="ctr" rotWithShape="0">
+                    <a:schemeClr val="bg2"/>
+                  </a:outerShdw>
+                </a:effectLst>
+              </a14:hiddenEffects>
+            </a:ext>
+          </a:extLst>
+        </p:spPr>
+        <p:txBody>
+          <a:bodyPr vert="horz" wrap="none" lIns="91440" tIns="45720" rIns="91440" bIns="45720" numCol="1" anchor="ctr" anchorCtr="0" compatLnSpc="1">
+            <a:prstTxWarp prst="textNoShape">
+              <a:avLst/>
+            </a:prstTxWarp>
+            <a:spAutoFit/>
+          </a:bodyPr>
+          <a:lstStyle/>
+          <a:p>
+            <a:pPr marL="0" marR="0" lvl="0" indent="0" algn="l" defTabSz="914400" rtl="0" eaLnBrk="0" fontAlgn="base" latinLnBrk="0" hangingPunct="0">
+              <a:lnSpc>
+                <a:spcPct val="100000"/>
+              </a:lnSpc>
+              <a:spcBef>
+                <a:spcPct val="0"/>
+              </a:spcBef>
+              <a:spcAft>
+                <a:spcPct val="0"/>
+              </a:spcAft>
+              <a:buClrTx/>
+              <a:buSzTx/>
+              <a:buFontTx/>
+              <a:buNone/>
+              <a:tabLst/>
+            </a:pPr>
+            <a:r>
+              <a:rPr kumimoji="0" lang="en-US" altLang="en-US" sz="1600" b="1" i="0" u="none" strike="noStrike" cap="none" normalizeH="0" baseline="0" dirty="0">
+                <a:ln>
+                  <a:noFill/>
+                </a:ln>
+                <a:solidFill>
+                  <a:srgbClr val="000080"/>
+                </a:solidFill>
+                <a:effectLst/>
+                <a:latin typeface="Consolas" panose="020B0609020204030204" pitchFamily="49" charset="0"/>
+              </a:rPr>
+              <a:t>class </a:t>
+            </a:r>
+            <a:r>
+              <a:rPr kumimoji="0" lang="en-US" altLang="en-US" sz="1600" b="0" i="0" u="none" strike="noStrike" cap="none" normalizeH="0" baseline="0" dirty="0" err="1">
+                <a:ln>
+                  <a:noFill/>
+                </a:ln>
+                <a:solidFill>
+                  <a:srgbClr val="000000"/>
+                </a:solidFill>
+                <a:effectLst/>
+                <a:latin typeface="Consolas" panose="020B0609020204030204" pitchFamily="49" charset="0"/>
+              </a:rPr>
+              <a:t>OuterClass</a:t>
+            </a:r>
+            <a:r>
+              <a:rPr kumimoji="0" lang="en-US" altLang="en-US" sz="1600" b="0" i="0" u="none" strike="noStrike" cap="none" normalizeH="0" baseline="0" dirty="0">
+                <a:ln>
+                  <a:noFill/>
+                </a:ln>
+                <a:solidFill>
+                  <a:srgbClr val="000000"/>
+                </a:solidFill>
+                <a:effectLst/>
+                <a:latin typeface="Consolas" panose="020B0609020204030204" pitchFamily="49" charset="0"/>
+              </a:rPr>
+              <a:t> {</a:t>
+            </a:r>
+            <a:br>
+              <a:rPr kumimoji="0" lang="en-US" altLang="en-US" sz="1600" b="0" i="0" u="none" strike="noStrike" cap="none" normalizeH="0" baseline="0" dirty="0">
+                <a:ln>
+                  <a:noFill/>
+                </a:ln>
+                <a:solidFill>
+                  <a:srgbClr val="000000"/>
+                </a:solidFill>
+                <a:effectLst/>
+                <a:latin typeface="Consolas" panose="020B0609020204030204" pitchFamily="49" charset="0"/>
+              </a:rPr>
+            </a:br>
+            <a:r>
+              <a:rPr kumimoji="0" lang="en-US" altLang="en-US" sz="1600" b="0" i="0" u="none" strike="noStrike" cap="none" normalizeH="0" baseline="0" dirty="0">
+                <a:ln>
+                  <a:noFill/>
+                </a:ln>
+                <a:solidFill>
+                  <a:srgbClr val="000000"/>
+                </a:solidFill>
+                <a:effectLst/>
+                <a:latin typeface="Consolas" panose="020B0609020204030204" pitchFamily="49" charset="0"/>
+              </a:rPr>
+              <a:t>    </a:t>
+            </a:r>
+            <a:r>
+              <a:rPr kumimoji="0" lang="en-US" altLang="en-US" sz="1600" b="1" i="0" u="none" strike="noStrike" cap="none" normalizeH="0" baseline="0" dirty="0">
+                <a:ln>
+                  <a:noFill/>
+                </a:ln>
+                <a:solidFill>
+                  <a:srgbClr val="000080"/>
+                </a:solidFill>
+                <a:effectLst/>
+                <a:latin typeface="Consolas" panose="020B0609020204030204" pitchFamily="49" charset="0"/>
+              </a:rPr>
+              <a:t>int </a:t>
+            </a:r>
+            <a:r>
+              <a:rPr kumimoji="0" lang="en-US" altLang="en-US" sz="1600" b="1" i="0" u="none" strike="noStrike" cap="none" normalizeH="0" baseline="0" dirty="0">
+                <a:ln>
+                  <a:noFill/>
+                </a:ln>
+                <a:solidFill>
+                  <a:srgbClr val="660E7A"/>
+                </a:solidFill>
+                <a:effectLst/>
+                <a:latin typeface="Consolas" panose="020B0609020204030204" pitchFamily="49" charset="0"/>
+              </a:rPr>
+              <a:t>x </a:t>
+            </a:r>
+            <a:r>
+              <a:rPr kumimoji="0" lang="en-US" altLang="en-US" sz="1600" b="0" i="0" u="none" strike="noStrike" cap="none" normalizeH="0" baseline="0" dirty="0">
+                <a:ln>
+                  <a:noFill/>
+                </a:ln>
+                <a:solidFill>
+                  <a:srgbClr val="000000"/>
+                </a:solidFill>
+                <a:effectLst/>
+                <a:latin typeface="Consolas" panose="020B0609020204030204" pitchFamily="49" charset="0"/>
+              </a:rPr>
+              <a:t>= </a:t>
+            </a:r>
+            <a:r>
+              <a:rPr kumimoji="0" lang="en-US" altLang="en-US" sz="1600" b="0" i="0" u="none" strike="noStrike" cap="none" normalizeH="0" baseline="0" dirty="0">
+                <a:ln>
+                  <a:noFill/>
+                </a:ln>
+                <a:solidFill>
+                  <a:srgbClr val="0000FF"/>
+                </a:solidFill>
+                <a:effectLst/>
+                <a:latin typeface="Consolas" panose="020B0609020204030204" pitchFamily="49" charset="0"/>
+              </a:rPr>
+              <a:t>10</a:t>
+            </a:r>
+            <a:r>
+              <a:rPr kumimoji="0" lang="en-US" altLang="en-US" sz="1600" b="0" i="0" u="none" strike="noStrike" cap="none" normalizeH="0" baseline="0" dirty="0">
+                <a:ln>
+                  <a:noFill/>
+                </a:ln>
+                <a:solidFill>
+                  <a:srgbClr val="000000"/>
+                </a:solidFill>
+                <a:effectLst/>
+                <a:latin typeface="Consolas" panose="020B0609020204030204" pitchFamily="49" charset="0"/>
+              </a:rPr>
+              <a:t>;</a:t>
+            </a:r>
+            <a:br>
+              <a:rPr kumimoji="0" lang="en-US" altLang="en-US" sz="1600" b="0" i="0" u="none" strike="noStrike" cap="none" normalizeH="0" baseline="0" dirty="0">
+                <a:ln>
+                  <a:noFill/>
+                </a:ln>
+                <a:solidFill>
+                  <a:srgbClr val="000000"/>
+                </a:solidFill>
+                <a:effectLst/>
+                <a:latin typeface="Consolas" panose="020B0609020204030204" pitchFamily="49" charset="0"/>
+              </a:rPr>
+            </a:br>
+            <a:br>
+              <a:rPr kumimoji="0" lang="en-US" altLang="en-US" sz="1600" b="0" i="0" u="none" strike="noStrike" cap="none" normalizeH="0" baseline="0" dirty="0">
+                <a:ln>
+                  <a:noFill/>
+                </a:ln>
+                <a:solidFill>
+                  <a:srgbClr val="000000"/>
+                </a:solidFill>
+                <a:effectLst/>
+                <a:latin typeface="Consolas" panose="020B0609020204030204" pitchFamily="49" charset="0"/>
+              </a:rPr>
+            </a:br>
+            <a:r>
+              <a:rPr kumimoji="0" lang="en-US" altLang="en-US" sz="1600" b="0" i="0" u="none" strike="noStrike" cap="none" normalizeH="0" baseline="0" dirty="0">
+                <a:ln>
+                  <a:noFill/>
+                </a:ln>
+                <a:solidFill>
+                  <a:srgbClr val="000000"/>
+                </a:solidFill>
+                <a:effectLst/>
+                <a:latin typeface="Consolas" panose="020B0609020204030204" pitchFamily="49" charset="0"/>
+              </a:rPr>
+              <a:t>    </a:t>
+            </a:r>
+            <a:r>
+              <a:rPr kumimoji="0" lang="en-US" altLang="en-US" sz="1600" b="1" i="0" u="none" strike="noStrike" cap="none" normalizeH="0" baseline="0" dirty="0">
+                <a:ln>
+                  <a:noFill/>
+                </a:ln>
+                <a:solidFill>
+                  <a:srgbClr val="000080"/>
+                </a:solidFill>
+                <a:effectLst/>
+                <a:latin typeface="Consolas" panose="020B0609020204030204" pitchFamily="49" charset="0"/>
+              </a:rPr>
+              <a:t>class </a:t>
+            </a:r>
+            <a:r>
+              <a:rPr kumimoji="0" lang="en-US" altLang="en-US" sz="1600" b="0" i="0" u="none" strike="noStrike" cap="none" normalizeH="0" baseline="0" dirty="0" err="1">
+                <a:ln>
+                  <a:noFill/>
+                </a:ln>
+                <a:solidFill>
+                  <a:srgbClr val="000000"/>
+                </a:solidFill>
+                <a:effectLst/>
+                <a:latin typeface="Consolas" panose="020B0609020204030204" pitchFamily="49" charset="0"/>
+              </a:rPr>
+              <a:t>InnerClass</a:t>
+            </a:r>
+            <a:r>
+              <a:rPr kumimoji="0" lang="en-US" altLang="en-US" sz="1600" b="0" i="0" u="none" strike="noStrike" cap="none" normalizeH="0" baseline="0" dirty="0">
+                <a:ln>
+                  <a:noFill/>
+                </a:ln>
+                <a:solidFill>
+                  <a:srgbClr val="000000"/>
+                </a:solidFill>
+                <a:effectLst/>
+                <a:latin typeface="Consolas" panose="020B0609020204030204" pitchFamily="49" charset="0"/>
+              </a:rPr>
+              <a:t> {</a:t>
+            </a:r>
+            <a:br>
+              <a:rPr kumimoji="0" lang="en-US" altLang="en-US" sz="1600" b="0" i="0" u="none" strike="noStrike" cap="none" normalizeH="0" baseline="0" dirty="0">
+                <a:ln>
+                  <a:noFill/>
+                </a:ln>
+                <a:solidFill>
+                  <a:srgbClr val="000000"/>
+                </a:solidFill>
+                <a:effectLst/>
+                <a:latin typeface="Consolas" panose="020B0609020204030204" pitchFamily="49" charset="0"/>
+              </a:rPr>
+            </a:br>
+            <a:r>
+              <a:rPr kumimoji="0" lang="en-US" altLang="en-US" sz="1600" b="0" i="0" u="none" strike="noStrike" cap="none" normalizeH="0" baseline="0" dirty="0">
+                <a:ln>
+                  <a:noFill/>
+                </a:ln>
+                <a:solidFill>
+                  <a:srgbClr val="000000"/>
+                </a:solidFill>
+                <a:effectLst/>
+                <a:latin typeface="Consolas" panose="020B0609020204030204" pitchFamily="49" charset="0"/>
+              </a:rPr>
+              <a:t>        </a:t>
+            </a:r>
+            <a:r>
+              <a:rPr kumimoji="0" lang="en-US" altLang="en-US" sz="1600" b="1" i="0" u="none" strike="noStrike" cap="none" normalizeH="0" baseline="0" dirty="0">
+                <a:ln>
+                  <a:noFill/>
+                </a:ln>
+                <a:solidFill>
+                  <a:srgbClr val="000080"/>
+                </a:solidFill>
+                <a:effectLst/>
+                <a:latin typeface="Consolas" panose="020B0609020204030204" pitchFamily="49" charset="0"/>
+              </a:rPr>
+              <a:t>int </a:t>
+            </a:r>
+            <a:r>
+              <a:rPr kumimoji="0" lang="en-US" altLang="en-US" sz="1600" b="1" i="0" u="none" strike="noStrike" cap="none" normalizeH="0" baseline="0" dirty="0">
+                <a:ln>
+                  <a:noFill/>
+                </a:ln>
+                <a:solidFill>
+                  <a:srgbClr val="660E7A"/>
+                </a:solidFill>
+                <a:effectLst/>
+                <a:latin typeface="Consolas" panose="020B0609020204030204" pitchFamily="49" charset="0"/>
+              </a:rPr>
+              <a:t>y </a:t>
+            </a:r>
+            <a:r>
+              <a:rPr kumimoji="0" lang="en-US" altLang="en-US" sz="1600" b="0" i="0" u="none" strike="noStrike" cap="none" normalizeH="0" baseline="0" dirty="0">
+                <a:ln>
+                  <a:noFill/>
+                </a:ln>
+                <a:solidFill>
+                  <a:srgbClr val="000000"/>
+                </a:solidFill>
+                <a:effectLst/>
+                <a:latin typeface="Consolas" panose="020B0609020204030204" pitchFamily="49" charset="0"/>
+              </a:rPr>
+              <a:t>= </a:t>
+            </a:r>
+            <a:r>
+              <a:rPr kumimoji="0" lang="en-US" altLang="en-US" sz="1600" b="0" i="0" u="none" strike="noStrike" cap="none" normalizeH="0" baseline="0" dirty="0">
+                <a:ln>
+                  <a:noFill/>
+                </a:ln>
+                <a:solidFill>
+                  <a:srgbClr val="0000FF"/>
+                </a:solidFill>
+                <a:effectLst/>
+                <a:latin typeface="Consolas" panose="020B0609020204030204" pitchFamily="49" charset="0"/>
+              </a:rPr>
+              <a:t>5</a:t>
+            </a:r>
+            <a:r>
+              <a:rPr kumimoji="0" lang="en-US" altLang="en-US" sz="1600" b="0" i="0" u="none" strike="noStrike" cap="none" normalizeH="0" baseline="0" dirty="0">
+                <a:ln>
+                  <a:noFill/>
+                </a:ln>
+                <a:solidFill>
+                  <a:srgbClr val="000000"/>
+                </a:solidFill>
+                <a:effectLst/>
+                <a:latin typeface="Consolas" panose="020B0609020204030204" pitchFamily="49" charset="0"/>
+              </a:rPr>
+              <a:t>;</a:t>
+            </a:r>
+            <a:br>
+              <a:rPr kumimoji="0" lang="en-US" altLang="en-US" sz="1600" b="0" i="0" u="none" strike="noStrike" cap="none" normalizeH="0" baseline="0" dirty="0">
+                <a:ln>
+                  <a:noFill/>
+                </a:ln>
+                <a:solidFill>
+                  <a:srgbClr val="000000"/>
+                </a:solidFill>
+                <a:effectLst/>
+                <a:latin typeface="Consolas" panose="020B0609020204030204" pitchFamily="49" charset="0"/>
+              </a:rPr>
+            </a:br>
+            <a:r>
+              <a:rPr kumimoji="0" lang="en-US" altLang="en-US" sz="1600" b="0" i="0" u="none" strike="noStrike" cap="none" normalizeH="0" baseline="0" dirty="0">
+                <a:ln>
+                  <a:noFill/>
+                </a:ln>
+                <a:solidFill>
+                  <a:srgbClr val="000000"/>
+                </a:solidFill>
+                <a:effectLst/>
+                <a:latin typeface="Consolas" panose="020B0609020204030204" pitchFamily="49" charset="0"/>
+              </a:rPr>
+              <a:t>    }</a:t>
+            </a:r>
+            <a:br>
+              <a:rPr kumimoji="0" lang="en-US" altLang="en-US" sz="1600" b="0" i="0" u="none" strike="noStrike" cap="none" normalizeH="0" baseline="0" dirty="0">
+                <a:ln>
+                  <a:noFill/>
+                </a:ln>
+                <a:solidFill>
+                  <a:srgbClr val="000000"/>
+                </a:solidFill>
+                <a:effectLst/>
+                <a:latin typeface="Consolas" panose="020B0609020204030204" pitchFamily="49" charset="0"/>
+              </a:rPr>
+            </a:br>
+            <a:r>
+              <a:rPr kumimoji="0" lang="en-US" altLang="en-US" sz="1600" b="0" i="0" u="none" strike="noStrike" cap="none" normalizeH="0" baseline="0" dirty="0">
+                <a:ln>
+                  <a:noFill/>
+                </a:ln>
+                <a:solidFill>
+                  <a:srgbClr val="000000"/>
+                </a:solidFill>
+                <a:effectLst/>
+                <a:latin typeface="Consolas" panose="020B0609020204030204" pitchFamily="49" charset="0"/>
+              </a:rPr>
+              <a:t>}</a:t>
+            </a:r>
+            <a:br>
+              <a:rPr kumimoji="0" lang="en-US" altLang="en-US" sz="1600" b="0" i="0" u="none" strike="noStrike" cap="none" normalizeH="0" baseline="0" dirty="0">
+                <a:ln>
+                  <a:noFill/>
+                </a:ln>
+                <a:solidFill>
+                  <a:srgbClr val="000000"/>
+                </a:solidFill>
+                <a:effectLst/>
+                <a:latin typeface="Consolas" panose="020B0609020204030204" pitchFamily="49" charset="0"/>
+              </a:rPr>
+            </a:br>
+            <a:br>
+              <a:rPr kumimoji="0" lang="en-US" altLang="en-US" sz="1600" b="0" i="0" u="none" strike="noStrike" cap="none" normalizeH="0" baseline="0" dirty="0">
+                <a:ln>
+                  <a:noFill/>
+                </a:ln>
+                <a:solidFill>
+                  <a:srgbClr val="000000"/>
+                </a:solidFill>
+                <a:effectLst/>
+                <a:latin typeface="Consolas" panose="020B0609020204030204" pitchFamily="49" charset="0"/>
+              </a:rPr>
+            </a:br>
+            <a:r>
+              <a:rPr kumimoji="0" lang="en-US" altLang="en-US" sz="1600" b="1" i="0" u="none" strike="noStrike" cap="none" normalizeH="0" baseline="0" dirty="0">
+                <a:ln>
+                  <a:noFill/>
+                </a:ln>
+                <a:solidFill>
+                  <a:srgbClr val="000080"/>
+                </a:solidFill>
+                <a:effectLst/>
+                <a:latin typeface="Consolas" panose="020B0609020204030204" pitchFamily="49" charset="0"/>
+              </a:rPr>
+              <a:t>public class </a:t>
+            </a:r>
+            <a:r>
+              <a:rPr kumimoji="0" lang="en-US" altLang="en-US" sz="1600" b="0" i="0" u="none" strike="noStrike" cap="none" normalizeH="0" baseline="0" dirty="0" err="1">
+                <a:ln>
+                  <a:noFill/>
+                </a:ln>
+                <a:solidFill>
+                  <a:srgbClr val="000000"/>
+                </a:solidFill>
+                <a:effectLst/>
+                <a:latin typeface="Consolas" panose="020B0609020204030204" pitchFamily="49" charset="0"/>
+              </a:rPr>
+              <a:t>MyMainClass</a:t>
+            </a:r>
+            <a:r>
+              <a:rPr kumimoji="0" lang="en-US" altLang="en-US" sz="1600" b="0" i="0" u="none" strike="noStrike" cap="none" normalizeH="0" baseline="0" dirty="0">
+                <a:ln>
+                  <a:noFill/>
+                </a:ln>
+                <a:solidFill>
+                  <a:srgbClr val="000000"/>
+                </a:solidFill>
+                <a:effectLst/>
+                <a:latin typeface="Consolas" panose="020B0609020204030204" pitchFamily="49" charset="0"/>
+              </a:rPr>
+              <a:t> {</a:t>
+            </a:r>
+            <a:br>
+              <a:rPr kumimoji="0" lang="en-US" altLang="en-US" sz="1600" b="0" i="0" u="none" strike="noStrike" cap="none" normalizeH="0" baseline="0" dirty="0">
+                <a:ln>
+                  <a:noFill/>
+                </a:ln>
+                <a:solidFill>
+                  <a:srgbClr val="000000"/>
+                </a:solidFill>
+                <a:effectLst/>
+                <a:latin typeface="Consolas" panose="020B0609020204030204" pitchFamily="49" charset="0"/>
+              </a:rPr>
+            </a:br>
+            <a:r>
+              <a:rPr kumimoji="0" lang="en-US" altLang="en-US" sz="1600" b="0" i="0" u="none" strike="noStrike" cap="none" normalizeH="0" baseline="0" dirty="0">
+                <a:ln>
+                  <a:noFill/>
+                </a:ln>
+                <a:solidFill>
+                  <a:srgbClr val="000000"/>
+                </a:solidFill>
+                <a:effectLst/>
+                <a:latin typeface="Consolas" panose="020B0609020204030204" pitchFamily="49" charset="0"/>
+              </a:rPr>
+              <a:t>    </a:t>
+            </a:r>
+            <a:r>
+              <a:rPr kumimoji="0" lang="en-US" altLang="en-US" sz="1600" b="1" i="0" u="none" strike="noStrike" cap="none" normalizeH="0" baseline="0" dirty="0">
+                <a:ln>
+                  <a:noFill/>
+                </a:ln>
+                <a:solidFill>
+                  <a:srgbClr val="000080"/>
+                </a:solidFill>
+                <a:effectLst/>
+                <a:latin typeface="Consolas" panose="020B0609020204030204" pitchFamily="49" charset="0"/>
+              </a:rPr>
+              <a:t>public static void </a:t>
+            </a:r>
+            <a:r>
+              <a:rPr kumimoji="0" lang="en-US" altLang="en-US" sz="1600" b="0" i="0" u="none" strike="noStrike" cap="none" normalizeH="0" baseline="0" dirty="0">
+                <a:ln>
+                  <a:noFill/>
+                </a:ln>
+                <a:solidFill>
+                  <a:srgbClr val="000000"/>
+                </a:solidFill>
+                <a:effectLst/>
+                <a:latin typeface="Consolas" panose="020B0609020204030204" pitchFamily="49" charset="0"/>
+              </a:rPr>
+              <a:t>main(String[] </a:t>
+            </a:r>
+            <a:r>
+              <a:rPr kumimoji="0" lang="en-US" altLang="en-US" sz="1600" b="0" i="0" u="none" strike="noStrike" cap="none" normalizeH="0" baseline="0" dirty="0" err="1">
+                <a:ln>
+                  <a:noFill/>
+                </a:ln>
+                <a:solidFill>
+                  <a:srgbClr val="000000"/>
+                </a:solidFill>
+                <a:effectLst/>
+                <a:latin typeface="Consolas" panose="020B0609020204030204" pitchFamily="49" charset="0"/>
+              </a:rPr>
+              <a:t>args</a:t>
+            </a:r>
+            <a:r>
+              <a:rPr kumimoji="0" lang="en-US" altLang="en-US" sz="1600" b="0" i="0" u="none" strike="noStrike" cap="none" normalizeH="0" baseline="0" dirty="0">
+                <a:ln>
+                  <a:noFill/>
+                </a:ln>
+                <a:solidFill>
+                  <a:srgbClr val="000000"/>
+                </a:solidFill>
+                <a:effectLst/>
+                <a:latin typeface="Consolas" panose="020B0609020204030204" pitchFamily="49" charset="0"/>
+              </a:rPr>
+              <a:t>) {</a:t>
+            </a:r>
+            <a:br>
+              <a:rPr kumimoji="0" lang="en-US" altLang="en-US" sz="1600" b="0" i="0" u="none" strike="noStrike" cap="none" normalizeH="0" baseline="0" dirty="0">
+                <a:ln>
+                  <a:noFill/>
+                </a:ln>
+                <a:solidFill>
+                  <a:srgbClr val="000000"/>
+                </a:solidFill>
+                <a:effectLst/>
+                <a:latin typeface="Consolas" panose="020B0609020204030204" pitchFamily="49" charset="0"/>
+              </a:rPr>
+            </a:br>
+            <a:r>
+              <a:rPr kumimoji="0" lang="en-US" altLang="en-US" sz="1600" b="0" i="0" u="none" strike="noStrike" cap="none" normalizeH="0" baseline="0" dirty="0">
+                <a:ln>
+                  <a:noFill/>
+                </a:ln>
+                <a:solidFill>
+                  <a:srgbClr val="000000"/>
+                </a:solidFill>
+                <a:effectLst/>
+                <a:latin typeface="Consolas" panose="020B0609020204030204" pitchFamily="49" charset="0"/>
+              </a:rPr>
+              <a:t>        </a:t>
+            </a:r>
+            <a:r>
+              <a:rPr kumimoji="0" lang="en-US" altLang="en-US" sz="1600" b="0" i="0" u="none" strike="noStrike" cap="none" normalizeH="0" baseline="0" dirty="0" err="1">
+                <a:ln>
+                  <a:noFill/>
+                </a:ln>
+                <a:solidFill>
+                  <a:srgbClr val="000000"/>
+                </a:solidFill>
+                <a:effectLst/>
+                <a:latin typeface="Consolas" panose="020B0609020204030204" pitchFamily="49" charset="0"/>
+              </a:rPr>
+              <a:t>OuterClass</a:t>
+            </a:r>
+            <a:r>
+              <a:rPr kumimoji="0" lang="en-US" altLang="en-US" sz="1600" b="0" i="0" u="none" strike="noStrike" cap="none" normalizeH="0" baseline="0" dirty="0">
+                <a:ln>
+                  <a:noFill/>
+                </a:ln>
+                <a:solidFill>
+                  <a:srgbClr val="000000"/>
+                </a:solidFill>
+                <a:effectLst/>
+                <a:latin typeface="Consolas" panose="020B0609020204030204" pitchFamily="49" charset="0"/>
+              </a:rPr>
+              <a:t> </a:t>
+            </a:r>
+            <a:r>
+              <a:rPr kumimoji="0" lang="en-US" altLang="en-US" sz="1600" b="0" i="0" u="none" strike="noStrike" cap="none" normalizeH="0" baseline="0" dirty="0" err="1">
+                <a:ln>
+                  <a:noFill/>
+                </a:ln>
+                <a:solidFill>
+                  <a:srgbClr val="000000"/>
+                </a:solidFill>
+                <a:effectLst/>
+                <a:latin typeface="Consolas" panose="020B0609020204030204" pitchFamily="49" charset="0"/>
+              </a:rPr>
+              <a:t>myOuter</a:t>
+            </a:r>
+            <a:r>
+              <a:rPr kumimoji="0" lang="en-US" altLang="en-US" sz="1600" b="0" i="0" u="none" strike="noStrike" cap="none" normalizeH="0" baseline="0" dirty="0">
+                <a:ln>
+                  <a:noFill/>
+                </a:ln>
+                <a:solidFill>
+                  <a:srgbClr val="000000"/>
+                </a:solidFill>
+                <a:effectLst/>
+                <a:latin typeface="Consolas" panose="020B0609020204030204" pitchFamily="49" charset="0"/>
+              </a:rPr>
+              <a:t> = </a:t>
+            </a:r>
+            <a:r>
+              <a:rPr kumimoji="0" lang="en-US" altLang="en-US" sz="1600" b="1" i="0" u="none" strike="noStrike" cap="none" normalizeH="0" baseline="0" dirty="0">
+                <a:ln>
+                  <a:noFill/>
+                </a:ln>
+                <a:solidFill>
+                  <a:srgbClr val="000080"/>
+                </a:solidFill>
+                <a:effectLst/>
+                <a:latin typeface="Consolas" panose="020B0609020204030204" pitchFamily="49" charset="0"/>
+              </a:rPr>
+              <a:t>new </a:t>
+            </a:r>
+            <a:r>
+              <a:rPr kumimoji="0" lang="en-US" altLang="en-US" sz="1600" b="0" i="0" u="none" strike="noStrike" cap="none" normalizeH="0" baseline="0" dirty="0" err="1">
+                <a:ln>
+                  <a:noFill/>
+                </a:ln>
+                <a:solidFill>
+                  <a:srgbClr val="000000"/>
+                </a:solidFill>
+                <a:effectLst/>
+                <a:latin typeface="Consolas" panose="020B0609020204030204" pitchFamily="49" charset="0"/>
+              </a:rPr>
+              <a:t>OuterClass</a:t>
+            </a:r>
+            <a:r>
+              <a:rPr kumimoji="0" lang="en-US" altLang="en-US" sz="1600" b="0" i="0" u="none" strike="noStrike" cap="none" normalizeH="0" baseline="0" dirty="0">
+                <a:ln>
+                  <a:noFill/>
+                </a:ln>
+                <a:solidFill>
+                  <a:srgbClr val="000000"/>
+                </a:solidFill>
+                <a:effectLst/>
+                <a:latin typeface="Consolas" panose="020B0609020204030204" pitchFamily="49" charset="0"/>
+              </a:rPr>
+              <a:t>();</a:t>
+            </a:r>
+            <a:br>
+              <a:rPr kumimoji="0" lang="en-US" altLang="en-US" sz="1600" b="0" i="0" u="none" strike="noStrike" cap="none" normalizeH="0" baseline="0" dirty="0">
+                <a:ln>
+                  <a:noFill/>
+                </a:ln>
+                <a:solidFill>
+                  <a:srgbClr val="000000"/>
+                </a:solidFill>
+                <a:effectLst/>
+                <a:latin typeface="Consolas" panose="020B0609020204030204" pitchFamily="49" charset="0"/>
+              </a:rPr>
+            </a:br>
+            <a:r>
+              <a:rPr kumimoji="0" lang="en-US" altLang="en-US" sz="1600" b="0" i="0" u="none" strike="noStrike" cap="none" normalizeH="0" baseline="0" dirty="0">
+                <a:ln>
+                  <a:noFill/>
+                </a:ln>
+                <a:solidFill>
+                  <a:srgbClr val="000000"/>
+                </a:solidFill>
+                <a:effectLst/>
+                <a:latin typeface="Consolas" panose="020B0609020204030204" pitchFamily="49" charset="0"/>
+              </a:rPr>
+              <a:t>        </a:t>
+            </a:r>
+            <a:r>
+              <a:rPr kumimoji="0" lang="en-US" altLang="en-US" sz="1600" b="0" i="0" u="none" strike="noStrike" cap="none" normalizeH="0" baseline="0" dirty="0" err="1">
+                <a:ln>
+                  <a:noFill/>
+                </a:ln>
+                <a:solidFill>
+                  <a:srgbClr val="000000"/>
+                </a:solidFill>
+                <a:effectLst/>
+                <a:latin typeface="Consolas" panose="020B0609020204030204" pitchFamily="49" charset="0"/>
+              </a:rPr>
+              <a:t>OuterClass.InnerClass</a:t>
+            </a:r>
+            <a:r>
+              <a:rPr kumimoji="0" lang="en-US" altLang="en-US" sz="1600" b="0" i="0" u="none" strike="noStrike" cap="none" normalizeH="0" baseline="0" dirty="0">
+                <a:ln>
+                  <a:noFill/>
+                </a:ln>
+                <a:solidFill>
+                  <a:srgbClr val="000000"/>
+                </a:solidFill>
+                <a:effectLst/>
+                <a:latin typeface="Consolas" panose="020B0609020204030204" pitchFamily="49" charset="0"/>
+              </a:rPr>
+              <a:t> </a:t>
+            </a:r>
+            <a:r>
+              <a:rPr kumimoji="0" lang="en-US" altLang="en-US" sz="1600" b="0" i="0" u="none" strike="noStrike" cap="none" normalizeH="0" baseline="0" dirty="0" err="1">
+                <a:ln>
+                  <a:noFill/>
+                </a:ln>
+                <a:solidFill>
+                  <a:srgbClr val="000000"/>
+                </a:solidFill>
+                <a:effectLst/>
+                <a:latin typeface="Consolas" panose="020B0609020204030204" pitchFamily="49" charset="0"/>
+              </a:rPr>
+              <a:t>myInner</a:t>
+            </a:r>
+            <a:r>
+              <a:rPr kumimoji="0" lang="en-US" altLang="en-US" sz="1600" b="0" i="0" u="none" strike="noStrike" cap="none" normalizeH="0" baseline="0" dirty="0">
+                <a:ln>
+                  <a:noFill/>
+                </a:ln>
+                <a:solidFill>
+                  <a:srgbClr val="000000"/>
+                </a:solidFill>
+                <a:effectLst/>
+                <a:latin typeface="Consolas" panose="020B0609020204030204" pitchFamily="49" charset="0"/>
+              </a:rPr>
+              <a:t> = </a:t>
+            </a:r>
+            <a:r>
+              <a:rPr kumimoji="0" lang="en-US" altLang="en-US" sz="1600" b="0" i="0" u="none" strike="noStrike" cap="none" normalizeH="0" baseline="0" dirty="0" err="1">
+                <a:ln>
+                  <a:noFill/>
+                </a:ln>
+                <a:solidFill>
+                  <a:srgbClr val="000000"/>
+                </a:solidFill>
+                <a:effectLst/>
+                <a:latin typeface="Consolas" panose="020B0609020204030204" pitchFamily="49" charset="0"/>
+              </a:rPr>
+              <a:t>myOuter.</a:t>
+            </a:r>
+            <a:r>
+              <a:rPr kumimoji="0" lang="en-US" altLang="en-US" sz="1600" b="1" i="0" u="none" strike="noStrike" cap="none" normalizeH="0" baseline="0" dirty="0" err="1">
+                <a:ln>
+                  <a:noFill/>
+                </a:ln>
+                <a:solidFill>
+                  <a:srgbClr val="000080"/>
+                </a:solidFill>
+                <a:effectLst/>
+                <a:latin typeface="Consolas" panose="020B0609020204030204" pitchFamily="49" charset="0"/>
+              </a:rPr>
+              <a:t>new</a:t>
+            </a:r>
+            <a:r>
+              <a:rPr kumimoji="0" lang="en-US" altLang="en-US" sz="1600" b="1" i="0" u="none" strike="noStrike" cap="none" normalizeH="0" baseline="0" dirty="0">
+                <a:ln>
+                  <a:noFill/>
+                </a:ln>
+                <a:solidFill>
+                  <a:srgbClr val="000080"/>
+                </a:solidFill>
+                <a:effectLst/>
+                <a:latin typeface="Consolas" panose="020B0609020204030204" pitchFamily="49" charset="0"/>
+              </a:rPr>
+              <a:t> </a:t>
+            </a:r>
+            <a:r>
+              <a:rPr kumimoji="0" lang="en-US" altLang="en-US" sz="1600" b="0" i="0" u="none" strike="noStrike" cap="none" normalizeH="0" baseline="0" dirty="0" err="1">
+                <a:ln>
+                  <a:noFill/>
+                </a:ln>
+                <a:solidFill>
+                  <a:srgbClr val="000000"/>
+                </a:solidFill>
+                <a:effectLst/>
+                <a:latin typeface="Consolas" panose="020B0609020204030204" pitchFamily="49" charset="0"/>
+              </a:rPr>
+              <a:t>InnerClass</a:t>
+            </a:r>
+            <a:r>
+              <a:rPr kumimoji="0" lang="en-US" altLang="en-US" sz="1600" b="0" i="0" u="none" strike="noStrike" cap="none" normalizeH="0" baseline="0" dirty="0">
+                <a:ln>
+                  <a:noFill/>
+                </a:ln>
+                <a:solidFill>
+                  <a:srgbClr val="000000"/>
+                </a:solidFill>
+                <a:effectLst/>
+                <a:latin typeface="Consolas" panose="020B0609020204030204" pitchFamily="49" charset="0"/>
+              </a:rPr>
+              <a:t>();</a:t>
+            </a:r>
+            <a:br>
+              <a:rPr kumimoji="0" lang="en-US" altLang="en-US" sz="1600" b="0" i="0" u="none" strike="noStrike" cap="none" normalizeH="0" baseline="0" dirty="0">
+                <a:ln>
+                  <a:noFill/>
+                </a:ln>
+                <a:solidFill>
+                  <a:srgbClr val="000000"/>
+                </a:solidFill>
+                <a:effectLst/>
+                <a:latin typeface="Consolas" panose="020B0609020204030204" pitchFamily="49" charset="0"/>
+              </a:rPr>
+            </a:br>
+            <a:r>
+              <a:rPr kumimoji="0" lang="en-US" altLang="en-US" sz="1600" b="0" i="0" u="none" strike="noStrike" cap="none" normalizeH="0" baseline="0" dirty="0">
+                <a:ln>
+                  <a:noFill/>
+                </a:ln>
+                <a:solidFill>
+                  <a:srgbClr val="000000"/>
+                </a:solidFill>
+                <a:effectLst/>
+                <a:latin typeface="Consolas" panose="020B0609020204030204" pitchFamily="49" charset="0"/>
+              </a:rPr>
+              <a:t>        </a:t>
+            </a:r>
+            <a:r>
+              <a:rPr kumimoji="0" lang="en-US" altLang="en-US" sz="1600" b="0" i="0" u="none" strike="noStrike" cap="none" normalizeH="0" baseline="0" dirty="0" err="1">
+                <a:ln>
+                  <a:noFill/>
+                </a:ln>
+                <a:solidFill>
+                  <a:srgbClr val="000000"/>
+                </a:solidFill>
+                <a:effectLst/>
+                <a:latin typeface="Consolas" panose="020B0609020204030204" pitchFamily="49" charset="0"/>
+              </a:rPr>
+              <a:t>System.</a:t>
+            </a:r>
+            <a:r>
+              <a:rPr kumimoji="0" lang="en-US" altLang="en-US" sz="1600" b="1" i="1" u="none" strike="noStrike" cap="none" normalizeH="0" baseline="0" dirty="0" err="1">
+                <a:ln>
+                  <a:noFill/>
+                </a:ln>
+                <a:solidFill>
+                  <a:srgbClr val="660E7A"/>
+                </a:solidFill>
+                <a:effectLst/>
+                <a:latin typeface="Consolas" panose="020B0609020204030204" pitchFamily="49" charset="0"/>
+              </a:rPr>
+              <a:t>out</a:t>
+            </a:r>
+            <a:r>
+              <a:rPr kumimoji="0" lang="en-US" altLang="en-US" sz="1600" b="0" i="0" u="none" strike="noStrike" cap="none" normalizeH="0" baseline="0" dirty="0" err="1">
+                <a:ln>
+                  <a:noFill/>
+                </a:ln>
+                <a:solidFill>
+                  <a:srgbClr val="000000"/>
+                </a:solidFill>
+                <a:effectLst/>
+                <a:latin typeface="Consolas" panose="020B0609020204030204" pitchFamily="49" charset="0"/>
+              </a:rPr>
+              <a:t>.println</a:t>
+            </a:r>
+            <a:r>
+              <a:rPr kumimoji="0" lang="en-US" altLang="en-US" sz="1600" b="0" i="0" u="none" strike="noStrike" cap="none" normalizeH="0" baseline="0" dirty="0">
+                <a:ln>
+                  <a:noFill/>
+                </a:ln>
+                <a:solidFill>
+                  <a:srgbClr val="000000"/>
+                </a:solidFill>
+                <a:effectLst/>
+                <a:latin typeface="Consolas" panose="020B0609020204030204" pitchFamily="49" charset="0"/>
+              </a:rPr>
+              <a:t>(</a:t>
+            </a:r>
+            <a:r>
+              <a:rPr kumimoji="0" lang="en-US" altLang="en-US" sz="1600" b="0" i="0" u="none" strike="noStrike" cap="none" normalizeH="0" baseline="0" dirty="0" err="1">
+                <a:ln>
+                  <a:noFill/>
+                </a:ln>
+                <a:solidFill>
+                  <a:srgbClr val="000000"/>
+                </a:solidFill>
+                <a:effectLst/>
+                <a:latin typeface="Consolas" panose="020B0609020204030204" pitchFamily="49" charset="0"/>
+              </a:rPr>
+              <a:t>myInner.</a:t>
+            </a:r>
+            <a:r>
+              <a:rPr kumimoji="0" lang="en-US" altLang="en-US" sz="1600" b="1" i="0" u="none" strike="noStrike" cap="none" normalizeH="0" baseline="0" dirty="0" err="1">
+                <a:ln>
+                  <a:noFill/>
+                </a:ln>
+                <a:solidFill>
+                  <a:srgbClr val="660E7A"/>
+                </a:solidFill>
+                <a:effectLst/>
+                <a:latin typeface="Consolas" panose="020B0609020204030204" pitchFamily="49" charset="0"/>
+              </a:rPr>
+              <a:t>y</a:t>
+            </a:r>
+            <a:r>
+              <a:rPr kumimoji="0" lang="en-US" altLang="en-US" sz="1600" b="1" i="0" u="none" strike="noStrike" cap="none" normalizeH="0" baseline="0" dirty="0">
+                <a:ln>
+                  <a:noFill/>
+                </a:ln>
+                <a:solidFill>
+                  <a:srgbClr val="660E7A"/>
+                </a:solidFill>
+                <a:effectLst/>
+                <a:latin typeface="Consolas" panose="020B0609020204030204" pitchFamily="49" charset="0"/>
+              </a:rPr>
+              <a:t> </a:t>
+            </a:r>
+            <a:r>
+              <a:rPr kumimoji="0" lang="en-US" altLang="en-US" sz="1600" b="0" i="0" u="none" strike="noStrike" cap="none" normalizeH="0" baseline="0" dirty="0">
+                <a:ln>
+                  <a:noFill/>
+                </a:ln>
+                <a:solidFill>
+                  <a:srgbClr val="000000"/>
+                </a:solidFill>
+                <a:effectLst/>
+                <a:latin typeface="Consolas" panose="020B0609020204030204" pitchFamily="49" charset="0"/>
+              </a:rPr>
+              <a:t>+ </a:t>
+            </a:r>
+            <a:r>
+              <a:rPr kumimoji="0" lang="en-US" altLang="en-US" sz="1600" b="0" i="0" u="none" strike="noStrike" cap="none" normalizeH="0" baseline="0" dirty="0" err="1">
+                <a:ln>
+                  <a:noFill/>
+                </a:ln>
+                <a:solidFill>
+                  <a:srgbClr val="000000"/>
+                </a:solidFill>
+                <a:effectLst/>
+                <a:latin typeface="Consolas" panose="020B0609020204030204" pitchFamily="49" charset="0"/>
+              </a:rPr>
+              <a:t>myOuter.</a:t>
+            </a:r>
+            <a:r>
+              <a:rPr kumimoji="0" lang="en-US" altLang="en-US" sz="1600" b="1" i="0" u="none" strike="noStrike" cap="none" normalizeH="0" baseline="0" dirty="0" err="1">
+                <a:ln>
+                  <a:noFill/>
+                </a:ln>
+                <a:solidFill>
+                  <a:srgbClr val="660E7A"/>
+                </a:solidFill>
+                <a:effectLst/>
+                <a:latin typeface="Consolas" panose="020B0609020204030204" pitchFamily="49" charset="0"/>
+              </a:rPr>
+              <a:t>x</a:t>
+            </a:r>
+            <a:r>
+              <a:rPr kumimoji="0" lang="en-US" altLang="en-US" sz="1600" b="0" i="0" u="none" strike="noStrike" cap="none" normalizeH="0" baseline="0" dirty="0">
+                <a:ln>
+                  <a:noFill/>
+                </a:ln>
+                <a:solidFill>
+                  <a:srgbClr val="000000"/>
+                </a:solidFill>
+                <a:effectLst/>
+                <a:latin typeface="Consolas" panose="020B0609020204030204" pitchFamily="49" charset="0"/>
+              </a:rPr>
+              <a:t>);</a:t>
+            </a:r>
+            <a:br>
+              <a:rPr kumimoji="0" lang="en-US" altLang="en-US" sz="1600" b="0" i="0" u="none" strike="noStrike" cap="none" normalizeH="0" baseline="0" dirty="0">
+                <a:ln>
+                  <a:noFill/>
+                </a:ln>
+                <a:solidFill>
+                  <a:srgbClr val="000000"/>
+                </a:solidFill>
+                <a:effectLst/>
+                <a:latin typeface="Consolas" panose="020B0609020204030204" pitchFamily="49" charset="0"/>
+              </a:rPr>
+            </a:br>
+            <a:r>
+              <a:rPr kumimoji="0" lang="en-US" altLang="en-US" sz="1600" b="0" i="0" u="none" strike="noStrike" cap="none" normalizeH="0" baseline="0" dirty="0">
+                <a:ln>
+                  <a:noFill/>
+                </a:ln>
+                <a:solidFill>
+                  <a:srgbClr val="000000"/>
+                </a:solidFill>
+                <a:effectLst/>
+                <a:latin typeface="Consolas" panose="020B0609020204030204" pitchFamily="49" charset="0"/>
+              </a:rPr>
+              <a:t>    }</a:t>
+            </a:r>
+            <a:br>
+              <a:rPr kumimoji="0" lang="en-US" altLang="en-US" sz="1600" b="0" i="0" u="none" strike="noStrike" cap="none" normalizeH="0" baseline="0" dirty="0">
+                <a:ln>
+                  <a:noFill/>
+                </a:ln>
+                <a:solidFill>
+                  <a:srgbClr val="000000"/>
+                </a:solidFill>
+                <a:effectLst/>
+                <a:latin typeface="Consolas" panose="020B0609020204030204" pitchFamily="49" charset="0"/>
+              </a:rPr>
+            </a:br>
+            <a:r>
+              <a:rPr kumimoji="0" lang="en-US" altLang="en-US" sz="1600" b="0" i="0" u="none" strike="noStrike" cap="none" normalizeH="0" baseline="0" dirty="0">
+                <a:ln>
+                  <a:noFill/>
+                </a:ln>
+                <a:solidFill>
+                  <a:srgbClr val="000000"/>
+                </a:solidFill>
+                <a:effectLst/>
+                <a:latin typeface="Consolas" panose="020B0609020204030204" pitchFamily="49" charset="0"/>
+              </a:rPr>
+              <a:t>}</a:t>
+            </a:r>
+            <a:endParaRPr kumimoji="0" lang="en-US" altLang="en-US" sz="1600" b="0" i="0" u="none" strike="noStrike" cap="none" normalizeH="0" baseline="0" dirty="0">
+              <a:ln>
+                <a:noFill/>
+              </a:ln>
+              <a:solidFill>
+                <a:schemeClr val="tx1"/>
+              </a:solidFill>
+              <a:effectLst/>
+              <a:latin typeface="Arial" panose="020B0604020202020204" pitchFamily="34" charset="0"/>
+            </a:endParaRPr>
+          </a:p>
+        </p:txBody>
+      </p:sp>
+    </p:spTree>
+    <p:extLst>
+      <p:ext uri="{BB962C8B-B14F-4D97-AF65-F5344CB8AC3E}">
+        <p14:creationId xmlns:p14="http://schemas.microsoft.com/office/powerpoint/2010/main" val="2126882480"/>
+      </p:ext>
+    </p:extLst>
+  </p:cSld>
+  <p:clrMapOvr>
+    <a:masterClrMapping/>
+  </p:clrMapOvr>
+</p:sld>
+</file>
+
 <file path=ppt/slides/slide3.xml><?xml version="1.0" encoding="utf-8"?>
 <p:sld xmlns:a="http://schemas.openxmlformats.org/drawingml/2006/main" xmlns:r="http://schemas.openxmlformats.org/officeDocument/2006/relationships" xmlns:p="http://schemas.openxmlformats.org/presentationml/2006/main">
   <p:cSld>
@@ -23342,6 +26653,3880 @@
     <p:extLst>
       <p:ext uri="{BB962C8B-B14F-4D97-AF65-F5344CB8AC3E}">
         <p14:creationId xmlns:p14="http://schemas.microsoft.com/office/powerpoint/2010/main" val="808251095"/>
+      </p:ext>
+    </p:extLst>
+  </p:cSld>
+  <p:clrMapOvr>
+    <a:masterClrMapping/>
+  </p:clrMapOvr>
+</p:sld>
+</file>
+
+<file path=ppt/slides/slide30.xml><?xml version="1.0" encoding="utf-8"?>
+<p:sld xmlns:a="http://schemas.openxmlformats.org/drawingml/2006/main" xmlns:r="http://schemas.openxmlformats.org/officeDocument/2006/relationships" xmlns:p="http://schemas.openxmlformats.org/presentationml/2006/main">
+  <p:cSld>
+    <p:spTree>
+      <p:nvGrpSpPr>
+        <p:cNvPr id="1" name=""/>
+        <p:cNvGrpSpPr/>
+        <p:nvPr/>
+      </p:nvGrpSpPr>
+      <p:grpSpPr>
+        <a:xfrm>
+          <a:off x="0" y="0"/>
+          <a:ext cx="0" cy="0"/>
+          <a:chOff x="0" y="0"/>
+          <a:chExt cx="0" cy="0"/>
+        </a:xfrm>
+      </p:grpSpPr>
+      <p:sp>
+        <p:nvSpPr>
+          <p:cNvPr id="2" name="Title 1">
+            <a:extLst>
+              <a:ext uri="{FF2B5EF4-FFF2-40B4-BE49-F238E27FC236}">
+                <a16:creationId xmlns:a16="http://schemas.microsoft.com/office/drawing/2014/main" id="{9612958F-B082-4745-84BD-9476A6BBC557}"/>
+              </a:ext>
+            </a:extLst>
+          </p:cNvPr>
+          <p:cNvSpPr>
+            <a:spLocks noGrp="1"/>
+          </p:cNvSpPr>
+          <p:nvPr>
+            <p:ph type="title"/>
+          </p:nvPr>
+        </p:nvSpPr>
+        <p:spPr/>
+        <p:txBody>
+          <a:bodyPr/>
+          <a:lstStyle/>
+          <a:p>
+            <a:r>
+              <a:rPr lang="en-US" dirty="0">
+                <a:solidFill>
+                  <a:srgbClr val="0070C0"/>
+                </a:solidFill>
+                <a:latin typeface="Times New Roman" panose="02020603050405020304" pitchFamily="18" charset="0"/>
+                <a:cs typeface="Times New Roman" panose="02020603050405020304" pitchFamily="18" charset="0"/>
+              </a:rPr>
+              <a:t>Java Abstraction</a:t>
+            </a:r>
+          </a:p>
+        </p:txBody>
+      </p:sp>
+      <p:sp>
+        <p:nvSpPr>
+          <p:cNvPr id="5" name="Content Placeholder 2">
+            <a:extLst>
+              <a:ext uri="{FF2B5EF4-FFF2-40B4-BE49-F238E27FC236}">
+                <a16:creationId xmlns:a16="http://schemas.microsoft.com/office/drawing/2014/main" id="{BB4333A8-D54A-489A-BF0C-35B54C45B3D3}"/>
+              </a:ext>
+            </a:extLst>
+          </p:cNvPr>
+          <p:cNvSpPr txBox="1">
+            <a:spLocks/>
+          </p:cNvSpPr>
+          <p:nvPr/>
+        </p:nvSpPr>
+        <p:spPr>
+          <a:xfrm>
+            <a:off x="838201" y="1880371"/>
+            <a:ext cx="10515599" cy="4511551"/>
+          </a:xfrm>
+          <a:prstGeom prst="rect">
+            <a:avLst/>
+          </a:prstGeom>
+        </p:spPr>
+        <p:txBody>
+          <a:bodyPr vert="horz" lIns="91440" tIns="45720" rIns="91440" bIns="45720" rtlCol="0">
+            <a:normAutofit/>
+          </a:bodyPr>
+          <a:lstStyle>
+            <a:lvl1pPr marL="228600" indent="-228600" algn="l" defTabSz="914400" rtl="0" eaLnBrk="1" latinLnBrk="0" hangingPunct="1">
+              <a:lnSpc>
+                <a:spcPct val="90000"/>
+              </a:lnSpc>
+              <a:spcBef>
+                <a:spcPts val="1000"/>
+              </a:spcBef>
+              <a:buFont typeface="Arial" panose="020B0604020202020204" pitchFamily="34" charset="0"/>
+              <a:buChar char="•"/>
+              <a:defRPr sz="2800" kern="1200">
+                <a:solidFill>
+                  <a:schemeClr val="tx1"/>
+                </a:solidFill>
+                <a:latin typeface="+mn-lt"/>
+                <a:ea typeface="+mn-ea"/>
+                <a:cs typeface="+mn-cs"/>
+              </a:defRPr>
+            </a:lvl1pPr>
+            <a:lvl2pPr marL="685800" indent="-228600" algn="l" defTabSz="914400" rtl="0" eaLnBrk="1" latinLnBrk="0" hangingPunct="1">
+              <a:lnSpc>
+                <a:spcPct val="90000"/>
+              </a:lnSpc>
+              <a:spcBef>
+                <a:spcPts val="500"/>
+              </a:spcBef>
+              <a:buFont typeface="Arial" panose="020B0604020202020204" pitchFamily="34" charset="0"/>
+              <a:buChar char="•"/>
+              <a:defRPr sz="2400" kern="1200">
+                <a:solidFill>
+                  <a:schemeClr val="tx1"/>
+                </a:solidFill>
+                <a:latin typeface="+mn-lt"/>
+                <a:ea typeface="+mn-ea"/>
+                <a:cs typeface="+mn-cs"/>
+              </a:defRPr>
+            </a:lvl2pPr>
+            <a:lvl3pPr marL="1143000" indent="-228600" algn="l" defTabSz="914400" rtl="0" eaLnBrk="1" latinLnBrk="0" hangingPunct="1">
+              <a:lnSpc>
+                <a:spcPct val="90000"/>
+              </a:lnSpc>
+              <a:spcBef>
+                <a:spcPts val="500"/>
+              </a:spcBef>
+              <a:buFont typeface="Arial" panose="020B0604020202020204" pitchFamily="34" charset="0"/>
+              <a:buChar char="•"/>
+              <a:defRPr sz="2000" kern="1200">
+                <a:solidFill>
+                  <a:schemeClr val="tx1"/>
+                </a:solidFill>
+                <a:latin typeface="+mn-lt"/>
+                <a:ea typeface="+mn-ea"/>
+                <a:cs typeface="+mn-cs"/>
+              </a:defRPr>
+            </a:lvl3pPr>
+            <a:lvl4pPr marL="1600200" indent="-228600" algn="l" defTabSz="914400" rtl="0" eaLnBrk="1" latinLnBrk="0" hangingPunct="1">
+              <a:lnSpc>
+                <a:spcPct val="90000"/>
+              </a:lnSpc>
+              <a:spcBef>
+                <a:spcPts val="500"/>
+              </a:spcBef>
+              <a:buFont typeface="Arial" panose="020B0604020202020204" pitchFamily="34" charset="0"/>
+              <a:buChar char="•"/>
+              <a:defRPr sz="1800" kern="1200">
+                <a:solidFill>
+                  <a:schemeClr val="tx1"/>
+                </a:solidFill>
+                <a:latin typeface="+mn-lt"/>
+                <a:ea typeface="+mn-ea"/>
+                <a:cs typeface="+mn-cs"/>
+              </a:defRPr>
+            </a:lvl4pPr>
+            <a:lvl5pPr marL="2057400" indent="-228600" algn="l" defTabSz="914400" rtl="0" eaLnBrk="1" latinLnBrk="0" hangingPunct="1">
+              <a:lnSpc>
+                <a:spcPct val="90000"/>
+              </a:lnSpc>
+              <a:spcBef>
+                <a:spcPts val="500"/>
+              </a:spcBef>
+              <a:buFont typeface="Arial" panose="020B0604020202020204" pitchFamily="34" charset="0"/>
+              <a:buChar char="•"/>
+              <a:defRPr sz="1800" kern="1200">
+                <a:solidFill>
+                  <a:schemeClr val="tx1"/>
+                </a:solidFill>
+                <a:latin typeface="+mn-lt"/>
+                <a:ea typeface="+mn-ea"/>
+                <a:cs typeface="+mn-cs"/>
+              </a:defRPr>
+            </a:lvl5pPr>
+            <a:lvl6pPr marL="2514600" indent="-228600" algn="l" defTabSz="914400" rtl="0" eaLnBrk="1" latinLnBrk="0" hangingPunct="1">
+              <a:lnSpc>
+                <a:spcPct val="90000"/>
+              </a:lnSpc>
+              <a:spcBef>
+                <a:spcPts val="500"/>
+              </a:spcBef>
+              <a:buFont typeface="Arial" panose="020B0604020202020204" pitchFamily="34" charset="0"/>
+              <a:buChar char="•"/>
+              <a:defRPr sz="1800" kern="1200">
+                <a:solidFill>
+                  <a:schemeClr val="tx1"/>
+                </a:solidFill>
+                <a:latin typeface="+mn-lt"/>
+                <a:ea typeface="+mn-ea"/>
+                <a:cs typeface="+mn-cs"/>
+              </a:defRPr>
+            </a:lvl6pPr>
+            <a:lvl7pPr marL="2971800" indent="-228600" algn="l" defTabSz="914400" rtl="0" eaLnBrk="1" latinLnBrk="0" hangingPunct="1">
+              <a:lnSpc>
+                <a:spcPct val="90000"/>
+              </a:lnSpc>
+              <a:spcBef>
+                <a:spcPts val="500"/>
+              </a:spcBef>
+              <a:buFont typeface="Arial" panose="020B0604020202020204" pitchFamily="34" charset="0"/>
+              <a:buChar char="•"/>
+              <a:defRPr sz="1800" kern="1200">
+                <a:solidFill>
+                  <a:schemeClr val="tx1"/>
+                </a:solidFill>
+                <a:latin typeface="+mn-lt"/>
+                <a:ea typeface="+mn-ea"/>
+                <a:cs typeface="+mn-cs"/>
+              </a:defRPr>
+            </a:lvl7pPr>
+            <a:lvl8pPr marL="3429000" indent="-228600" algn="l" defTabSz="914400" rtl="0" eaLnBrk="1" latinLnBrk="0" hangingPunct="1">
+              <a:lnSpc>
+                <a:spcPct val="90000"/>
+              </a:lnSpc>
+              <a:spcBef>
+                <a:spcPts val="500"/>
+              </a:spcBef>
+              <a:buFont typeface="Arial" panose="020B0604020202020204" pitchFamily="34" charset="0"/>
+              <a:buChar char="•"/>
+              <a:defRPr sz="1800" kern="1200">
+                <a:solidFill>
+                  <a:schemeClr val="tx1"/>
+                </a:solidFill>
+                <a:latin typeface="+mn-lt"/>
+                <a:ea typeface="+mn-ea"/>
+                <a:cs typeface="+mn-cs"/>
+              </a:defRPr>
+            </a:lvl8pPr>
+            <a:lvl9pPr marL="3886200" indent="-228600" algn="l" defTabSz="914400" rtl="0" eaLnBrk="1" latinLnBrk="0" hangingPunct="1">
+              <a:lnSpc>
+                <a:spcPct val="90000"/>
+              </a:lnSpc>
+              <a:spcBef>
+                <a:spcPts val="500"/>
+              </a:spcBef>
+              <a:buFont typeface="Arial" panose="020B0604020202020204" pitchFamily="34" charset="0"/>
+              <a:buChar char="•"/>
+              <a:defRPr sz="1800" kern="1200">
+                <a:solidFill>
+                  <a:schemeClr val="tx1"/>
+                </a:solidFill>
+                <a:latin typeface="+mn-lt"/>
+                <a:ea typeface="+mn-ea"/>
+                <a:cs typeface="+mn-cs"/>
+              </a:defRPr>
+            </a:lvl9pPr>
+          </a:lstStyle>
+          <a:p>
+            <a:r>
+              <a:rPr lang="en-US" sz="2000" dirty="0" err="1">
+                <a:latin typeface="Times New Roman" panose="02020603050405020304" pitchFamily="18" charset="0"/>
+                <a:cs typeface="Times New Roman" panose="02020603050405020304" pitchFamily="18" charset="0"/>
+              </a:rPr>
+              <a:t>Là</a:t>
+            </a:r>
+            <a:r>
+              <a:rPr lang="en-US" sz="2000" dirty="0">
+                <a:latin typeface="Times New Roman" panose="02020603050405020304" pitchFamily="18" charset="0"/>
+                <a:cs typeface="Times New Roman" panose="02020603050405020304" pitchFamily="18" charset="0"/>
+              </a:rPr>
+              <a:t> </a:t>
+            </a:r>
+            <a:r>
+              <a:rPr lang="en-US" sz="2000" dirty="0" err="1">
+                <a:latin typeface="Times New Roman" panose="02020603050405020304" pitchFamily="18" charset="0"/>
+                <a:cs typeface="Times New Roman" panose="02020603050405020304" pitchFamily="18" charset="0"/>
+              </a:rPr>
+              <a:t>quá</a:t>
+            </a:r>
+            <a:r>
+              <a:rPr lang="en-US" sz="2000" dirty="0">
+                <a:latin typeface="Times New Roman" panose="02020603050405020304" pitchFamily="18" charset="0"/>
+                <a:cs typeface="Times New Roman" panose="02020603050405020304" pitchFamily="18" charset="0"/>
+              </a:rPr>
+              <a:t> </a:t>
+            </a:r>
+            <a:r>
+              <a:rPr lang="en-US" sz="2000" dirty="0" err="1">
+                <a:latin typeface="Times New Roman" panose="02020603050405020304" pitchFamily="18" charset="0"/>
+                <a:cs typeface="Times New Roman" panose="02020603050405020304" pitchFamily="18" charset="0"/>
+              </a:rPr>
+              <a:t>trình</a:t>
+            </a:r>
+            <a:r>
+              <a:rPr lang="en-US" sz="2000" dirty="0">
+                <a:latin typeface="Times New Roman" panose="02020603050405020304" pitchFamily="18" charset="0"/>
+                <a:cs typeface="Times New Roman" panose="02020603050405020304" pitchFamily="18" charset="0"/>
+              </a:rPr>
+              <a:t> </a:t>
+            </a:r>
+            <a:r>
+              <a:rPr lang="en-US" sz="2000" dirty="0" err="1">
+                <a:latin typeface="Times New Roman" panose="02020603050405020304" pitchFamily="18" charset="0"/>
+                <a:cs typeface="Times New Roman" panose="02020603050405020304" pitchFamily="18" charset="0"/>
+              </a:rPr>
+              <a:t>ẩn</a:t>
+            </a:r>
+            <a:r>
+              <a:rPr lang="en-US" sz="2000" dirty="0">
+                <a:latin typeface="Times New Roman" panose="02020603050405020304" pitchFamily="18" charset="0"/>
+                <a:cs typeface="Times New Roman" panose="02020603050405020304" pitchFamily="18" charset="0"/>
+              </a:rPr>
+              <a:t> 1 </a:t>
+            </a:r>
+            <a:r>
+              <a:rPr lang="en-US" sz="2000" dirty="0" err="1">
+                <a:latin typeface="Times New Roman" panose="02020603050405020304" pitchFamily="18" charset="0"/>
+                <a:cs typeface="Times New Roman" panose="02020603050405020304" pitchFamily="18" charset="0"/>
+              </a:rPr>
+              <a:t>số</a:t>
+            </a:r>
+            <a:r>
+              <a:rPr lang="en-US" sz="2000" dirty="0">
+                <a:latin typeface="Times New Roman" panose="02020603050405020304" pitchFamily="18" charset="0"/>
+                <a:cs typeface="Times New Roman" panose="02020603050405020304" pitchFamily="18" charset="0"/>
+              </a:rPr>
+              <a:t> </a:t>
+            </a:r>
+            <a:r>
+              <a:rPr lang="en-US" sz="2000" dirty="0" err="1">
+                <a:latin typeface="Times New Roman" panose="02020603050405020304" pitchFamily="18" charset="0"/>
+                <a:cs typeface="Times New Roman" panose="02020603050405020304" pitchFamily="18" charset="0"/>
+              </a:rPr>
+              <a:t>thông</a:t>
+            </a:r>
+            <a:r>
+              <a:rPr lang="en-US" sz="2000" dirty="0">
+                <a:latin typeface="Times New Roman" panose="02020603050405020304" pitchFamily="18" charset="0"/>
+                <a:cs typeface="Times New Roman" panose="02020603050405020304" pitchFamily="18" charset="0"/>
+              </a:rPr>
+              <a:t> tin </a:t>
+            </a:r>
+            <a:r>
+              <a:rPr lang="en-US" sz="2000" dirty="0" err="1">
+                <a:latin typeface="Times New Roman" panose="02020603050405020304" pitchFamily="18" charset="0"/>
+                <a:cs typeface="Times New Roman" panose="02020603050405020304" pitchFamily="18" charset="0"/>
+              </a:rPr>
+              <a:t>nhất</a:t>
+            </a:r>
+            <a:r>
+              <a:rPr lang="en-US" sz="2000" dirty="0">
+                <a:latin typeface="Times New Roman" panose="02020603050405020304" pitchFamily="18" charset="0"/>
+                <a:cs typeface="Times New Roman" panose="02020603050405020304" pitchFamily="18" charset="0"/>
+              </a:rPr>
+              <a:t> </a:t>
+            </a:r>
+            <a:r>
+              <a:rPr lang="en-US" sz="2000" dirty="0" err="1">
+                <a:latin typeface="Times New Roman" panose="02020603050405020304" pitchFamily="18" charset="0"/>
+                <a:cs typeface="Times New Roman" panose="02020603050405020304" pitchFamily="18" charset="0"/>
+              </a:rPr>
+              <a:t>định</a:t>
+            </a:r>
+            <a:r>
+              <a:rPr lang="en-US" sz="2000" dirty="0">
+                <a:latin typeface="Times New Roman" panose="02020603050405020304" pitchFamily="18" charset="0"/>
+                <a:cs typeface="Times New Roman" panose="02020603050405020304" pitchFamily="18" charset="0"/>
+              </a:rPr>
+              <a:t> </a:t>
+            </a:r>
+            <a:r>
+              <a:rPr lang="en-US" sz="2000" dirty="0" err="1">
+                <a:latin typeface="Times New Roman" panose="02020603050405020304" pitchFamily="18" charset="0"/>
+                <a:cs typeface="Times New Roman" panose="02020603050405020304" pitchFamily="18" charset="0"/>
+              </a:rPr>
+              <a:t>và</a:t>
+            </a:r>
+            <a:r>
+              <a:rPr lang="en-US" sz="2000" dirty="0">
+                <a:latin typeface="Times New Roman" panose="02020603050405020304" pitchFamily="18" charset="0"/>
+                <a:cs typeface="Times New Roman" panose="02020603050405020304" pitchFamily="18" charset="0"/>
+              </a:rPr>
+              <a:t> </a:t>
+            </a:r>
+            <a:r>
+              <a:rPr lang="en-US" sz="2000" dirty="0" err="1">
+                <a:latin typeface="Times New Roman" panose="02020603050405020304" pitchFamily="18" charset="0"/>
+                <a:cs typeface="Times New Roman" panose="02020603050405020304" pitchFamily="18" charset="0"/>
+              </a:rPr>
+              <a:t>chỉ</a:t>
+            </a:r>
+            <a:r>
+              <a:rPr lang="en-US" sz="2000" dirty="0">
+                <a:latin typeface="Times New Roman" panose="02020603050405020304" pitchFamily="18" charset="0"/>
+                <a:cs typeface="Times New Roman" panose="02020603050405020304" pitchFamily="18" charset="0"/>
+              </a:rPr>
+              <a:t> </a:t>
+            </a:r>
+            <a:r>
+              <a:rPr lang="en-US" sz="2000" dirty="0" err="1">
+                <a:latin typeface="Times New Roman" panose="02020603050405020304" pitchFamily="18" charset="0"/>
+                <a:cs typeface="Times New Roman" panose="02020603050405020304" pitchFamily="18" charset="0"/>
+              </a:rPr>
+              <a:t>hiện</a:t>
+            </a:r>
+            <a:r>
+              <a:rPr lang="en-US" sz="2000" dirty="0">
+                <a:latin typeface="Times New Roman" panose="02020603050405020304" pitchFamily="18" charset="0"/>
+                <a:cs typeface="Times New Roman" panose="02020603050405020304" pitchFamily="18" charset="0"/>
+              </a:rPr>
+              <a:t> </a:t>
+            </a:r>
+            <a:r>
+              <a:rPr lang="en-US" sz="2000" dirty="0" err="1">
+                <a:latin typeface="Times New Roman" panose="02020603050405020304" pitchFamily="18" charset="0"/>
+                <a:cs typeface="Times New Roman" panose="02020603050405020304" pitchFamily="18" charset="0"/>
+              </a:rPr>
+              <a:t>thị</a:t>
+            </a:r>
+            <a:r>
+              <a:rPr lang="en-US" sz="2000" dirty="0">
+                <a:latin typeface="Times New Roman" panose="02020603050405020304" pitchFamily="18" charset="0"/>
+                <a:cs typeface="Times New Roman" panose="02020603050405020304" pitchFamily="18" charset="0"/>
+              </a:rPr>
+              <a:t> </a:t>
+            </a:r>
+            <a:r>
+              <a:rPr lang="en-US" sz="2000" dirty="0" err="1">
+                <a:latin typeface="Times New Roman" panose="02020603050405020304" pitchFamily="18" charset="0"/>
+                <a:cs typeface="Times New Roman" panose="02020603050405020304" pitchFamily="18" charset="0"/>
+              </a:rPr>
+              <a:t>thông</a:t>
+            </a:r>
+            <a:r>
+              <a:rPr lang="en-US" sz="2000" dirty="0">
+                <a:latin typeface="Times New Roman" panose="02020603050405020304" pitchFamily="18" charset="0"/>
+                <a:cs typeface="Times New Roman" panose="02020603050405020304" pitchFamily="18" charset="0"/>
+              </a:rPr>
+              <a:t> tin </a:t>
+            </a:r>
+            <a:r>
+              <a:rPr lang="en-US" sz="2000" dirty="0" err="1">
+                <a:latin typeface="Times New Roman" panose="02020603050405020304" pitchFamily="18" charset="0"/>
+                <a:cs typeface="Times New Roman" panose="02020603050405020304" pitchFamily="18" charset="0"/>
+              </a:rPr>
+              <a:t>cần</a:t>
+            </a:r>
+            <a:r>
+              <a:rPr lang="en-US" sz="2000" dirty="0">
+                <a:latin typeface="Times New Roman" panose="02020603050405020304" pitchFamily="18" charset="0"/>
+                <a:cs typeface="Times New Roman" panose="02020603050405020304" pitchFamily="18" charset="0"/>
+              </a:rPr>
+              <a:t> </a:t>
+            </a:r>
+            <a:r>
+              <a:rPr lang="en-US" sz="2000" dirty="0" err="1">
+                <a:latin typeface="Times New Roman" panose="02020603050405020304" pitchFamily="18" charset="0"/>
+                <a:cs typeface="Times New Roman" panose="02020603050405020304" pitchFamily="18" charset="0"/>
+              </a:rPr>
+              <a:t>thiết</a:t>
+            </a:r>
+            <a:r>
+              <a:rPr lang="en-US" sz="2000" dirty="0">
+                <a:latin typeface="Times New Roman" panose="02020603050405020304" pitchFamily="18" charset="0"/>
+                <a:cs typeface="Times New Roman" panose="02020603050405020304" pitchFamily="18" charset="0"/>
+              </a:rPr>
+              <a:t> </a:t>
+            </a:r>
+            <a:r>
+              <a:rPr lang="en-US" sz="2000" dirty="0" err="1">
+                <a:latin typeface="Times New Roman" panose="02020603050405020304" pitchFamily="18" charset="0"/>
+                <a:cs typeface="Times New Roman" panose="02020603050405020304" pitchFamily="18" charset="0"/>
+              </a:rPr>
+              <a:t>cho</a:t>
+            </a:r>
+            <a:r>
+              <a:rPr lang="en-US" sz="2000" dirty="0">
+                <a:latin typeface="Times New Roman" panose="02020603050405020304" pitchFamily="18" charset="0"/>
+                <a:cs typeface="Times New Roman" panose="02020603050405020304" pitchFamily="18" charset="0"/>
+              </a:rPr>
+              <a:t> ng</a:t>
+            </a:r>
+            <a:r>
+              <a:rPr lang="vi-VN" sz="2000" dirty="0">
+                <a:latin typeface="Times New Roman" panose="02020603050405020304" pitchFamily="18" charset="0"/>
+                <a:cs typeface="Times New Roman" panose="02020603050405020304" pitchFamily="18" charset="0"/>
+              </a:rPr>
+              <a:t>ư</a:t>
+            </a:r>
+            <a:r>
+              <a:rPr lang="en-US" sz="2000" dirty="0" err="1">
+                <a:latin typeface="Times New Roman" panose="02020603050405020304" pitchFamily="18" charset="0"/>
+                <a:cs typeface="Times New Roman" panose="02020603050405020304" pitchFamily="18" charset="0"/>
+              </a:rPr>
+              <a:t>ời</a:t>
+            </a:r>
+            <a:r>
+              <a:rPr lang="en-US" sz="2000" dirty="0">
+                <a:latin typeface="Times New Roman" panose="02020603050405020304" pitchFamily="18" charset="0"/>
+                <a:cs typeface="Times New Roman" panose="02020603050405020304" pitchFamily="18" charset="0"/>
+              </a:rPr>
+              <a:t> </a:t>
+            </a:r>
+            <a:r>
+              <a:rPr lang="en-US" sz="2000" dirty="0" err="1">
+                <a:latin typeface="Times New Roman" panose="02020603050405020304" pitchFamily="18" charset="0"/>
+                <a:cs typeface="Times New Roman" panose="02020603050405020304" pitchFamily="18" charset="0"/>
+              </a:rPr>
+              <a:t>dùng</a:t>
+            </a:r>
+            <a:endParaRPr lang="en-US" sz="2000" dirty="0">
+              <a:latin typeface="Times New Roman" panose="02020603050405020304" pitchFamily="18" charset="0"/>
+              <a:cs typeface="Times New Roman" panose="02020603050405020304" pitchFamily="18" charset="0"/>
+            </a:endParaRPr>
+          </a:p>
+          <a:p>
+            <a:r>
+              <a:rPr lang="en-US" sz="2000" dirty="0" err="1">
+                <a:latin typeface="Times New Roman" panose="02020603050405020304" pitchFamily="18" charset="0"/>
+                <a:cs typeface="Times New Roman" panose="02020603050405020304" pitchFamily="18" charset="0"/>
+              </a:rPr>
+              <a:t>Từ</a:t>
+            </a:r>
+            <a:r>
+              <a:rPr lang="en-US" sz="2000" dirty="0">
+                <a:latin typeface="Times New Roman" panose="02020603050405020304" pitchFamily="18" charset="0"/>
+                <a:cs typeface="Times New Roman" panose="02020603050405020304" pitchFamily="18" charset="0"/>
+              </a:rPr>
+              <a:t> </a:t>
+            </a:r>
+            <a:r>
+              <a:rPr lang="en-US" sz="2000" dirty="0" err="1">
+                <a:latin typeface="Times New Roman" panose="02020603050405020304" pitchFamily="18" charset="0"/>
+                <a:cs typeface="Times New Roman" panose="02020603050405020304" pitchFamily="18" charset="0"/>
+              </a:rPr>
+              <a:t>khóa</a:t>
+            </a:r>
+            <a:r>
+              <a:rPr lang="en-US" sz="2000" dirty="0">
+                <a:latin typeface="Times New Roman" panose="02020603050405020304" pitchFamily="18" charset="0"/>
+                <a:cs typeface="Times New Roman" panose="02020603050405020304" pitchFamily="18" charset="0"/>
+              </a:rPr>
+              <a:t> abstraction </a:t>
+            </a:r>
+            <a:r>
+              <a:rPr lang="en-US" sz="2000" dirty="0" err="1">
+                <a:latin typeface="Times New Roman" panose="02020603050405020304" pitchFamily="18" charset="0"/>
+                <a:cs typeface="Times New Roman" panose="02020603050405020304" pitchFamily="18" charset="0"/>
+              </a:rPr>
+              <a:t>là</a:t>
+            </a:r>
+            <a:r>
+              <a:rPr lang="en-US" sz="2000" dirty="0">
+                <a:latin typeface="Times New Roman" panose="02020603050405020304" pitchFamily="18" charset="0"/>
+                <a:cs typeface="Times New Roman" panose="02020603050405020304" pitchFamily="18" charset="0"/>
+              </a:rPr>
+              <a:t> non-access modifier</a:t>
+            </a:r>
+          </a:p>
+          <a:p>
+            <a:pPr lvl="1">
+              <a:buFont typeface="Wingdings" panose="05000000000000000000" pitchFamily="2" charset="2"/>
+              <a:buChar char="§"/>
+            </a:pPr>
+            <a:r>
+              <a:rPr lang="en-US" sz="1600" dirty="0">
+                <a:latin typeface="Times New Roman" panose="02020603050405020304" pitchFamily="18" charset="0"/>
+                <a:cs typeface="Times New Roman" panose="02020603050405020304" pitchFamily="18" charset="0"/>
+              </a:rPr>
+              <a:t>Abstract class: </a:t>
+            </a:r>
+            <a:r>
+              <a:rPr lang="en-US" sz="1600" dirty="0" err="1">
+                <a:latin typeface="Times New Roman" panose="02020603050405020304" pitchFamily="18" charset="0"/>
+                <a:cs typeface="Times New Roman" panose="02020603050405020304" pitchFamily="18" charset="0"/>
+              </a:rPr>
+              <a:t>là</a:t>
+            </a:r>
+            <a:r>
+              <a:rPr lang="en-US" sz="1600" dirty="0">
+                <a:latin typeface="Times New Roman" panose="02020603050405020304" pitchFamily="18" charset="0"/>
+                <a:cs typeface="Times New Roman" panose="02020603050405020304" pitchFamily="18" charset="0"/>
+              </a:rPr>
+              <a:t> class </a:t>
+            </a:r>
+            <a:r>
+              <a:rPr lang="en-US" sz="1600" dirty="0" err="1">
+                <a:latin typeface="Times New Roman" panose="02020603050405020304" pitchFamily="18" charset="0"/>
+                <a:cs typeface="Times New Roman" panose="02020603050405020304" pitchFamily="18" charset="0"/>
+              </a:rPr>
+              <a:t>mà</a:t>
+            </a:r>
+            <a:r>
+              <a:rPr lang="en-US" sz="1600" dirty="0">
+                <a:latin typeface="Times New Roman" panose="02020603050405020304" pitchFamily="18" charset="0"/>
+                <a:cs typeface="Times New Roman" panose="02020603050405020304" pitchFamily="18" charset="0"/>
+              </a:rPr>
+              <a:t> </a:t>
+            </a:r>
+            <a:r>
+              <a:rPr lang="en-US" sz="1600" dirty="0" err="1">
+                <a:latin typeface="Times New Roman" panose="02020603050405020304" pitchFamily="18" charset="0"/>
+                <a:cs typeface="Times New Roman" panose="02020603050405020304" pitchFamily="18" charset="0"/>
+              </a:rPr>
+              <a:t>không</a:t>
+            </a:r>
+            <a:r>
+              <a:rPr lang="en-US" sz="1600" dirty="0">
+                <a:latin typeface="Times New Roman" panose="02020603050405020304" pitchFamily="18" charset="0"/>
+                <a:cs typeface="Times New Roman" panose="02020603050405020304" pitchFamily="18" charset="0"/>
+              </a:rPr>
+              <a:t> </a:t>
+            </a:r>
+            <a:r>
+              <a:rPr lang="en-US" sz="1600" dirty="0" err="1">
+                <a:latin typeface="Times New Roman" panose="02020603050405020304" pitchFamily="18" charset="0"/>
+                <a:cs typeface="Times New Roman" panose="02020603050405020304" pitchFamily="18" charset="0"/>
+              </a:rPr>
+              <a:t>thể</a:t>
+            </a:r>
+            <a:r>
+              <a:rPr lang="en-US" sz="1600" dirty="0">
+                <a:latin typeface="Times New Roman" panose="02020603050405020304" pitchFamily="18" charset="0"/>
+                <a:cs typeface="Times New Roman" panose="02020603050405020304" pitchFamily="18" charset="0"/>
+              </a:rPr>
+              <a:t> </a:t>
+            </a:r>
+            <a:r>
+              <a:rPr lang="en-US" sz="1600" dirty="0" err="1">
+                <a:latin typeface="Times New Roman" panose="02020603050405020304" pitchFamily="18" charset="0"/>
+                <a:cs typeface="Times New Roman" panose="02020603050405020304" pitchFamily="18" charset="0"/>
+              </a:rPr>
+              <a:t>tạo</a:t>
+            </a:r>
+            <a:r>
+              <a:rPr lang="en-US" sz="1600" dirty="0">
+                <a:latin typeface="Times New Roman" panose="02020603050405020304" pitchFamily="18" charset="0"/>
+                <a:cs typeface="Times New Roman" panose="02020603050405020304" pitchFamily="18" charset="0"/>
+              </a:rPr>
+              <a:t> </a:t>
+            </a:r>
+            <a:r>
+              <a:rPr lang="en-US" sz="1600" dirty="0" err="1">
+                <a:latin typeface="Times New Roman" panose="02020603050405020304" pitchFamily="18" charset="0"/>
+                <a:cs typeface="Times New Roman" panose="02020603050405020304" pitchFamily="18" charset="0"/>
+              </a:rPr>
+              <a:t>đối</a:t>
+            </a:r>
+            <a:r>
+              <a:rPr lang="en-US" sz="1600" dirty="0">
+                <a:latin typeface="Times New Roman" panose="02020603050405020304" pitchFamily="18" charset="0"/>
+                <a:cs typeface="Times New Roman" panose="02020603050405020304" pitchFamily="18" charset="0"/>
+              </a:rPr>
+              <a:t> t</a:t>
+            </a:r>
+            <a:r>
+              <a:rPr lang="vi-VN" sz="1600" dirty="0">
+                <a:latin typeface="Times New Roman" panose="02020603050405020304" pitchFamily="18" charset="0"/>
+                <a:cs typeface="Times New Roman" panose="02020603050405020304" pitchFamily="18" charset="0"/>
+              </a:rPr>
+              <a:t>ư</a:t>
+            </a:r>
+            <a:r>
+              <a:rPr lang="en-US" sz="1600" dirty="0" err="1">
+                <a:latin typeface="Times New Roman" panose="02020603050405020304" pitchFamily="18" charset="0"/>
+                <a:cs typeface="Times New Roman" panose="02020603050405020304" pitchFamily="18" charset="0"/>
+              </a:rPr>
+              <a:t>ợng</a:t>
+            </a:r>
+            <a:endParaRPr lang="en-US" sz="1600" dirty="0">
+              <a:latin typeface="Times New Roman" panose="02020603050405020304" pitchFamily="18" charset="0"/>
+              <a:cs typeface="Times New Roman" panose="02020603050405020304" pitchFamily="18" charset="0"/>
+            </a:endParaRPr>
+          </a:p>
+          <a:p>
+            <a:pPr lvl="1">
+              <a:buFont typeface="Wingdings" panose="05000000000000000000" pitchFamily="2" charset="2"/>
+              <a:buChar char="§"/>
+            </a:pPr>
+            <a:r>
+              <a:rPr lang="en-US" sz="1600" dirty="0">
+                <a:latin typeface="Times New Roman" panose="02020603050405020304" pitchFamily="18" charset="0"/>
+                <a:cs typeface="Times New Roman" panose="02020603050405020304" pitchFamily="18" charset="0"/>
+              </a:rPr>
+              <a:t>Abstract method: </a:t>
+            </a:r>
+            <a:r>
+              <a:rPr lang="en-US" sz="1600" dirty="0" err="1">
+                <a:latin typeface="Times New Roman" panose="02020603050405020304" pitchFamily="18" charset="0"/>
+                <a:cs typeface="Times New Roman" panose="02020603050405020304" pitchFamily="18" charset="0"/>
+              </a:rPr>
+              <a:t>sử</a:t>
+            </a:r>
+            <a:r>
+              <a:rPr lang="en-US" sz="1600" dirty="0">
+                <a:latin typeface="Times New Roman" panose="02020603050405020304" pitchFamily="18" charset="0"/>
+                <a:cs typeface="Times New Roman" panose="02020603050405020304" pitchFamily="18" charset="0"/>
+              </a:rPr>
+              <a:t> </a:t>
+            </a:r>
+            <a:r>
+              <a:rPr lang="en-US" sz="1600" dirty="0" err="1">
+                <a:latin typeface="Times New Roman" panose="02020603050405020304" pitchFamily="18" charset="0"/>
+                <a:cs typeface="Times New Roman" panose="02020603050405020304" pitchFamily="18" charset="0"/>
+              </a:rPr>
+              <a:t>dụng</a:t>
+            </a:r>
+            <a:r>
+              <a:rPr lang="en-US" sz="1600" dirty="0">
+                <a:latin typeface="Times New Roman" panose="02020603050405020304" pitchFamily="18" charset="0"/>
+                <a:cs typeface="Times New Roman" panose="02020603050405020304" pitchFamily="18" charset="0"/>
+              </a:rPr>
+              <a:t> </a:t>
+            </a:r>
+            <a:r>
+              <a:rPr lang="en-US" sz="1600" dirty="0" err="1">
+                <a:latin typeface="Times New Roman" panose="02020603050405020304" pitchFamily="18" charset="0"/>
+                <a:cs typeface="Times New Roman" panose="02020603050405020304" pitchFamily="18" charset="0"/>
+              </a:rPr>
+              <a:t>trong</a:t>
+            </a:r>
+            <a:r>
+              <a:rPr lang="en-US" sz="1600" dirty="0">
+                <a:latin typeface="Times New Roman" panose="02020603050405020304" pitchFamily="18" charset="0"/>
+                <a:cs typeface="Times New Roman" panose="02020603050405020304" pitchFamily="18" charset="0"/>
+              </a:rPr>
+              <a:t> abstract class, </a:t>
+            </a:r>
+            <a:r>
+              <a:rPr lang="en-US" sz="1600" dirty="0" err="1">
+                <a:latin typeface="Times New Roman" panose="02020603050405020304" pitchFamily="18" charset="0"/>
+                <a:cs typeface="Times New Roman" panose="02020603050405020304" pitchFamily="18" charset="0"/>
+              </a:rPr>
+              <a:t>không</a:t>
+            </a:r>
+            <a:r>
+              <a:rPr lang="en-US" sz="1600" dirty="0">
+                <a:latin typeface="Times New Roman" panose="02020603050405020304" pitchFamily="18" charset="0"/>
+                <a:cs typeface="Times New Roman" panose="02020603050405020304" pitchFamily="18" charset="0"/>
+              </a:rPr>
+              <a:t> </a:t>
+            </a:r>
+            <a:r>
+              <a:rPr lang="en-US" sz="1600" dirty="0" err="1">
+                <a:latin typeface="Times New Roman" panose="02020603050405020304" pitchFamily="18" charset="0"/>
+                <a:cs typeface="Times New Roman" panose="02020603050405020304" pitchFamily="18" charset="0"/>
+              </a:rPr>
+              <a:t>có</a:t>
+            </a:r>
+            <a:r>
+              <a:rPr lang="en-US" sz="1600" dirty="0">
+                <a:latin typeface="Times New Roman" panose="02020603050405020304" pitchFamily="18" charset="0"/>
+                <a:cs typeface="Times New Roman" panose="02020603050405020304" pitchFamily="18" charset="0"/>
+              </a:rPr>
+              <a:t> body</a:t>
+            </a:r>
+            <a:endParaRPr lang="en-US" sz="1600" dirty="0">
+              <a:latin typeface="Consolas" panose="020B0609020204030204" pitchFamily="49" charset="0"/>
+              <a:cs typeface="Times New Roman" panose="02020603050405020304" pitchFamily="18" charset="0"/>
+            </a:endParaRPr>
+          </a:p>
+        </p:txBody>
+      </p:sp>
+      <p:sp>
+        <p:nvSpPr>
+          <p:cNvPr id="3" name="Rectangle 1">
+            <a:extLst>
+              <a:ext uri="{FF2B5EF4-FFF2-40B4-BE49-F238E27FC236}">
+                <a16:creationId xmlns:a16="http://schemas.microsoft.com/office/drawing/2014/main" id="{1F033564-155C-4D36-A617-4B6B9BF42770}"/>
+              </a:ext>
+            </a:extLst>
+          </p:cNvPr>
+          <p:cNvSpPr>
+            <a:spLocks noChangeArrowheads="1"/>
+          </p:cNvSpPr>
+          <p:nvPr/>
+        </p:nvSpPr>
+        <p:spPr bwMode="auto">
+          <a:xfrm>
+            <a:off x="1091953" y="3634017"/>
+            <a:ext cx="5123518" cy="2031325"/>
+          </a:xfrm>
+          <a:prstGeom prst="rect">
+            <a:avLst/>
+          </a:prstGeom>
+          <a:solidFill>
+            <a:srgbClr val="FFFFFF"/>
+          </a:solidFill>
+          <a:ln>
+            <a:noFill/>
+          </a:ln>
+          <a:effectLst/>
+          <a:extLst>
+            <a:ext uri="{91240B29-F687-4F45-9708-019B960494DF}">
+              <a14:hiddenLine xmlns:a14="http://schemas.microsoft.com/office/drawing/2010/main" w="9525">
+                <a:solidFill>
+                  <a:schemeClr val="tx1"/>
+                </a:solidFill>
+                <a:miter lim="800000"/>
+                <a:headEnd/>
+                <a:tailEnd/>
+              </a14:hiddenLine>
+            </a:ext>
+            <a:ext uri="{AF507438-7753-43E0-B8FC-AC1667EBCBE1}">
+              <a14:hiddenEffects xmlns:a14="http://schemas.microsoft.com/office/drawing/2010/main">
+                <a:effectLst>
+                  <a:outerShdw dist="35921" dir="2700000" algn="ctr" rotWithShape="0">
+                    <a:schemeClr val="bg2"/>
+                  </a:outerShdw>
+                </a:effectLst>
+              </a14:hiddenEffects>
+            </a:ext>
+          </a:extLst>
+        </p:spPr>
+        <p:txBody>
+          <a:bodyPr vert="horz" wrap="none" lIns="91440" tIns="45720" rIns="91440" bIns="45720" numCol="1" anchor="ctr" anchorCtr="0" compatLnSpc="1">
+            <a:prstTxWarp prst="textNoShape">
+              <a:avLst/>
+            </a:prstTxWarp>
+            <a:spAutoFit/>
+          </a:bodyPr>
+          <a:lstStyle/>
+          <a:p>
+            <a:pPr marL="0" marR="0" lvl="0" indent="0" algn="l" defTabSz="914400" rtl="0" eaLnBrk="0" fontAlgn="base" latinLnBrk="0" hangingPunct="0">
+              <a:lnSpc>
+                <a:spcPct val="100000"/>
+              </a:lnSpc>
+              <a:spcBef>
+                <a:spcPct val="0"/>
+              </a:spcBef>
+              <a:spcAft>
+                <a:spcPct val="0"/>
+              </a:spcAft>
+              <a:buClrTx/>
+              <a:buSzTx/>
+              <a:buFontTx/>
+              <a:buNone/>
+              <a:tabLst/>
+            </a:pPr>
+            <a:r>
+              <a:rPr kumimoji="0" lang="en-US" altLang="en-US" b="1" i="0" u="none" strike="noStrike" cap="none" normalizeH="0" baseline="0" dirty="0">
+                <a:ln>
+                  <a:noFill/>
+                </a:ln>
+                <a:solidFill>
+                  <a:srgbClr val="000080"/>
+                </a:solidFill>
+                <a:effectLst/>
+                <a:latin typeface="Consolas" panose="020B0609020204030204" pitchFamily="49" charset="0"/>
+              </a:rPr>
+              <a:t>abstract class </a:t>
+            </a:r>
+            <a:r>
+              <a:rPr kumimoji="0" lang="en-US" altLang="en-US" b="0" i="0" u="none" strike="noStrike" cap="none" normalizeH="0" baseline="0" dirty="0">
+                <a:ln>
+                  <a:noFill/>
+                </a:ln>
+                <a:solidFill>
+                  <a:srgbClr val="000000"/>
+                </a:solidFill>
+                <a:effectLst/>
+                <a:latin typeface="Consolas" panose="020B0609020204030204" pitchFamily="49" charset="0"/>
+              </a:rPr>
+              <a:t>Animal {</a:t>
+            </a:r>
+            <a:br>
+              <a:rPr kumimoji="0" lang="en-US" altLang="en-US" b="0" i="0" u="none" strike="noStrike" cap="none" normalizeH="0" baseline="0" dirty="0">
+                <a:ln>
+                  <a:noFill/>
+                </a:ln>
+                <a:solidFill>
+                  <a:srgbClr val="000000"/>
+                </a:solidFill>
+                <a:effectLst/>
+                <a:latin typeface="Consolas" panose="020B0609020204030204" pitchFamily="49" charset="0"/>
+              </a:rPr>
+            </a:br>
+            <a:r>
+              <a:rPr kumimoji="0" lang="en-US" altLang="en-US" b="0" i="0" u="none" strike="noStrike" cap="none" normalizeH="0" baseline="0" dirty="0">
+                <a:ln>
+                  <a:noFill/>
+                </a:ln>
+                <a:solidFill>
+                  <a:srgbClr val="000000"/>
+                </a:solidFill>
+                <a:effectLst/>
+                <a:latin typeface="Consolas" panose="020B0609020204030204" pitchFamily="49" charset="0"/>
+              </a:rPr>
+              <a:t>    </a:t>
+            </a:r>
+            <a:r>
+              <a:rPr kumimoji="0" lang="en-US" altLang="en-US" b="1" i="0" u="none" strike="noStrike" cap="none" normalizeH="0" baseline="0" dirty="0">
+                <a:ln>
+                  <a:noFill/>
+                </a:ln>
+                <a:solidFill>
+                  <a:srgbClr val="000080"/>
+                </a:solidFill>
+                <a:effectLst/>
+                <a:latin typeface="Consolas" panose="020B0609020204030204" pitchFamily="49" charset="0"/>
+              </a:rPr>
+              <a:t>public abstract void </a:t>
+            </a:r>
+            <a:r>
+              <a:rPr kumimoji="0" lang="en-US" altLang="en-US" b="0" i="0" u="none" strike="noStrike" cap="none" normalizeH="0" baseline="0" dirty="0" err="1">
+                <a:ln>
+                  <a:noFill/>
+                </a:ln>
+                <a:solidFill>
+                  <a:srgbClr val="000000"/>
+                </a:solidFill>
+                <a:effectLst/>
+                <a:latin typeface="Consolas" panose="020B0609020204030204" pitchFamily="49" charset="0"/>
+              </a:rPr>
+              <a:t>animalSound</a:t>
+            </a:r>
+            <a:r>
+              <a:rPr kumimoji="0" lang="en-US" altLang="en-US" b="0" i="0" u="none" strike="noStrike" cap="none" normalizeH="0" baseline="0" dirty="0">
+                <a:ln>
+                  <a:noFill/>
+                </a:ln>
+                <a:solidFill>
+                  <a:srgbClr val="000000"/>
+                </a:solidFill>
+                <a:effectLst/>
+                <a:latin typeface="Consolas" panose="020B0609020204030204" pitchFamily="49" charset="0"/>
+              </a:rPr>
+              <a:t>();</a:t>
+            </a:r>
+            <a:br>
+              <a:rPr kumimoji="0" lang="en-US" altLang="en-US" b="0" i="0" u="none" strike="noStrike" cap="none" normalizeH="0" baseline="0" dirty="0">
+                <a:ln>
+                  <a:noFill/>
+                </a:ln>
+                <a:solidFill>
+                  <a:srgbClr val="000000"/>
+                </a:solidFill>
+                <a:effectLst/>
+                <a:latin typeface="Consolas" panose="020B0609020204030204" pitchFamily="49" charset="0"/>
+              </a:rPr>
+            </a:br>
+            <a:br>
+              <a:rPr kumimoji="0" lang="en-US" altLang="en-US" b="0" i="0" u="none" strike="noStrike" cap="none" normalizeH="0" baseline="0" dirty="0">
+                <a:ln>
+                  <a:noFill/>
+                </a:ln>
+                <a:solidFill>
+                  <a:srgbClr val="000000"/>
+                </a:solidFill>
+                <a:effectLst/>
+                <a:latin typeface="Consolas" panose="020B0609020204030204" pitchFamily="49" charset="0"/>
+              </a:rPr>
+            </a:br>
+            <a:r>
+              <a:rPr kumimoji="0" lang="en-US" altLang="en-US" b="0" i="0" u="none" strike="noStrike" cap="none" normalizeH="0" baseline="0" dirty="0">
+                <a:ln>
+                  <a:noFill/>
+                </a:ln>
+                <a:solidFill>
+                  <a:srgbClr val="000000"/>
+                </a:solidFill>
+                <a:effectLst/>
+                <a:latin typeface="Consolas" panose="020B0609020204030204" pitchFamily="49" charset="0"/>
+              </a:rPr>
+              <a:t>    </a:t>
+            </a:r>
+            <a:r>
+              <a:rPr kumimoji="0" lang="en-US" altLang="en-US" b="1" i="0" u="none" strike="noStrike" cap="none" normalizeH="0" baseline="0" dirty="0">
+                <a:ln>
+                  <a:noFill/>
+                </a:ln>
+                <a:solidFill>
+                  <a:srgbClr val="000080"/>
+                </a:solidFill>
+                <a:effectLst/>
+                <a:latin typeface="Consolas" panose="020B0609020204030204" pitchFamily="49" charset="0"/>
+              </a:rPr>
+              <a:t>public void </a:t>
+            </a:r>
+            <a:r>
+              <a:rPr kumimoji="0" lang="en-US" altLang="en-US" b="0" i="0" u="none" strike="noStrike" cap="none" normalizeH="0" baseline="0" dirty="0">
+                <a:ln>
+                  <a:noFill/>
+                </a:ln>
+                <a:solidFill>
+                  <a:srgbClr val="000000"/>
+                </a:solidFill>
+                <a:effectLst/>
+                <a:latin typeface="Consolas" panose="020B0609020204030204" pitchFamily="49" charset="0"/>
+              </a:rPr>
+              <a:t>sleep() {</a:t>
+            </a:r>
+            <a:br>
+              <a:rPr kumimoji="0" lang="en-US" altLang="en-US" b="0" i="0" u="none" strike="noStrike" cap="none" normalizeH="0" baseline="0" dirty="0">
+                <a:ln>
+                  <a:noFill/>
+                </a:ln>
+                <a:solidFill>
+                  <a:srgbClr val="000000"/>
+                </a:solidFill>
+                <a:effectLst/>
+                <a:latin typeface="Consolas" panose="020B0609020204030204" pitchFamily="49" charset="0"/>
+              </a:rPr>
+            </a:br>
+            <a:r>
+              <a:rPr kumimoji="0" lang="en-US" altLang="en-US" b="0" i="0" u="none" strike="noStrike" cap="none" normalizeH="0" baseline="0" dirty="0">
+                <a:ln>
+                  <a:noFill/>
+                </a:ln>
+                <a:solidFill>
+                  <a:srgbClr val="000000"/>
+                </a:solidFill>
+                <a:effectLst/>
+                <a:latin typeface="Consolas" panose="020B0609020204030204" pitchFamily="49" charset="0"/>
+              </a:rPr>
+              <a:t>        </a:t>
+            </a:r>
+            <a:r>
+              <a:rPr kumimoji="0" lang="en-US" altLang="en-US" b="0" i="0" u="none" strike="noStrike" cap="none" normalizeH="0" baseline="0" dirty="0" err="1">
+                <a:ln>
+                  <a:noFill/>
+                </a:ln>
+                <a:solidFill>
+                  <a:srgbClr val="000000"/>
+                </a:solidFill>
+                <a:effectLst/>
+                <a:latin typeface="Consolas" panose="020B0609020204030204" pitchFamily="49" charset="0"/>
+              </a:rPr>
+              <a:t>System.</a:t>
+            </a:r>
+            <a:r>
+              <a:rPr kumimoji="0" lang="en-US" altLang="en-US" b="1" i="1" u="none" strike="noStrike" cap="none" normalizeH="0" baseline="0" dirty="0" err="1">
+                <a:ln>
+                  <a:noFill/>
+                </a:ln>
+                <a:solidFill>
+                  <a:srgbClr val="660E7A"/>
+                </a:solidFill>
+                <a:effectLst/>
+                <a:latin typeface="Consolas" panose="020B0609020204030204" pitchFamily="49" charset="0"/>
+              </a:rPr>
+              <a:t>out</a:t>
+            </a:r>
+            <a:r>
+              <a:rPr kumimoji="0" lang="en-US" altLang="en-US" b="0" i="0" u="none" strike="noStrike" cap="none" normalizeH="0" baseline="0" dirty="0" err="1">
+                <a:ln>
+                  <a:noFill/>
+                </a:ln>
+                <a:solidFill>
+                  <a:srgbClr val="000000"/>
+                </a:solidFill>
+                <a:effectLst/>
+                <a:latin typeface="Consolas" panose="020B0609020204030204" pitchFamily="49" charset="0"/>
+              </a:rPr>
+              <a:t>.println</a:t>
+            </a:r>
+            <a:r>
+              <a:rPr kumimoji="0" lang="en-US" altLang="en-US" b="0" i="0" u="none" strike="noStrike" cap="none" normalizeH="0" baseline="0" dirty="0">
+                <a:ln>
+                  <a:noFill/>
+                </a:ln>
+                <a:solidFill>
+                  <a:srgbClr val="000000"/>
+                </a:solidFill>
+                <a:effectLst/>
+                <a:latin typeface="Consolas" panose="020B0609020204030204" pitchFamily="49" charset="0"/>
+              </a:rPr>
+              <a:t>(</a:t>
+            </a:r>
+            <a:r>
+              <a:rPr kumimoji="0" lang="en-US" altLang="en-US" b="1" i="0" u="none" strike="noStrike" cap="none" normalizeH="0" baseline="0" dirty="0">
+                <a:ln>
+                  <a:noFill/>
+                </a:ln>
+                <a:solidFill>
+                  <a:srgbClr val="008000"/>
+                </a:solidFill>
+                <a:effectLst/>
+                <a:latin typeface="Consolas" panose="020B0609020204030204" pitchFamily="49" charset="0"/>
+              </a:rPr>
+              <a:t>"</a:t>
+            </a:r>
+            <a:r>
+              <a:rPr kumimoji="0" lang="en-US" altLang="en-US" b="1" i="0" u="none" strike="noStrike" cap="none" normalizeH="0" baseline="0" dirty="0" err="1">
+                <a:ln>
+                  <a:noFill/>
+                </a:ln>
+                <a:solidFill>
+                  <a:srgbClr val="008000"/>
+                </a:solidFill>
+                <a:effectLst/>
+                <a:latin typeface="Consolas" panose="020B0609020204030204" pitchFamily="49" charset="0"/>
+              </a:rPr>
+              <a:t>Zzz</a:t>
+            </a:r>
+            <a:r>
+              <a:rPr kumimoji="0" lang="en-US" altLang="en-US" b="1" i="0" u="none" strike="noStrike" cap="none" normalizeH="0" baseline="0" dirty="0">
+                <a:ln>
+                  <a:noFill/>
+                </a:ln>
+                <a:solidFill>
+                  <a:srgbClr val="008000"/>
+                </a:solidFill>
+                <a:effectLst/>
+                <a:latin typeface="Consolas" panose="020B0609020204030204" pitchFamily="49" charset="0"/>
+              </a:rPr>
+              <a:t>"</a:t>
+            </a:r>
+            <a:r>
+              <a:rPr kumimoji="0" lang="en-US" altLang="en-US" b="0" i="0" u="none" strike="noStrike" cap="none" normalizeH="0" baseline="0" dirty="0">
+                <a:ln>
+                  <a:noFill/>
+                </a:ln>
+                <a:solidFill>
+                  <a:srgbClr val="000000"/>
+                </a:solidFill>
+                <a:effectLst/>
+                <a:latin typeface="Consolas" panose="020B0609020204030204" pitchFamily="49" charset="0"/>
+              </a:rPr>
+              <a:t>);</a:t>
+            </a:r>
+            <a:br>
+              <a:rPr kumimoji="0" lang="en-US" altLang="en-US" b="0" i="0" u="none" strike="noStrike" cap="none" normalizeH="0" baseline="0" dirty="0">
+                <a:ln>
+                  <a:noFill/>
+                </a:ln>
+                <a:solidFill>
+                  <a:srgbClr val="000000"/>
+                </a:solidFill>
+                <a:effectLst/>
+                <a:latin typeface="Consolas" panose="020B0609020204030204" pitchFamily="49" charset="0"/>
+              </a:rPr>
+            </a:br>
+            <a:r>
+              <a:rPr kumimoji="0" lang="en-US" altLang="en-US" b="0" i="0" u="none" strike="noStrike" cap="none" normalizeH="0" baseline="0" dirty="0">
+                <a:ln>
+                  <a:noFill/>
+                </a:ln>
+                <a:solidFill>
+                  <a:srgbClr val="000000"/>
+                </a:solidFill>
+                <a:effectLst/>
+                <a:latin typeface="Consolas" panose="020B0609020204030204" pitchFamily="49" charset="0"/>
+              </a:rPr>
+              <a:t>    }</a:t>
+            </a:r>
+            <a:br>
+              <a:rPr kumimoji="0" lang="en-US" altLang="en-US" b="0" i="0" u="none" strike="noStrike" cap="none" normalizeH="0" baseline="0" dirty="0">
+                <a:ln>
+                  <a:noFill/>
+                </a:ln>
+                <a:solidFill>
+                  <a:srgbClr val="000000"/>
+                </a:solidFill>
+                <a:effectLst/>
+                <a:latin typeface="Consolas" panose="020B0609020204030204" pitchFamily="49" charset="0"/>
+              </a:rPr>
+            </a:br>
+            <a:r>
+              <a:rPr kumimoji="0" lang="en-US" altLang="en-US" b="0" i="0" u="none" strike="noStrike" cap="none" normalizeH="0" baseline="0" dirty="0">
+                <a:ln>
+                  <a:noFill/>
+                </a:ln>
+                <a:solidFill>
+                  <a:srgbClr val="000000"/>
+                </a:solidFill>
+                <a:effectLst/>
+                <a:latin typeface="Consolas" panose="020B0609020204030204" pitchFamily="49" charset="0"/>
+              </a:rPr>
+              <a:t>}</a:t>
+            </a:r>
+            <a:endParaRPr kumimoji="0" lang="en-US" altLang="en-US" b="0" i="0" u="none" strike="noStrike" cap="none" normalizeH="0" baseline="0" dirty="0">
+              <a:ln>
+                <a:noFill/>
+              </a:ln>
+              <a:solidFill>
+                <a:schemeClr val="tx1"/>
+              </a:solidFill>
+              <a:effectLst/>
+              <a:latin typeface="Arial" panose="020B0604020202020204" pitchFamily="34" charset="0"/>
+            </a:endParaRPr>
+          </a:p>
+        </p:txBody>
+      </p:sp>
+      <p:sp>
+        <p:nvSpPr>
+          <p:cNvPr id="6" name="Rectangle 2">
+            <a:extLst>
+              <a:ext uri="{FF2B5EF4-FFF2-40B4-BE49-F238E27FC236}">
+                <a16:creationId xmlns:a16="http://schemas.microsoft.com/office/drawing/2014/main" id="{70BD128F-AF7B-48AF-BF2E-A7D40E34281D}"/>
+              </a:ext>
+            </a:extLst>
+          </p:cNvPr>
+          <p:cNvSpPr>
+            <a:spLocks noChangeArrowheads="1"/>
+          </p:cNvSpPr>
+          <p:nvPr/>
+        </p:nvSpPr>
+        <p:spPr bwMode="auto">
+          <a:xfrm>
+            <a:off x="1091953" y="5840157"/>
+            <a:ext cx="8795998" cy="646331"/>
+          </a:xfrm>
+          <a:prstGeom prst="rect">
+            <a:avLst/>
+          </a:prstGeom>
+          <a:solidFill>
+            <a:srgbClr val="FFFFFF"/>
+          </a:solidFill>
+          <a:ln>
+            <a:noFill/>
+          </a:ln>
+          <a:effectLst/>
+          <a:extLst>
+            <a:ext uri="{91240B29-F687-4F45-9708-019B960494DF}">
+              <a14:hiddenLine xmlns:a14="http://schemas.microsoft.com/office/drawing/2010/main" w="9525">
+                <a:solidFill>
+                  <a:schemeClr val="tx1"/>
+                </a:solidFill>
+                <a:miter lim="800000"/>
+                <a:headEnd/>
+                <a:tailEnd/>
+              </a14:hiddenLine>
+            </a:ext>
+            <a:ext uri="{AF507438-7753-43E0-B8FC-AC1667EBCBE1}">
+              <a14:hiddenEffects xmlns:a14="http://schemas.microsoft.com/office/drawing/2010/main">
+                <a:effectLst>
+                  <a:outerShdw dist="35921" dir="2700000" algn="ctr" rotWithShape="0">
+                    <a:schemeClr val="bg2"/>
+                  </a:outerShdw>
+                </a:effectLst>
+              </a14:hiddenEffects>
+            </a:ext>
+          </a:extLst>
+        </p:spPr>
+        <p:txBody>
+          <a:bodyPr vert="horz" wrap="none" lIns="91440" tIns="45720" rIns="91440" bIns="45720" numCol="1" anchor="ctr" anchorCtr="0" compatLnSpc="1">
+            <a:prstTxWarp prst="textNoShape">
+              <a:avLst/>
+            </a:prstTxWarp>
+            <a:spAutoFit/>
+          </a:bodyPr>
+          <a:lstStyle/>
+          <a:p>
+            <a:pPr marL="0" marR="0" lvl="0" indent="0" algn="l" defTabSz="914400" rtl="0" eaLnBrk="0" fontAlgn="base" latinLnBrk="0" hangingPunct="0">
+              <a:lnSpc>
+                <a:spcPct val="100000"/>
+              </a:lnSpc>
+              <a:spcBef>
+                <a:spcPct val="0"/>
+              </a:spcBef>
+              <a:spcAft>
+                <a:spcPct val="0"/>
+              </a:spcAft>
+              <a:buClrTx/>
+              <a:buSzTx/>
+              <a:buFontTx/>
+              <a:buNone/>
+              <a:tabLst/>
+            </a:pPr>
+            <a:r>
+              <a:rPr kumimoji="0" lang="en-US" altLang="en-US" b="0" i="0" u="none" strike="noStrike" cap="none" normalizeH="0" baseline="0" dirty="0">
+                <a:ln>
+                  <a:noFill/>
+                </a:ln>
+                <a:solidFill>
+                  <a:srgbClr val="000000"/>
+                </a:solidFill>
+                <a:effectLst/>
+                <a:latin typeface="Consolas" panose="020B0609020204030204" pitchFamily="49" charset="0"/>
+              </a:rPr>
+              <a:t>Animal </a:t>
+            </a:r>
+            <a:r>
+              <a:rPr kumimoji="0" lang="en-US" altLang="en-US" b="1" i="0" u="none" strike="noStrike" cap="none" normalizeH="0" baseline="0" dirty="0" err="1">
+                <a:ln>
+                  <a:noFill/>
+                </a:ln>
+                <a:solidFill>
+                  <a:srgbClr val="660E7A"/>
+                </a:solidFill>
+                <a:effectLst/>
+                <a:latin typeface="Consolas" panose="020B0609020204030204" pitchFamily="49" charset="0"/>
+              </a:rPr>
+              <a:t>myObj</a:t>
+            </a:r>
+            <a:r>
+              <a:rPr kumimoji="0" lang="en-US" altLang="en-US" b="1" i="0" u="none" strike="noStrike" cap="none" normalizeH="0" baseline="0" dirty="0">
+                <a:ln>
+                  <a:noFill/>
+                </a:ln>
+                <a:solidFill>
+                  <a:srgbClr val="660E7A"/>
+                </a:solidFill>
+                <a:effectLst/>
+                <a:latin typeface="Consolas" panose="020B0609020204030204" pitchFamily="49" charset="0"/>
+              </a:rPr>
+              <a:t> </a:t>
+            </a:r>
+            <a:r>
+              <a:rPr kumimoji="0" lang="en-US" altLang="en-US" b="0" i="0" u="none" strike="noStrike" cap="none" normalizeH="0" baseline="0" dirty="0">
+                <a:ln>
+                  <a:noFill/>
+                </a:ln>
+                <a:solidFill>
+                  <a:srgbClr val="000000"/>
+                </a:solidFill>
+                <a:effectLst/>
+                <a:latin typeface="Consolas" panose="020B0609020204030204" pitchFamily="49" charset="0"/>
+              </a:rPr>
+              <a:t>= </a:t>
+            </a:r>
+            <a:r>
+              <a:rPr kumimoji="0" lang="en-US" altLang="en-US" b="1" i="0" u="none" strike="noStrike" cap="none" normalizeH="0" baseline="0" dirty="0">
+                <a:ln>
+                  <a:noFill/>
+                </a:ln>
+                <a:solidFill>
+                  <a:srgbClr val="000080"/>
+                </a:solidFill>
+                <a:effectLst/>
+                <a:latin typeface="Consolas" panose="020B0609020204030204" pitchFamily="49" charset="0"/>
+              </a:rPr>
+              <a:t>new </a:t>
+            </a:r>
+            <a:r>
+              <a:rPr kumimoji="0" lang="en-US" altLang="en-US" b="0" i="0" u="none" strike="noStrike" cap="none" normalizeH="0" baseline="0" dirty="0">
+                <a:ln>
+                  <a:noFill/>
+                </a:ln>
+                <a:solidFill>
+                  <a:srgbClr val="000000"/>
+                </a:solidFill>
+                <a:effectLst/>
+                <a:latin typeface="Consolas" panose="020B0609020204030204" pitchFamily="49" charset="0"/>
+              </a:rPr>
+              <a:t>Animal(); </a:t>
+            </a:r>
+            <a:r>
+              <a:rPr kumimoji="0" lang="en-US" altLang="en-US" b="0" i="1" u="none" strike="noStrike" cap="none" normalizeH="0" baseline="0" dirty="0">
+                <a:ln>
+                  <a:noFill/>
+                </a:ln>
+                <a:solidFill>
+                  <a:srgbClr val="808080"/>
+                </a:solidFill>
+                <a:effectLst/>
+                <a:latin typeface="Consolas" panose="020B0609020204030204" pitchFamily="49" charset="0"/>
+              </a:rPr>
+              <a:t>// </a:t>
+            </a:r>
+            <a:r>
+              <a:rPr kumimoji="0" lang="en-US" altLang="en-US" b="0" i="1" u="none" strike="noStrike" cap="none" normalizeH="0" baseline="0" dirty="0" err="1">
+                <a:ln>
+                  <a:noFill/>
+                </a:ln>
+                <a:solidFill>
+                  <a:srgbClr val="808080"/>
+                </a:solidFill>
+                <a:effectLst/>
+                <a:latin typeface="Consolas" panose="020B0609020204030204" pitchFamily="49" charset="0"/>
+              </a:rPr>
+              <a:t>lỗi</a:t>
+            </a:r>
+            <a:r>
+              <a:rPr kumimoji="0" lang="en-US" altLang="en-US" b="0" i="1" u="none" strike="noStrike" cap="none" normalizeH="0" baseline="0" dirty="0">
+                <a:ln>
+                  <a:noFill/>
+                </a:ln>
+                <a:solidFill>
+                  <a:srgbClr val="808080"/>
+                </a:solidFill>
+                <a:effectLst/>
+                <a:latin typeface="Consolas" panose="020B0609020204030204" pitchFamily="49" charset="0"/>
+              </a:rPr>
+              <a:t>, </a:t>
+            </a:r>
+            <a:r>
+              <a:rPr kumimoji="0" lang="en-US" altLang="en-US" b="0" i="1" u="none" strike="noStrike" cap="none" normalizeH="0" baseline="0" dirty="0" err="1">
+                <a:ln>
+                  <a:noFill/>
+                </a:ln>
+                <a:solidFill>
+                  <a:srgbClr val="808080"/>
+                </a:solidFill>
+                <a:effectLst/>
+                <a:latin typeface="Consolas" panose="020B0609020204030204" pitchFamily="49" charset="0"/>
+              </a:rPr>
+              <a:t>vì</a:t>
+            </a:r>
+            <a:r>
+              <a:rPr kumimoji="0" lang="en-US" altLang="en-US" b="0" i="1" u="none" strike="noStrike" cap="none" normalizeH="0" baseline="0" dirty="0">
+                <a:ln>
+                  <a:noFill/>
+                </a:ln>
+                <a:solidFill>
+                  <a:srgbClr val="808080"/>
+                </a:solidFill>
+                <a:effectLst/>
+                <a:latin typeface="Consolas" panose="020B0609020204030204" pitchFamily="49" charset="0"/>
+              </a:rPr>
+              <a:t> </a:t>
+            </a:r>
+            <a:r>
+              <a:rPr kumimoji="0" lang="en-US" altLang="en-US" b="0" i="1" u="none" strike="noStrike" cap="none" normalizeH="0" baseline="0" dirty="0" err="1">
+                <a:ln>
+                  <a:noFill/>
+                </a:ln>
+                <a:solidFill>
+                  <a:srgbClr val="808080"/>
+                </a:solidFill>
+                <a:effectLst/>
+                <a:latin typeface="Consolas" panose="020B0609020204030204" pitchFamily="49" charset="0"/>
+              </a:rPr>
+              <a:t>không</a:t>
+            </a:r>
+            <a:r>
+              <a:rPr kumimoji="0" lang="en-US" altLang="en-US" b="0" i="1" u="none" strike="noStrike" cap="none" normalizeH="0" baseline="0" dirty="0">
+                <a:ln>
+                  <a:noFill/>
+                </a:ln>
+                <a:solidFill>
+                  <a:srgbClr val="808080"/>
+                </a:solidFill>
+                <a:effectLst/>
+                <a:latin typeface="Consolas" panose="020B0609020204030204" pitchFamily="49" charset="0"/>
+              </a:rPr>
+              <a:t> </a:t>
+            </a:r>
+            <a:r>
+              <a:rPr kumimoji="0" lang="en-US" altLang="en-US" b="0" i="1" u="none" strike="noStrike" cap="none" normalizeH="0" baseline="0" dirty="0" err="1">
+                <a:ln>
+                  <a:noFill/>
+                </a:ln>
+                <a:solidFill>
+                  <a:srgbClr val="808080"/>
+                </a:solidFill>
+                <a:effectLst/>
+                <a:latin typeface="Consolas" panose="020B0609020204030204" pitchFamily="49" charset="0"/>
+              </a:rPr>
+              <a:t>thể</a:t>
+            </a:r>
+            <a:r>
+              <a:rPr kumimoji="0" lang="en-US" altLang="en-US" b="0" i="1" u="none" strike="noStrike" cap="none" normalizeH="0" baseline="0" dirty="0">
+                <a:ln>
+                  <a:noFill/>
+                </a:ln>
+                <a:solidFill>
+                  <a:srgbClr val="808080"/>
+                </a:solidFill>
+                <a:effectLst/>
+                <a:latin typeface="Consolas" panose="020B0609020204030204" pitchFamily="49" charset="0"/>
+              </a:rPr>
+              <a:t> </a:t>
+            </a:r>
+            <a:r>
+              <a:rPr kumimoji="0" lang="en-US" altLang="en-US" b="0" i="1" u="none" strike="noStrike" cap="none" normalizeH="0" baseline="0" dirty="0" err="1">
+                <a:ln>
+                  <a:noFill/>
+                </a:ln>
+                <a:solidFill>
+                  <a:srgbClr val="808080"/>
+                </a:solidFill>
+                <a:effectLst/>
+                <a:latin typeface="Consolas" panose="020B0609020204030204" pitchFamily="49" charset="0"/>
+              </a:rPr>
+              <a:t>tạo</a:t>
+            </a:r>
+            <a:r>
+              <a:rPr kumimoji="0" lang="en-US" altLang="en-US" b="0" i="1" u="none" strike="noStrike" cap="none" normalizeH="0" baseline="0" dirty="0">
+                <a:ln>
+                  <a:noFill/>
+                </a:ln>
+                <a:solidFill>
+                  <a:srgbClr val="808080"/>
+                </a:solidFill>
+                <a:effectLst/>
+                <a:latin typeface="Consolas" panose="020B0609020204030204" pitchFamily="49" charset="0"/>
+              </a:rPr>
+              <a:t> đ</a:t>
+            </a:r>
+            <a:r>
+              <a:rPr kumimoji="0" lang="vi-VN" altLang="en-US" b="0" i="1" u="none" strike="noStrike" cap="none" normalizeH="0" baseline="0" dirty="0">
+                <a:ln>
+                  <a:noFill/>
+                </a:ln>
+                <a:solidFill>
+                  <a:srgbClr val="808080"/>
+                </a:solidFill>
+                <a:effectLst/>
+                <a:latin typeface="Consolas" panose="020B0609020204030204" pitchFamily="49" charset="0"/>
+              </a:rPr>
+              <a:t>ư</a:t>
+            </a:r>
+            <a:r>
+              <a:rPr lang="en-US" altLang="en-US" i="1" dirty="0" err="1">
+                <a:solidFill>
+                  <a:srgbClr val="808080"/>
+                </a:solidFill>
+                <a:latin typeface="Consolas" panose="020B0609020204030204" pitchFamily="49" charset="0"/>
+              </a:rPr>
+              <a:t>ợc</a:t>
+            </a:r>
+            <a:r>
+              <a:rPr lang="en-US" altLang="en-US" i="1" dirty="0">
+                <a:solidFill>
+                  <a:srgbClr val="808080"/>
+                </a:solidFill>
+                <a:latin typeface="Consolas" panose="020B0609020204030204" pitchFamily="49" charset="0"/>
+              </a:rPr>
+              <a:t> </a:t>
+            </a:r>
+            <a:r>
+              <a:rPr lang="en-US" altLang="en-US" i="1" dirty="0" err="1">
+                <a:solidFill>
+                  <a:srgbClr val="808080"/>
+                </a:solidFill>
+                <a:latin typeface="Consolas" panose="020B0609020204030204" pitchFamily="49" charset="0"/>
+              </a:rPr>
+              <a:t>đổi</a:t>
+            </a:r>
+            <a:r>
+              <a:rPr lang="en-US" altLang="en-US" i="1" dirty="0">
+                <a:solidFill>
+                  <a:srgbClr val="808080"/>
+                </a:solidFill>
+                <a:latin typeface="Consolas" panose="020B0609020204030204" pitchFamily="49" charset="0"/>
+              </a:rPr>
+              <a:t> t</a:t>
+            </a:r>
+            <a:r>
+              <a:rPr lang="vi-VN" altLang="en-US" i="1" dirty="0">
+                <a:solidFill>
+                  <a:srgbClr val="808080"/>
+                </a:solidFill>
+                <a:latin typeface="Consolas" panose="020B0609020204030204" pitchFamily="49" charset="0"/>
+              </a:rPr>
+              <a:t>ư</a:t>
+            </a:r>
+            <a:r>
+              <a:rPr lang="en-US" altLang="en-US" i="1" dirty="0" err="1">
+                <a:solidFill>
+                  <a:srgbClr val="808080"/>
+                </a:solidFill>
+                <a:latin typeface="Consolas" panose="020B0609020204030204" pitchFamily="49" charset="0"/>
+              </a:rPr>
+              <a:t>ợng</a:t>
+            </a:r>
+            <a:endParaRPr lang="en-US" altLang="en-US" i="1" dirty="0">
+              <a:solidFill>
+                <a:srgbClr val="808080"/>
+              </a:solidFill>
+              <a:latin typeface="Consolas" panose="020B0609020204030204" pitchFamily="49" charset="0"/>
+            </a:endParaRPr>
+          </a:p>
+          <a:p>
+            <a:pPr marL="0" marR="0" lvl="0" indent="0" algn="l" defTabSz="914400" rtl="0" eaLnBrk="0" fontAlgn="base" latinLnBrk="0" hangingPunct="0">
+              <a:lnSpc>
+                <a:spcPct val="100000"/>
+              </a:lnSpc>
+              <a:spcBef>
+                <a:spcPct val="0"/>
+              </a:spcBef>
+              <a:spcAft>
+                <a:spcPct val="0"/>
+              </a:spcAft>
+              <a:buClrTx/>
+              <a:buSzTx/>
+              <a:buFontTx/>
+              <a:buNone/>
+              <a:tabLst/>
+            </a:pPr>
+            <a:r>
+              <a:rPr lang="en-US" altLang="en-US" i="1" dirty="0" err="1">
+                <a:solidFill>
+                  <a:srgbClr val="808080"/>
+                </a:solidFill>
+                <a:latin typeface="Consolas" panose="020B0609020204030204" pitchFamily="49" charset="0"/>
+              </a:rPr>
+              <a:t>của</a:t>
+            </a:r>
+            <a:r>
+              <a:rPr lang="en-US" altLang="en-US" i="1" dirty="0">
+                <a:solidFill>
+                  <a:srgbClr val="808080"/>
+                </a:solidFill>
+                <a:latin typeface="Consolas" panose="020B0609020204030204" pitchFamily="49" charset="0"/>
+              </a:rPr>
+              <a:t> abstract class</a:t>
+            </a:r>
+            <a:endParaRPr kumimoji="0" lang="en-US" altLang="en-US" b="0" i="0" u="none" strike="noStrike" cap="none" normalizeH="0" baseline="0" dirty="0">
+              <a:ln>
+                <a:noFill/>
+              </a:ln>
+              <a:solidFill>
+                <a:schemeClr val="tx1"/>
+              </a:solidFill>
+              <a:effectLst/>
+              <a:latin typeface="Arial" panose="020B0604020202020204" pitchFamily="34" charset="0"/>
+            </a:endParaRPr>
+          </a:p>
+        </p:txBody>
+      </p:sp>
+    </p:spTree>
+    <p:extLst>
+      <p:ext uri="{BB962C8B-B14F-4D97-AF65-F5344CB8AC3E}">
+        <p14:creationId xmlns:p14="http://schemas.microsoft.com/office/powerpoint/2010/main" val="2401770843"/>
+      </p:ext>
+    </p:extLst>
+  </p:cSld>
+  <p:clrMapOvr>
+    <a:masterClrMapping/>
+  </p:clrMapOvr>
+</p:sld>
+</file>
+
+<file path=ppt/slides/slide31.xml><?xml version="1.0" encoding="utf-8"?>
+<p:sld xmlns:a="http://schemas.openxmlformats.org/drawingml/2006/main" xmlns:r="http://schemas.openxmlformats.org/officeDocument/2006/relationships" xmlns:p="http://schemas.openxmlformats.org/presentationml/2006/main">
+  <p:cSld>
+    <p:spTree>
+      <p:nvGrpSpPr>
+        <p:cNvPr id="1" name=""/>
+        <p:cNvGrpSpPr/>
+        <p:nvPr/>
+      </p:nvGrpSpPr>
+      <p:grpSpPr>
+        <a:xfrm>
+          <a:off x="0" y="0"/>
+          <a:ext cx="0" cy="0"/>
+          <a:chOff x="0" y="0"/>
+          <a:chExt cx="0" cy="0"/>
+        </a:xfrm>
+      </p:grpSpPr>
+      <p:sp>
+        <p:nvSpPr>
+          <p:cNvPr id="2" name="Title 1">
+            <a:extLst>
+              <a:ext uri="{FF2B5EF4-FFF2-40B4-BE49-F238E27FC236}">
+                <a16:creationId xmlns:a16="http://schemas.microsoft.com/office/drawing/2014/main" id="{9612958F-B082-4745-84BD-9476A6BBC557}"/>
+              </a:ext>
+            </a:extLst>
+          </p:cNvPr>
+          <p:cNvSpPr>
+            <a:spLocks noGrp="1"/>
+          </p:cNvSpPr>
+          <p:nvPr>
+            <p:ph type="title"/>
+          </p:nvPr>
+        </p:nvSpPr>
+        <p:spPr/>
+        <p:txBody>
+          <a:bodyPr/>
+          <a:lstStyle/>
+          <a:p>
+            <a:r>
+              <a:rPr lang="en-US" dirty="0">
+                <a:solidFill>
+                  <a:srgbClr val="0070C0"/>
+                </a:solidFill>
+                <a:latin typeface="Times New Roman" panose="02020603050405020304" pitchFamily="18" charset="0"/>
+                <a:cs typeface="Times New Roman" panose="02020603050405020304" pitchFamily="18" charset="0"/>
+              </a:rPr>
+              <a:t>Java Abstraction</a:t>
+            </a:r>
+          </a:p>
+        </p:txBody>
+      </p:sp>
+      <p:sp>
+        <p:nvSpPr>
+          <p:cNvPr id="4" name="Rectangle 1">
+            <a:extLst>
+              <a:ext uri="{FF2B5EF4-FFF2-40B4-BE49-F238E27FC236}">
+                <a16:creationId xmlns:a16="http://schemas.microsoft.com/office/drawing/2014/main" id="{DAE4465F-834E-40D3-9915-338182456FCB}"/>
+              </a:ext>
+            </a:extLst>
+          </p:cNvPr>
+          <p:cNvSpPr>
+            <a:spLocks noChangeArrowheads="1"/>
+          </p:cNvSpPr>
+          <p:nvPr/>
+        </p:nvSpPr>
+        <p:spPr bwMode="auto">
+          <a:xfrm>
+            <a:off x="838200" y="1662151"/>
+            <a:ext cx="6131807" cy="4031873"/>
+          </a:xfrm>
+          <a:prstGeom prst="rect">
+            <a:avLst/>
+          </a:prstGeom>
+          <a:solidFill>
+            <a:srgbClr val="FFFFFF"/>
+          </a:solidFill>
+          <a:ln>
+            <a:noFill/>
+          </a:ln>
+          <a:effectLst/>
+          <a:extLst>
+            <a:ext uri="{91240B29-F687-4F45-9708-019B960494DF}">
+              <a14:hiddenLine xmlns:a14="http://schemas.microsoft.com/office/drawing/2010/main" w="9525">
+                <a:solidFill>
+                  <a:schemeClr val="tx1"/>
+                </a:solidFill>
+                <a:miter lim="800000"/>
+                <a:headEnd/>
+                <a:tailEnd/>
+              </a14:hiddenLine>
+            </a:ext>
+            <a:ext uri="{AF507438-7753-43E0-B8FC-AC1667EBCBE1}">
+              <a14:hiddenEffects xmlns:a14="http://schemas.microsoft.com/office/drawing/2010/main">
+                <a:effectLst>
+                  <a:outerShdw dist="35921" dir="2700000" algn="ctr" rotWithShape="0">
+                    <a:schemeClr val="bg2"/>
+                  </a:outerShdw>
+                </a:effectLst>
+              </a14:hiddenEffects>
+            </a:ext>
+          </a:extLst>
+        </p:spPr>
+        <p:txBody>
+          <a:bodyPr vert="horz" wrap="none" lIns="91440" tIns="45720" rIns="91440" bIns="45720" numCol="1" anchor="ctr" anchorCtr="0" compatLnSpc="1">
+            <a:prstTxWarp prst="textNoShape">
+              <a:avLst/>
+            </a:prstTxWarp>
+            <a:spAutoFit/>
+          </a:bodyPr>
+          <a:lstStyle/>
+          <a:p>
+            <a:pPr marL="0" marR="0" lvl="0" indent="0" algn="l" defTabSz="914400" rtl="0" eaLnBrk="0" fontAlgn="base" latinLnBrk="0" hangingPunct="0">
+              <a:lnSpc>
+                <a:spcPct val="100000"/>
+              </a:lnSpc>
+              <a:spcBef>
+                <a:spcPct val="0"/>
+              </a:spcBef>
+              <a:spcAft>
+                <a:spcPct val="0"/>
+              </a:spcAft>
+              <a:buClrTx/>
+              <a:buSzTx/>
+              <a:buFontTx/>
+              <a:buNone/>
+              <a:tabLst/>
+            </a:pPr>
+            <a:r>
+              <a:rPr kumimoji="0" lang="en-US" altLang="en-US" sz="1600" b="1" i="0" u="none" strike="noStrike" cap="none" normalizeH="0" baseline="0" dirty="0">
+                <a:ln>
+                  <a:noFill/>
+                </a:ln>
+                <a:solidFill>
+                  <a:srgbClr val="000080"/>
+                </a:solidFill>
+                <a:effectLst/>
+                <a:latin typeface="Consolas" panose="020B0609020204030204" pitchFamily="49" charset="0"/>
+              </a:rPr>
+              <a:t>abstract class </a:t>
+            </a:r>
+            <a:r>
+              <a:rPr kumimoji="0" lang="en-US" altLang="en-US" sz="1600" b="0" i="0" u="none" strike="noStrike" cap="none" normalizeH="0" baseline="0" dirty="0">
+                <a:ln>
+                  <a:noFill/>
+                </a:ln>
+                <a:solidFill>
+                  <a:srgbClr val="000000"/>
+                </a:solidFill>
+                <a:effectLst/>
+                <a:latin typeface="Consolas" panose="020B0609020204030204" pitchFamily="49" charset="0"/>
+              </a:rPr>
+              <a:t>Animal {</a:t>
+            </a:r>
+            <a:br>
+              <a:rPr kumimoji="0" lang="en-US" altLang="en-US" sz="1600" b="0" i="0" u="none" strike="noStrike" cap="none" normalizeH="0" baseline="0" dirty="0">
+                <a:ln>
+                  <a:noFill/>
+                </a:ln>
+                <a:solidFill>
+                  <a:srgbClr val="000000"/>
+                </a:solidFill>
+                <a:effectLst/>
+                <a:latin typeface="Consolas" panose="020B0609020204030204" pitchFamily="49" charset="0"/>
+              </a:rPr>
+            </a:br>
+            <a:r>
+              <a:rPr kumimoji="0" lang="en-US" altLang="en-US" sz="1600" b="0" i="0" u="none" strike="noStrike" cap="none" normalizeH="0" baseline="0" dirty="0">
+                <a:ln>
+                  <a:noFill/>
+                </a:ln>
+                <a:solidFill>
+                  <a:srgbClr val="000000"/>
+                </a:solidFill>
+                <a:effectLst/>
+                <a:latin typeface="Consolas" panose="020B0609020204030204" pitchFamily="49" charset="0"/>
+              </a:rPr>
+              <a:t>    </a:t>
+            </a:r>
+            <a:r>
+              <a:rPr kumimoji="0" lang="en-US" altLang="en-US" sz="1600" b="0" i="1" u="none" strike="noStrike" cap="none" normalizeH="0" baseline="0" dirty="0">
+                <a:ln>
+                  <a:noFill/>
+                </a:ln>
+                <a:solidFill>
+                  <a:srgbClr val="808080"/>
+                </a:solidFill>
+                <a:effectLst/>
+                <a:latin typeface="Consolas" panose="020B0609020204030204" pitchFamily="49" charset="0"/>
+              </a:rPr>
+              <a:t>// Abstract method (does not have a body)</a:t>
+            </a:r>
+            <a:br>
+              <a:rPr kumimoji="0" lang="en-US" altLang="en-US" sz="1600" b="0" i="1" u="none" strike="noStrike" cap="none" normalizeH="0" baseline="0" dirty="0">
+                <a:ln>
+                  <a:noFill/>
+                </a:ln>
+                <a:solidFill>
+                  <a:srgbClr val="808080"/>
+                </a:solidFill>
+                <a:effectLst/>
+                <a:latin typeface="Consolas" panose="020B0609020204030204" pitchFamily="49" charset="0"/>
+              </a:rPr>
+            </a:br>
+            <a:r>
+              <a:rPr kumimoji="0" lang="en-US" altLang="en-US" sz="1600" b="0" i="1" u="none" strike="noStrike" cap="none" normalizeH="0" baseline="0" dirty="0">
+                <a:ln>
+                  <a:noFill/>
+                </a:ln>
+                <a:solidFill>
+                  <a:srgbClr val="808080"/>
+                </a:solidFill>
+                <a:effectLst/>
+                <a:latin typeface="Consolas" panose="020B0609020204030204" pitchFamily="49" charset="0"/>
+              </a:rPr>
+              <a:t>    </a:t>
+            </a:r>
+            <a:r>
+              <a:rPr kumimoji="0" lang="en-US" altLang="en-US" sz="1600" b="1" i="0" u="none" strike="noStrike" cap="none" normalizeH="0" baseline="0" dirty="0">
+                <a:ln>
+                  <a:noFill/>
+                </a:ln>
+                <a:solidFill>
+                  <a:srgbClr val="000080"/>
+                </a:solidFill>
+                <a:effectLst/>
+                <a:latin typeface="Consolas" panose="020B0609020204030204" pitchFamily="49" charset="0"/>
+              </a:rPr>
+              <a:t>public abstract void </a:t>
+            </a:r>
+            <a:r>
+              <a:rPr kumimoji="0" lang="en-US" altLang="en-US" sz="1600" b="0" i="0" u="none" strike="noStrike" cap="none" normalizeH="0" baseline="0" dirty="0" err="1">
+                <a:ln>
+                  <a:noFill/>
+                </a:ln>
+                <a:solidFill>
+                  <a:srgbClr val="000000"/>
+                </a:solidFill>
+                <a:effectLst/>
+                <a:latin typeface="Consolas" panose="020B0609020204030204" pitchFamily="49" charset="0"/>
+              </a:rPr>
+              <a:t>animalSound</a:t>
+            </a:r>
+            <a:r>
+              <a:rPr kumimoji="0" lang="en-US" altLang="en-US" sz="1600" b="0" i="0" u="none" strike="noStrike" cap="none" normalizeH="0" baseline="0" dirty="0">
+                <a:ln>
+                  <a:noFill/>
+                </a:ln>
+                <a:solidFill>
+                  <a:srgbClr val="000000"/>
+                </a:solidFill>
+                <a:effectLst/>
+                <a:latin typeface="Consolas" panose="020B0609020204030204" pitchFamily="49" charset="0"/>
+              </a:rPr>
+              <a:t>();</a:t>
+            </a:r>
+            <a:br>
+              <a:rPr kumimoji="0" lang="en-US" altLang="en-US" sz="1600" b="0" i="0" u="none" strike="noStrike" cap="none" normalizeH="0" baseline="0" dirty="0">
+                <a:ln>
+                  <a:noFill/>
+                </a:ln>
+                <a:solidFill>
+                  <a:srgbClr val="000000"/>
+                </a:solidFill>
+                <a:effectLst/>
+                <a:latin typeface="Consolas" panose="020B0609020204030204" pitchFamily="49" charset="0"/>
+              </a:rPr>
+            </a:br>
+            <a:r>
+              <a:rPr kumimoji="0" lang="en-US" altLang="en-US" sz="1600" b="0" i="0" u="none" strike="noStrike" cap="none" normalizeH="0" baseline="0" dirty="0">
+                <a:ln>
+                  <a:noFill/>
+                </a:ln>
+                <a:solidFill>
+                  <a:srgbClr val="000000"/>
+                </a:solidFill>
+                <a:effectLst/>
+                <a:latin typeface="Consolas" panose="020B0609020204030204" pitchFamily="49" charset="0"/>
+              </a:rPr>
+              <a:t>    </a:t>
+            </a:r>
+            <a:r>
+              <a:rPr kumimoji="0" lang="en-US" altLang="en-US" sz="1600" b="0" i="1" u="none" strike="noStrike" cap="none" normalizeH="0" baseline="0" dirty="0">
+                <a:ln>
+                  <a:noFill/>
+                </a:ln>
+                <a:solidFill>
+                  <a:srgbClr val="808080"/>
+                </a:solidFill>
+                <a:effectLst/>
+                <a:latin typeface="Consolas" panose="020B0609020204030204" pitchFamily="49" charset="0"/>
+              </a:rPr>
+              <a:t>// Regular method</a:t>
+            </a:r>
+            <a:br>
+              <a:rPr kumimoji="0" lang="en-US" altLang="en-US" sz="1600" b="0" i="1" u="none" strike="noStrike" cap="none" normalizeH="0" baseline="0" dirty="0">
+                <a:ln>
+                  <a:noFill/>
+                </a:ln>
+                <a:solidFill>
+                  <a:srgbClr val="808080"/>
+                </a:solidFill>
+                <a:effectLst/>
+                <a:latin typeface="Consolas" panose="020B0609020204030204" pitchFamily="49" charset="0"/>
+              </a:rPr>
+            </a:br>
+            <a:r>
+              <a:rPr kumimoji="0" lang="en-US" altLang="en-US" sz="1600" b="0" i="1" u="none" strike="noStrike" cap="none" normalizeH="0" baseline="0" dirty="0">
+                <a:ln>
+                  <a:noFill/>
+                </a:ln>
+                <a:solidFill>
+                  <a:srgbClr val="808080"/>
+                </a:solidFill>
+                <a:effectLst/>
+                <a:latin typeface="Consolas" panose="020B0609020204030204" pitchFamily="49" charset="0"/>
+              </a:rPr>
+              <a:t>    </a:t>
+            </a:r>
+            <a:r>
+              <a:rPr kumimoji="0" lang="en-US" altLang="en-US" sz="1600" b="1" i="0" u="none" strike="noStrike" cap="none" normalizeH="0" baseline="0" dirty="0">
+                <a:ln>
+                  <a:noFill/>
+                </a:ln>
+                <a:solidFill>
+                  <a:srgbClr val="000080"/>
+                </a:solidFill>
+                <a:effectLst/>
+                <a:latin typeface="Consolas" panose="020B0609020204030204" pitchFamily="49" charset="0"/>
+              </a:rPr>
+              <a:t>public void </a:t>
+            </a:r>
+            <a:r>
+              <a:rPr kumimoji="0" lang="en-US" altLang="en-US" sz="1600" b="0" i="0" u="none" strike="noStrike" cap="none" normalizeH="0" baseline="0" dirty="0">
+                <a:ln>
+                  <a:noFill/>
+                </a:ln>
+                <a:solidFill>
+                  <a:srgbClr val="000000"/>
+                </a:solidFill>
+                <a:effectLst/>
+                <a:latin typeface="Consolas" panose="020B0609020204030204" pitchFamily="49" charset="0"/>
+              </a:rPr>
+              <a:t>sleep() {</a:t>
+            </a:r>
+            <a:br>
+              <a:rPr kumimoji="0" lang="en-US" altLang="en-US" sz="1600" b="0" i="0" u="none" strike="noStrike" cap="none" normalizeH="0" baseline="0" dirty="0">
+                <a:ln>
+                  <a:noFill/>
+                </a:ln>
+                <a:solidFill>
+                  <a:srgbClr val="000000"/>
+                </a:solidFill>
+                <a:effectLst/>
+                <a:latin typeface="Consolas" panose="020B0609020204030204" pitchFamily="49" charset="0"/>
+              </a:rPr>
+            </a:br>
+            <a:r>
+              <a:rPr kumimoji="0" lang="en-US" altLang="en-US" sz="1600" b="0" i="0" u="none" strike="noStrike" cap="none" normalizeH="0" baseline="0" dirty="0">
+                <a:ln>
+                  <a:noFill/>
+                </a:ln>
+                <a:solidFill>
+                  <a:srgbClr val="000000"/>
+                </a:solidFill>
+                <a:effectLst/>
+                <a:latin typeface="Consolas" panose="020B0609020204030204" pitchFamily="49" charset="0"/>
+              </a:rPr>
+              <a:t>        </a:t>
+            </a:r>
+            <a:r>
+              <a:rPr kumimoji="0" lang="en-US" altLang="en-US" sz="1600" b="0" i="0" u="none" strike="noStrike" cap="none" normalizeH="0" baseline="0" dirty="0" err="1">
+                <a:ln>
+                  <a:noFill/>
+                </a:ln>
+                <a:solidFill>
+                  <a:srgbClr val="000000"/>
+                </a:solidFill>
+                <a:effectLst/>
+                <a:latin typeface="Consolas" panose="020B0609020204030204" pitchFamily="49" charset="0"/>
+              </a:rPr>
+              <a:t>System.</a:t>
+            </a:r>
+            <a:r>
+              <a:rPr kumimoji="0" lang="en-US" altLang="en-US" sz="1600" b="1" i="1" u="none" strike="noStrike" cap="none" normalizeH="0" baseline="0" dirty="0" err="1">
+                <a:ln>
+                  <a:noFill/>
+                </a:ln>
+                <a:solidFill>
+                  <a:srgbClr val="660E7A"/>
+                </a:solidFill>
+                <a:effectLst/>
+                <a:latin typeface="Consolas" panose="020B0609020204030204" pitchFamily="49" charset="0"/>
+              </a:rPr>
+              <a:t>out</a:t>
+            </a:r>
+            <a:r>
+              <a:rPr kumimoji="0" lang="en-US" altLang="en-US" sz="1600" b="0" i="0" u="none" strike="noStrike" cap="none" normalizeH="0" baseline="0" dirty="0" err="1">
+                <a:ln>
+                  <a:noFill/>
+                </a:ln>
+                <a:solidFill>
+                  <a:srgbClr val="000000"/>
+                </a:solidFill>
+                <a:effectLst/>
+                <a:latin typeface="Consolas" panose="020B0609020204030204" pitchFamily="49" charset="0"/>
+              </a:rPr>
+              <a:t>.println</a:t>
+            </a:r>
+            <a:r>
+              <a:rPr kumimoji="0" lang="en-US" altLang="en-US" sz="1600" b="0" i="0" u="none" strike="noStrike" cap="none" normalizeH="0" baseline="0" dirty="0">
+                <a:ln>
+                  <a:noFill/>
+                </a:ln>
+                <a:solidFill>
+                  <a:srgbClr val="000000"/>
+                </a:solidFill>
+                <a:effectLst/>
+                <a:latin typeface="Consolas" panose="020B0609020204030204" pitchFamily="49" charset="0"/>
+              </a:rPr>
+              <a:t>(</a:t>
+            </a:r>
+            <a:r>
+              <a:rPr kumimoji="0" lang="en-US" altLang="en-US" sz="1600" b="1" i="0" u="none" strike="noStrike" cap="none" normalizeH="0" baseline="0" dirty="0">
+                <a:ln>
+                  <a:noFill/>
+                </a:ln>
+                <a:solidFill>
+                  <a:srgbClr val="008000"/>
+                </a:solidFill>
+                <a:effectLst/>
+                <a:latin typeface="Consolas" panose="020B0609020204030204" pitchFamily="49" charset="0"/>
+              </a:rPr>
+              <a:t>"</a:t>
+            </a:r>
+            <a:r>
+              <a:rPr kumimoji="0" lang="en-US" altLang="en-US" sz="1600" b="1" i="0" u="none" strike="noStrike" cap="none" normalizeH="0" baseline="0" dirty="0" err="1">
+                <a:ln>
+                  <a:noFill/>
+                </a:ln>
+                <a:solidFill>
+                  <a:srgbClr val="008000"/>
+                </a:solidFill>
+                <a:effectLst/>
+                <a:latin typeface="Consolas" panose="020B0609020204030204" pitchFamily="49" charset="0"/>
+              </a:rPr>
+              <a:t>Zzz</a:t>
+            </a:r>
+            <a:r>
+              <a:rPr kumimoji="0" lang="en-US" altLang="en-US" sz="1600" b="1" i="0" u="none" strike="noStrike" cap="none" normalizeH="0" baseline="0" dirty="0">
+                <a:ln>
+                  <a:noFill/>
+                </a:ln>
+                <a:solidFill>
+                  <a:srgbClr val="008000"/>
+                </a:solidFill>
+                <a:effectLst/>
+                <a:latin typeface="Consolas" panose="020B0609020204030204" pitchFamily="49" charset="0"/>
+              </a:rPr>
+              <a:t>"</a:t>
+            </a:r>
+            <a:r>
+              <a:rPr kumimoji="0" lang="en-US" altLang="en-US" sz="1600" b="0" i="0" u="none" strike="noStrike" cap="none" normalizeH="0" baseline="0" dirty="0">
+                <a:ln>
+                  <a:noFill/>
+                </a:ln>
+                <a:solidFill>
+                  <a:srgbClr val="000000"/>
+                </a:solidFill>
+                <a:effectLst/>
+                <a:latin typeface="Consolas" panose="020B0609020204030204" pitchFamily="49" charset="0"/>
+              </a:rPr>
+              <a:t>);</a:t>
+            </a:r>
+            <a:br>
+              <a:rPr kumimoji="0" lang="en-US" altLang="en-US" sz="1600" b="0" i="0" u="none" strike="noStrike" cap="none" normalizeH="0" baseline="0" dirty="0">
+                <a:ln>
+                  <a:noFill/>
+                </a:ln>
+                <a:solidFill>
+                  <a:srgbClr val="000000"/>
+                </a:solidFill>
+                <a:effectLst/>
+                <a:latin typeface="Consolas" panose="020B0609020204030204" pitchFamily="49" charset="0"/>
+              </a:rPr>
+            </a:br>
+            <a:r>
+              <a:rPr kumimoji="0" lang="en-US" altLang="en-US" sz="1600" b="0" i="0" u="none" strike="noStrike" cap="none" normalizeH="0" baseline="0" dirty="0">
+                <a:ln>
+                  <a:noFill/>
+                </a:ln>
+                <a:solidFill>
+                  <a:srgbClr val="000000"/>
+                </a:solidFill>
+                <a:effectLst/>
+                <a:latin typeface="Consolas" panose="020B0609020204030204" pitchFamily="49" charset="0"/>
+              </a:rPr>
+              <a:t>    }</a:t>
+            </a:r>
+            <a:br>
+              <a:rPr kumimoji="0" lang="en-US" altLang="en-US" sz="1600" b="0" i="0" u="none" strike="noStrike" cap="none" normalizeH="0" baseline="0" dirty="0">
+                <a:ln>
+                  <a:noFill/>
+                </a:ln>
+                <a:solidFill>
+                  <a:srgbClr val="000000"/>
+                </a:solidFill>
+                <a:effectLst/>
+                <a:latin typeface="Consolas" panose="020B0609020204030204" pitchFamily="49" charset="0"/>
+              </a:rPr>
+            </a:br>
+            <a:r>
+              <a:rPr kumimoji="0" lang="en-US" altLang="en-US" sz="1600" b="0" i="0" u="none" strike="noStrike" cap="none" normalizeH="0" baseline="0" dirty="0">
+                <a:ln>
+                  <a:noFill/>
+                </a:ln>
+                <a:solidFill>
+                  <a:srgbClr val="000000"/>
+                </a:solidFill>
+                <a:effectLst/>
+                <a:latin typeface="Consolas" panose="020B0609020204030204" pitchFamily="49" charset="0"/>
+              </a:rPr>
+              <a:t>}</a:t>
+            </a:r>
+            <a:br>
+              <a:rPr kumimoji="0" lang="en-US" altLang="en-US" sz="1600" b="0" i="0" u="none" strike="noStrike" cap="none" normalizeH="0" baseline="0" dirty="0">
+                <a:ln>
+                  <a:noFill/>
+                </a:ln>
+                <a:solidFill>
+                  <a:srgbClr val="000000"/>
+                </a:solidFill>
+                <a:effectLst/>
+                <a:latin typeface="Consolas" panose="020B0609020204030204" pitchFamily="49" charset="0"/>
+              </a:rPr>
+            </a:br>
+            <a:br>
+              <a:rPr kumimoji="0" lang="en-US" altLang="en-US" sz="1600" b="0" i="0" u="none" strike="noStrike" cap="none" normalizeH="0" baseline="0" dirty="0">
+                <a:ln>
+                  <a:noFill/>
+                </a:ln>
+                <a:solidFill>
+                  <a:srgbClr val="000000"/>
+                </a:solidFill>
+                <a:effectLst/>
+                <a:latin typeface="Consolas" panose="020B0609020204030204" pitchFamily="49" charset="0"/>
+              </a:rPr>
+            </a:br>
+            <a:r>
+              <a:rPr kumimoji="0" lang="en-US" altLang="en-US" sz="1600" b="0" i="1" u="none" strike="noStrike" cap="none" normalizeH="0" baseline="0" dirty="0">
+                <a:ln>
+                  <a:noFill/>
+                </a:ln>
+                <a:solidFill>
+                  <a:srgbClr val="808080"/>
+                </a:solidFill>
+                <a:effectLst/>
+                <a:latin typeface="Consolas" panose="020B0609020204030204" pitchFamily="49" charset="0"/>
+              </a:rPr>
+              <a:t>// Subclass (inherit from Animal)</a:t>
+            </a:r>
+            <a:br>
+              <a:rPr kumimoji="0" lang="en-US" altLang="en-US" sz="1600" b="0" i="1" u="none" strike="noStrike" cap="none" normalizeH="0" baseline="0" dirty="0">
+                <a:ln>
+                  <a:noFill/>
+                </a:ln>
+                <a:solidFill>
+                  <a:srgbClr val="808080"/>
+                </a:solidFill>
+                <a:effectLst/>
+                <a:latin typeface="Consolas" panose="020B0609020204030204" pitchFamily="49" charset="0"/>
+              </a:rPr>
+            </a:br>
+            <a:r>
+              <a:rPr kumimoji="0" lang="en-US" altLang="en-US" sz="1600" b="1" i="0" u="none" strike="noStrike" cap="none" normalizeH="0" baseline="0" dirty="0">
+                <a:ln>
+                  <a:noFill/>
+                </a:ln>
+                <a:solidFill>
+                  <a:srgbClr val="000080"/>
+                </a:solidFill>
+                <a:effectLst/>
+                <a:latin typeface="Consolas" panose="020B0609020204030204" pitchFamily="49" charset="0"/>
+              </a:rPr>
+              <a:t>class </a:t>
+            </a:r>
+            <a:r>
+              <a:rPr kumimoji="0" lang="en-US" altLang="en-US" sz="1600" b="0" i="0" u="none" strike="noStrike" cap="none" normalizeH="0" baseline="0" dirty="0">
+                <a:ln>
+                  <a:noFill/>
+                </a:ln>
+                <a:solidFill>
+                  <a:srgbClr val="000000"/>
+                </a:solidFill>
+                <a:effectLst/>
+                <a:latin typeface="Consolas" panose="020B0609020204030204" pitchFamily="49" charset="0"/>
+              </a:rPr>
+              <a:t>Pig </a:t>
+            </a:r>
+            <a:r>
+              <a:rPr kumimoji="0" lang="en-US" altLang="en-US" sz="1600" b="1" i="0" u="none" strike="noStrike" cap="none" normalizeH="0" baseline="0" dirty="0">
+                <a:ln>
+                  <a:noFill/>
+                </a:ln>
+                <a:solidFill>
+                  <a:srgbClr val="000080"/>
+                </a:solidFill>
+                <a:effectLst/>
+                <a:latin typeface="Consolas" panose="020B0609020204030204" pitchFamily="49" charset="0"/>
+              </a:rPr>
+              <a:t>extends </a:t>
+            </a:r>
+            <a:r>
+              <a:rPr kumimoji="0" lang="en-US" altLang="en-US" sz="1600" b="0" i="0" u="none" strike="noStrike" cap="none" normalizeH="0" baseline="0" dirty="0">
+                <a:ln>
+                  <a:noFill/>
+                </a:ln>
+                <a:solidFill>
+                  <a:srgbClr val="000000"/>
+                </a:solidFill>
+                <a:effectLst/>
+                <a:latin typeface="Consolas" panose="020B0609020204030204" pitchFamily="49" charset="0"/>
+              </a:rPr>
+              <a:t>Animal {</a:t>
+            </a:r>
+            <a:br>
+              <a:rPr kumimoji="0" lang="en-US" altLang="en-US" sz="1600" b="0" i="0" u="none" strike="noStrike" cap="none" normalizeH="0" baseline="0" dirty="0">
+                <a:ln>
+                  <a:noFill/>
+                </a:ln>
+                <a:solidFill>
+                  <a:srgbClr val="000000"/>
+                </a:solidFill>
+                <a:effectLst/>
+                <a:latin typeface="Consolas" panose="020B0609020204030204" pitchFamily="49" charset="0"/>
+              </a:rPr>
+            </a:br>
+            <a:r>
+              <a:rPr kumimoji="0" lang="en-US" altLang="en-US" sz="1600" b="0" i="0" u="none" strike="noStrike" cap="none" normalizeH="0" baseline="0" dirty="0">
+                <a:ln>
+                  <a:noFill/>
+                </a:ln>
+                <a:solidFill>
+                  <a:srgbClr val="000000"/>
+                </a:solidFill>
+                <a:effectLst/>
+                <a:latin typeface="Consolas" panose="020B0609020204030204" pitchFamily="49" charset="0"/>
+              </a:rPr>
+              <a:t>    </a:t>
+            </a:r>
+            <a:r>
+              <a:rPr kumimoji="0" lang="en-US" altLang="en-US" sz="1600" b="1" i="0" u="none" strike="noStrike" cap="none" normalizeH="0" baseline="0" dirty="0">
+                <a:ln>
+                  <a:noFill/>
+                </a:ln>
+                <a:solidFill>
+                  <a:srgbClr val="000080"/>
+                </a:solidFill>
+                <a:effectLst/>
+                <a:latin typeface="Consolas" panose="020B0609020204030204" pitchFamily="49" charset="0"/>
+              </a:rPr>
+              <a:t>public void </a:t>
+            </a:r>
+            <a:r>
+              <a:rPr kumimoji="0" lang="en-US" altLang="en-US" sz="1600" b="0" i="0" u="none" strike="noStrike" cap="none" normalizeH="0" baseline="0" dirty="0" err="1">
+                <a:ln>
+                  <a:noFill/>
+                </a:ln>
+                <a:solidFill>
+                  <a:srgbClr val="000000"/>
+                </a:solidFill>
+                <a:effectLst/>
+                <a:latin typeface="Consolas" panose="020B0609020204030204" pitchFamily="49" charset="0"/>
+              </a:rPr>
+              <a:t>animalSound</a:t>
+            </a:r>
+            <a:r>
+              <a:rPr kumimoji="0" lang="en-US" altLang="en-US" sz="1600" b="0" i="0" u="none" strike="noStrike" cap="none" normalizeH="0" baseline="0" dirty="0">
+                <a:ln>
+                  <a:noFill/>
+                </a:ln>
+                <a:solidFill>
+                  <a:srgbClr val="000000"/>
+                </a:solidFill>
+                <a:effectLst/>
+                <a:latin typeface="Consolas" panose="020B0609020204030204" pitchFamily="49" charset="0"/>
+              </a:rPr>
+              <a:t>() {</a:t>
+            </a:r>
+            <a:br>
+              <a:rPr kumimoji="0" lang="en-US" altLang="en-US" sz="1600" b="0" i="0" u="none" strike="noStrike" cap="none" normalizeH="0" baseline="0" dirty="0">
+                <a:ln>
+                  <a:noFill/>
+                </a:ln>
+                <a:solidFill>
+                  <a:srgbClr val="000000"/>
+                </a:solidFill>
+                <a:effectLst/>
+                <a:latin typeface="Consolas" panose="020B0609020204030204" pitchFamily="49" charset="0"/>
+              </a:rPr>
+            </a:br>
+            <a:r>
+              <a:rPr kumimoji="0" lang="en-US" altLang="en-US" sz="1600" b="0" i="0" u="none" strike="noStrike" cap="none" normalizeH="0" baseline="0" dirty="0">
+                <a:ln>
+                  <a:noFill/>
+                </a:ln>
+                <a:solidFill>
+                  <a:srgbClr val="000000"/>
+                </a:solidFill>
+                <a:effectLst/>
+                <a:latin typeface="Consolas" panose="020B0609020204030204" pitchFamily="49" charset="0"/>
+              </a:rPr>
+              <a:t>        </a:t>
+            </a:r>
+            <a:r>
+              <a:rPr kumimoji="0" lang="en-US" altLang="en-US" sz="1600" b="0" i="1" u="none" strike="noStrike" cap="none" normalizeH="0" baseline="0" dirty="0">
+                <a:ln>
+                  <a:noFill/>
+                </a:ln>
+                <a:solidFill>
+                  <a:srgbClr val="808080"/>
+                </a:solidFill>
+                <a:effectLst/>
+                <a:latin typeface="Consolas" panose="020B0609020204030204" pitchFamily="49" charset="0"/>
+              </a:rPr>
+              <a:t>// The body of </a:t>
+            </a:r>
+            <a:r>
+              <a:rPr kumimoji="0" lang="en-US" altLang="en-US" sz="1600" b="0" i="1" u="none" strike="noStrike" cap="none" normalizeH="0" baseline="0" dirty="0" err="1">
+                <a:ln>
+                  <a:noFill/>
+                </a:ln>
+                <a:solidFill>
+                  <a:srgbClr val="808080"/>
+                </a:solidFill>
+                <a:effectLst/>
+                <a:latin typeface="Consolas" panose="020B0609020204030204" pitchFamily="49" charset="0"/>
+              </a:rPr>
+              <a:t>animalSound</a:t>
+            </a:r>
+            <a:r>
+              <a:rPr kumimoji="0" lang="en-US" altLang="en-US" sz="1600" b="0" i="1" u="none" strike="noStrike" cap="none" normalizeH="0" baseline="0" dirty="0">
+                <a:ln>
+                  <a:noFill/>
+                </a:ln>
+                <a:solidFill>
+                  <a:srgbClr val="808080"/>
+                </a:solidFill>
+                <a:effectLst/>
+                <a:latin typeface="Consolas" panose="020B0609020204030204" pitchFamily="49" charset="0"/>
+              </a:rPr>
+              <a:t>() is provided here</a:t>
+            </a:r>
+            <a:br>
+              <a:rPr kumimoji="0" lang="en-US" altLang="en-US" sz="1600" b="0" i="1" u="none" strike="noStrike" cap="none" normalizeH="0" baseline="0" dirty="0">
+                <a:ln>
+                  <a:noFill/>
+                </a:ln>
+                <a:solidFill>
+                  <a:srgbClr val="808080"/>
+                </a:solidFill>
+                <a:effectLst/>
+                <a:latin typeface="Consolas" panose="020B0609020204030204" pitchFamily="49" charset="0"/>
+              </a:rPr>
+            </a:br>
+            <a:r>
+              <a:rPr kumimoji="0" lang="en-US" altLang="en-US" sz="1600" b="0" i="1" u="none" strike="noStrike" cap="none" normalizeH="0" baseline="0" dirty="0">
+                <a:ln>
+                  <a:noFill/>
+                </a:ln>
+                <a:solidFill>
+                  <a:srgbClr val="808080"/>
+                </a:solidFill>
+                <a:effectLst/>
+                <a:latin typeface="Consolas" panose="020B0609020204030204" pitchFamily="49" charset="0"/>
+              </a:rPr>
+              <a:t>        </a:t>
+            </a:r>
+            <a:r>
+              <a:rPr kumimoji="0" lang="en-US" altLang="en-US" sz="1600" b="0" i="0" u="none" strike="noStrike" cap="none" normalizeH="0" baseline="0" dirty="0" err="1">
+                <a:ln>
+                  <a:noFill/>
+                </a:ln>
+                <a:solidFill>
+                  <a:srgbClr val="000000"/>
+                </a:solidFill>
+                <a:effectLst/>
+                <a:latin typeface="Consolas" panose="020B0609020204030204" pitchFamily="49" charset="0"/>
+              </a:rPr>
+              <a:t>System.</a:t>
+            </a:r>
+            <a:r>
+              <a:rPr kumimoji="0" lang="en-US" altLang="en-US" sz="1600" b="1" i="1" u="none" strike="noStrike" cap="none" normalizeH="0" baseline="0" dirty="0" err="1">
+                <a:ln>
+                  <a:noFill/>
+                </a:ln>
+                <a:solidFill>
+                  <a:srgbClr val="660E7A"/>
+                </a:solidFill>
+                <a:effectLst/>
+                <a:latin typeface="Consolas" panose="020B0609020204030204" pitchFamily="49" charset="0"/>
+              </a:rPr>
+              <a:t>out</a:t>
+            </a:r>
+            <a:r>
+              <a:rPr kumimoji="0" lang="en-US" altLang="en-US" sz="1600" b="0" i="0" u="none" strike="noStrike" cap="none" normalizeH="0" baseline="0" dirty="0" err="1">
+                <a:ln>
+                  <a:noFill/>
+                </a:ln>
+                <a:solidFill>
+                  <a:srgbClr val="000000"/>
+                </a:solidFill>
+                <a:effectLst/>
+                <a:latin typeface="Consolas" panose="020B0609020204030204" pitchFamily="49" charset="0"/>
+              </a:rPr>
+              <a:t>.println</a:t>
+            </a:r>
+            <a:r>
+              <a:rPr kumimoji="0" lang="en-US" altLang="en-US" sz="1600" b="0" i="0" u="none" strike="noStrike" cap="none" normalizeH="0" baseline="0" dirty="0">
+                <a:ln>
+                  <a:noFill/>
+                </a:ln>
+                <a:solidFill>
+                  <a:srgbClr val="000000"/>
+                </a:solidFill>
+                <a:effectLst/>
+                <a:latin typeface="Consolas" panose="020B0609020204030204" pitchFamily="49" charset="0"/>
+              </a:rPr>
+              <a:t>(</a:t>
+            </a:r>
+            <a:r>
+              <a:rPr kumimoji="0" lang="en-US" altLang="en-US" sz="1600" b="1" i="0" u="none" strike="noStrike" cap="none" normalizeH="0" baseline="0" dirty="0">
+                <a:ln>
+                  <a:noFill/>
+                </a:ln>
+                <a:solidFill>
+                  <a:srgbClr val="008000"/>
+                </a:solidFill>
+                <a:effectLst/>
+                <a:latin typeface="Consolas" panose="020B0609020204030204" pitchFamily="49" charset="0"/>
+              </a:rPr>
+              <a:t>"The pig says: wee wee"</a:t>
+            </a:r>
+            <a:r>
+              <a:rPr kumimoji="0" lang="en-US" altLang="en-US" sz="1600" b="0" i="0" u="none" strike="noStrike" cap="none" normalizeH="0" baseline="0" dirty="0">
+                <a:ln>
+                  <a:noFill/>
+                </a:ln>
+                <a:solidFill>
+                  <a:srgbClr val="000000"/>
+                </a:solidFill>
+                <a:effectLst/>
+                <a:latin typeface="Consolas" panose="020B0609020204030204" pitchFamily="49" charset="0"/>
+              </a:rPr>
+              <a:t>);</a:t>
+            </a:r>
+            <a:br>
+              <a:rPr kumimoji="0" lang="en-US" altLang="en-US" sz="1600" b="0" i="0" u="none" strike="noStrike" cap="none" normalizeH="0" baseline="0" dirty="0">
+                <a:ln>
+                  <a:noFill/>
+                </a:ln>
+                <a:solidFill>
+                  <a:srgbClr val="000000"/>
+                </a:solidFill>
+                <a:effectLst/>
+                <a:latin typeface="Consolas" panose="020B0609020204030204" pitchFamily="49" charset="0"/>
+              </a:rPr>
+            </a:br>
+            <a:r>
+              <a:rPr kumimoji="0" lang="en-US" altLang="en-US" sz="1600" b="0" i="0" u="none" strike="noStrike" cap="none" normalizeH="0" baseline="0" dirty="0">
+                <a:ln>
+                  <a:noFill/>
+                </a:ln>
+                <a:solidFill>
+                  <a:srgbClr val="000000"/>
+                </a:solidFill>
+                <a:effectLst/>
+                <a:latin typeface="Consolas" panose="020B0609020204030204" pitchFamily="49" charset="0"/>
+              </a:rPr>
+              <a:t>    }</a:t>
+            </a:r>
+            <a:br>
+              <a:rPr kumimoji="0" lang="en-US" altLang="en-US" sz="1600" b="0" i="0" u="none" strike="noStrike" cap="none" normalizeH="0" baseline="0" dirty="0">
+                <a:ln>
+                  <a:noFill/>
+                </a:ln>
+                <a:solidFill>
+                  <a:srgbClr val="000000"/>
+                </a:solidFill>
+                <a:effectLst/>
+                <a:latin typeface="Consolas" panose="020B0609020204030204" pitchFamily="49" charset="0"/>
+              </a:rPr>
+            </a:br>
+            <a:r>
+              <a:rPr kumimoji="0" lang="en-US" altLang="en-US" sz="1600" b="0" i="0" u="none" strike="noStrike" cap="none" normalizeH="0" baseline="0" dirty="0">
+                <a:ln>
+                  <a:noFill/>
+                </a:ln>
+                <a:solidFill>
+                  <a:srgbClr val="000000"/>
+                </a:solidFill>
+                <a:effectLst/>
+                <a:latin typeface="Consolas" panose="020B0609020204030204" pitchFamily="49" charset="0"/>
+              </a:rPr>
+              <a:t>}</a:t>
+            </a:r>
+            <a:endParaRPr kumimoji="0" lang="en-US" altLang="en-US" sz="1600" b="0" i="0" u="none" strike="noStrike" cap="none" normalizeH="0" baseline="0" dirty="0">
+              <a:ln>
+                <a:noFill/>
+              </a:ln>
+              <a:solidFill>
+                <a:schemeClr val="tx1"/>
+              </a:solidFill>
+              <a:effectLst/>
+              <a:latin typeface="Arial" panose="020B0604020202020204" pitchFamily="34" charset="0"/>
+            </a:endParaRPr>
+          </a:p>
+        </p:txBody>
+      </p:sp>
+      <p:sp>
+        <p:nvSpPr>
+          <p:cNvPr id="7" name="Rectangle 2">
+            <a:extLst>
+              <a:ext uri="{FF2B5EF4-FFF2-40B4-BE49-F238E27FC236}">
+                <a16:creationId xmlns:a16="http://schemas.microsoft.com/office/drawing/2014/main" id="{CDE71C5D-E781-483F-9F95-B3318BBAC96F}"/>
+              </a:ext>
+            </a:extLst>
+          </p:cNvPr>
+          <p:cNvSpPr>
+            <a:spLocks noChangeArrowheads="1"/>
+          </p:cNvSpPr>
+          <p:nvPr/>
+        </p:nvSpPr>
+        <p:spPr bwMode="auto">
+          <a:xfrm>
+            <a:off x="7084382" y="1690688"/>
+            <a:ext cx="5042516" cy="2308324"/>
+          </a:xfrm>
+          <a:prstGeom prst="rect">
+            <a:avLst/>
+          </a:prstGeom>
+          <a:solidFill>
+            <a:srgbClr val="FFFFFF"/>
+          </a:solidFill>
+          <a:ln>
+            <a:noFill/>
+          </a:ln>
+          <a:effectLst/>
+          <a:extLst>
+            <a:ext uri="{91240B29-F687-4F45-9708-019B960494DF}">
+              <a14:hiddenLine xmlns:a14="http://schemas.microsoft.com/office/drawing/2010/main" w="9525">
+                <a:solidFill>
+                  <a:schemeClr val="tx1"/>
+                </a:solidFill>
+                <a:miter lim="800000"/>
+                <a:headEnd/>
+                <a:tailEnd/>
+              </a14:hiddenLine>
+            </a:ext>
+            <a:ext uri="{AF507438-7753-43E0-B8FC-AC1667EBCBE1}">
+              <a14:hiddenEffects xmlns:a14="http://schemas.microsoft.com/office/drawing/2010/main">
+                <a:effectLst>
+                  <a:outerShdw dist="35921" dir="2700000" algn="ctr" rotWithShape="0">
+                    <a:schemeClr val="bg2"/>
+                  </a:outerShdw>
+                </a:effectLst>
+              </a14:hiddenEffects>
+            </a:ext>
+          </a:extLst>
+        </p:spPr>
+        <p:txBody>
+          <a:bodyPr vert="horz" wrap="square" lIns="91440" tIns="45720" rIns="91440" bIns="45720" numCol="1" anchor="ctr" anchorCtr="0" compatLnSpc="1">
+            <a:prstTxWarp prst="textNoShape">
+              <a:avLst/>
+            </a:prstTxWarp>
+            <a:spAutoFit/>
+          </a:bodyPr>
+          <a:lstStyle/>
+          <a:p>
+            <a:pPr marL="0" marR="0" lvl="0" indent="0" algn="l" defTabSz="914400" rtl="0" eaLnBrk="0" fontAlgn="base" latinLnBrk="0" hangingPunct="0">
+              <a:lnSpc>
+                <a:spcPct val="100000"/>
+              </a:lnSpc>
+              <a:spcBef>
+                <a:spcPct val="0"/>
+              </a:spcBef>
+              <a:spcAft>
+                <a:spcPct val="0"/>
+              </a:spcAft>
+              <a:buClrTx/>
+              <a:buSzTx/>
+              <a:buFontTx/>
+              <a:buNone/>
+              <a:tabLst/>
+            </a:pPr>
+            <a:r>
+              <a:rPr kumimoji="0" lang="en-US" altLang="en-US" sz="1600" b="1" i="0" u="none" strike="noStrike" cap="none" normalizeH="0" baseline="0" dirty="0">
+                <a:ln>
+                  <a:noFill/>
+                </a:ln>
+                <a:solidFill>
+                  <a:srgbClr val="000080"/>
+                </a:solidFill>
+                <a:effectLst/>
+                <a:latin typeface="Consolas" panose="020B0609020204030204" pitchFamily="49" charset="0"/>
+              </a:rPr>
+              <a:t>class </a:t>
+            </a:r>
+            <a:r>
+              <a:rPr kumimoji="0" lang="en-US" altLang="en-US" sz="1600" b="0" i="0" u="none" strike="noStrike" cap="none" normalizeH="0" baseline="0" dirty="0" err="1">
+                <a:ln>
+                  <a:noFill/>
+                </a:ln>
+                <a:solidFill>
+                  <a:srgbClr val="000000"/>
+                </a:solidFill>
+                <a:effectLst/>
+                <a:latin typeface="Consolas" panose="020B0609020204030204" pitchFamily="49" charset="0"/>
+              </a:rPr>
+              <a:t>MyMainClass</a:t>
+            </a:r>
+            <a:r>
+              <a:rPr kumimoji="0" lang="en-US" altLang="en-US" sz="1600" b="0" i="0" u="none" strike="noStrike" cap="none" normalizeH="0" baseline="0" dirty="0">
+                <a:ln>
+                  <a:noFill/>
+                </a:ln>
+                <a:solidFill>
+                  <a:srgbClr val="000000"/>
+                </a:solidFill>
+                <a:effectLst/>
+                <a:latin typeface="Consolas" panose="020B0609020204030204" pitchFamily="49" charset="0"/>
+              </a:rPr>
+              <a:t> {</a:t>
+            </a:r>
+            <a:br>
+              <a:rPr kumimoji="0" lang="en-US" altLang="en-US" sz="1600" b="0" i="0" u="none" strike="noStrike" cap="none" normalizeH="0" baseline="0" dirty="0">
+                <a:ln>
+                  <a:noFill/>
+                </a:ln>
+                <a:solidFill>
+                  <a:srgbClr val="000000"/>
+                </a:solidFill>
+                <a:effectLst/>
+                <a:latin typeface="Consolas" panose="020B0609020204030204" pitchFamily="49" charset="0"/>
+              </a:rPr>
+            </a:br>
+            <a:r>
+              <a:rPr kumimoji="0" lang="en-US" altLang="en-US" sz="1600" b="0" i="0" u="none" strike="noStrike" cap="none" normalizeH="0" baseline="0" dirty="0">
+                <a:ln>
+                  <a:noFill/>
+                </a:ln>
+                <a:solidFill>
+                  <a:srgbClr val="000000"/>
+                </a:solidFill>
+                <a:effectLst/>
+                <a:latin typeface="Consolas" panose="020B0609020204030204" pitchFamily="49" charset="0"/>
+              </a:rPr>
+              <a:t>    </a:t>
+            </a:r>
+            <a:r>
+              <a:rPr kumimoji="0" lang="en-US" altLang="en-US" sz="1600" b="1" i="0" u="none" strike="noStrike" cap="none" normalizeH="0" baseline="0" dirty="0">
+                <a:ln>
+                  <a:noFill/>
+                </a:ln>
+                <a:solidFill>
+                  <a:srgbClr val="000080"/>
+                </a:solidFill>
+                <a:effectLst/>
+                <a:latin typeface="Consolas" panose="020B0609020204030204" pitchFamily="49" charset="0"/>
+              </a:rPr>
+              <a:t>public static void </a:t>
+            </a:r>
+            <a:r>
+              <a:rPr kumimoji="0" lang="en-US" altLang="en-US" sz="1600" b="0" i="0" u="none" strike="noStrike" cap="none" normalizeH="0" baseline="0" dirty="0">
+                <a:ln>
+                  <a:noFill/>
+                </a:ln>
+                <a:solidFill>
+                  <a:srgbClr val="000000"/>
+                </a:solidFill>
+                <a:effectLst/>
+                <a:latin typeface="Consolas" panose="020B0609020204030204" pitchFamily="49" charset="0"/>
+              </a:rPr>
+              <a:t>main(String[] </a:t>
+            </a:r>
+            <a:r>
+              <a:rPr kumimoji="0" lang="en-US" altLang="en-US" sz="1600" b="0" i="0" u="none" strike="noStrike" cap="none" normalizeH="0" baseline="0" dirty="0" err="1">
+                <a:ln>
+                  <a:noFill/>
+                </a:ln>
+                <a:solidFill>
+                  <a:srgbClr val="000000"/>
+                </a:solidFill>
+                <a:effectLst/>
+                <a:latin typeface="Consolas" panose="020B0609020204030204" pitchFamily="49" charset="0"/>
+              </a:rPr>
+              <a:t>args</a:t>
+            </a:r>
+            <a:r>
+              <a:rPr kumimoji="0" lang="en-US" altLang="en-US" sz="1600" b="0" i="0" u="none" strike="noStrike" cap="none" normalizeH="0" baseline="0" dirty="0">
+                <a:ln>
+                  <a:noFill/>
+                </a:ln>
+                <a:solidFill>
+                  <a:srgbClr val="000000"/>
+                </a:solidFill>
+                <a:effectLst/>
+                <a:latin typeface="Consolas" panose="020B0609020204030204" pitchFamily="49" charset="0"/>
+              </a:rPr>
+              <a:t>) {</a:t>
+            </a:r>
+            <a:br>
+              <a:rPr kumimoji="0" lang="en-US" altLang="en-US" sz="1600" b="0" i="0" u="none" strike="noStrike" cap="none" normalizeH="0" baseline="0" dirty="0">
+                <a:ln>
+                  <a:noFill/>
+                </a:ln>
+                <a:solidFill>
+                  <a:srgbClr val="000000"/>
+                </a:solidFill>
+                <a:effectLst/>
+                <a:latin typeface="Consolas" panose="020B0609020204030204" pitchFamily="49" charset="0"/>
+              </a:rPr>
+            </a:br>
+            <a:r>
+              <a:rPr kumimoji="0" lang="en-US" altLang="en-US" sz="1600" b="0" i="0" u="none" strike="noStrike" cap="none" normalizeH="0" baseline="0" dirty="0">
+                <a:ln>
+                  <a:noFill/>
+                </a:ln>
+                <a:solidFill>
+                  <a:srgbClr val="000000"/>
+                </a:solidFill>
+                <a:effectLst/>
+                <a:latin typeface="Consolas" panose="020B0609020204030204" pitchFamily="49" charset="0"/>
+              </a:rPr>
+              <a:t>        Pig </a:t>
+            </a:r>
+            <a:r>
+              <a:rPr kumimoji="0" lang="en-US" altLang="en-US" sz="1600" b="0" i="0" u="none" strike="noStrike" cap="none" normalizeH="0" baseline="0" dirty="0" err="1">
+                <a:ln>
+                  <a:noFill/>
+                </a:ln>
+                <a:solidFill>
+                  <a:srgbClr val="000000"/>
+                </a:solidFill>
+                <a:effectLst/>
+                <a:latin typeface="Consolas" panose="020B0609020204030204" pitchFamily="49" charset="0"/>
+              </a:rPr>
+              <a:t>myPig</a:t>
+            </a:r>
+            <a:r>
+              <a:rPr kumimoji="0" lang="en-US" altLang="en-US" sz="1600" b="0" i="0" u="none" strike="noStrike" cap="none" normalizeH="0" baseline="0" dirty="0">
+                <a:ln>
+                  <a:noFill/>
+                </a:ln>
+                <a:solidFill>
+                  <a:srgbClr val="000000"/>
+                </a:solidFill>
+                <a:effectLst/>
+                <a:latin typeface="Consolas" panose="020B0609020204030204" pitchFamily="49" charset="0"/>
+              </a:rPr>
+              <a:t> = </a:t>
+            </a:r>
+            <a:r>
+              <a:rPr kumimoji="0" lang="en-US" altLang="en-US" sz="1600" b="1" i="0" u="none" strike="noStrike" cap="none" normalizeH="0" baseline="0" dirty="0">
+                <a:ln>
+                  <a:noFill/>
+                </a:ln>
+                <a:solidFill>
+                  <a:srgbClr val="000080"/>
+                </a:solidFill>
+                <a:effectLst/>
+                <a:latin typeface="Consolas" panose="020B0609020204030204" pitchFamily="49" charset="0"/>
+              </a:rPr>
+              <a:t>new </a:t>
+            </a:r>
+            <a:r>
+              <a:rPr kumimoji="0" lang="en-US" altLang="en-US" sz="1600" b="0" i="0" u="none" strike="noStrike" cap="none" normalizeH="0" baseline="0" dirty="0">
+                <a:ln>
+                  <a:noFill/>
+                </a:ln>
+                <a:solidFill>
+                  <a:srgbClr val="000000"/>
+                </a:solidFill>
+                <a:effectLst/>
+                <a:latin typeface="Consolas" panose="020B0609020204030204" pitchFamily="49" charset="0"/>
+              </a:rPr>
+              <a:t>Pig(); </a:t>
+            </a:r>
+            <a:r>
+              <a:rPr kumimoji="0" lang="en-US" altLang="en-US" sz="1600" b="0" i="1" u="none" strike="noStrike" cap="none" normalizeH="0" baseline="0" dirty="0">
+                <a:ln>
+                  <a:noFill/>
+                </a:ln>
+                <a:solidFill>
+                  <a:srgbClr val="808080"/>
+                </a:solidFill>
+                <a:effectLst/>
+                <a:latin typeface="Consolas" panose="020B0609020204030204" pitchFamily="49" charset="0"/>
+              </a:rPr>
+              <a:t>// Create a Pig object</a:t>
+            </a:r>
+            <a:br>
+              <a:rPr kumimoji="0" lang="en-US" altLang="en-US" sz="1600" b="0" i="1" u="none" strike="noStrike" cap="none" normalizeH="0" baseline="0" dirty="0">
+                <a:ln>
+                  <a:noFill/>
+                </a:ln>
+                <a:solidFill>
+                  <a:srgbClr val="808080"/>
+                </a:solidFill>
+                <a:effectLst/>
+                <a:latin typeface="Consolas" panose="020B0609020204030204" pitchFamily="49" charset="0"/>
+              </a:rPr>
+            </a:br>
+            <a:r>
+              <a:rPr kumimoji="0" lang="en-US" altLang="en-US" sz="1600" b="0" i="1" u="none" strike="noStrike" cap="none" normalizeH="0" baseline="0" dirty="0">
+                <a:ln>
+                  <a:noFill/>
+                </a:ln>
+                <a:solidFill>
+                  <a:srgbClr val="808080"/>
+                </a:solidFill>
+                <a:effectLst/>
+                <a:latin typeface="Consolas" panose="020B0609020204030204" pitchFamily="49" charset="0"/>
+              </a:rPr>
+              <a:t>        </a:t>
+            </a:r>
+            <a:r>
+              <a:rPr kumimoji="0" lang="en-US" altLang="en-US" sz="1600" b="0" i="0" u="none" strike="noStrike" cap="none" normalizeH="0" baseline="0" dirty="0" err="1">
+                <a:ln>
+                  <a:noFill/>
+                </a:ln>
+                <a:solidFill>
+                  <a:srgbClr val="000000"/>
+                </a:solidFill>
+                <a:effectLst/>
+                <a:latin typeface="Consolas" panose="020B0609020204030204" pitchFamily="49" charset="0"/>
+              </a:rPr>
+              <a:t>myPig.animalSound</a:t>
+            </a:r>
+            <a:r>
+              <a:rPr kumimoji="0" lang="en-US" altLang="en-US" sz="1600" b="0" i="0" u="none" strike="noStrike" cap="none" normalizeH="0" baseline="0" dirty="0">
+                <a:ln>
+                  <a:noFill/>
+                </a:ln>
+                <a:solidFill>
+                  <a:srgbClr val="000000"/>
+                </a:solidFill>
+                <a:effectLst/>
+                <a:latin typeface="Consolas" panose="020B0609020204030204" pitchFamily="49" charset="0"/>
+              </a:rPr>
+              <a:t>();</a:t>
+            </a:r>
+            <a:br>
+              <a:rPr kumimoji="0" lang="en-US" altLang="en-US" sz="1600" b="0" i="0" u="none" strike="noStrike" cap="none" normalizeH="0" baseline="0" dirty="0">
+                <a:ln>
+                  <a:noFill/>
+                </a:ln>
+                <a:solidFill>
+                  <a:srgbClr val="000000"/>
+                </a:solidFill>
+                <a:effectLst/>
+                <a:latin typeface="Consolas" panose="020B0609020204030204" pitchFamily="49" charset="0"/>
+              </a:rPr>
+            </a:br>
+            <a:r>
+              <a:rPr kumimoji="0" lang="en-US" altLang="en-US" sz="1600" b="0" i="0" u="none" strike="noStrike" cap="none" normalizeH="0" baseline="0" dirty="0">
+                <a:ln>
+                  <a:noFill/>
+                </a:ln>
+                <a:solidFill>
+                  <a:srgbClr val="000000"/>
+                </a:solidFill>
+                <a:effectLst/>
+                <a:latin typeface="Consolas" panose="020B0609020204030204" pitchFamily="49" charset="0"/>
+              </a:rPr>
+              <a:t>        </a:t>
+            </a:r>
+            <a:r>
+              <a:rPr kumimoji="0" lang="en-US" altLang="en-US" sz="1600" b="0" i="0" u="none" strike="noStrike" cap="none" normalizeH="0" baseline="0" dirty="0" err="1">
+                <a:ln>
+                  <a:noFill/>
+                </a:ln>
+                <a:solidFill>
+                  <a:srgbClr val="000000"/>
+                </a:solidFill>
+                <a:effectLst/>
+                <a:latin typeface="Consolas" panose="020B0609020204030204" pitchFamily="49" charset="0"/>
+              </a:rPr>
+              <a:t>myPig.sleep</a:t>
+            </a:r>
+            <a:r>
+              <a:rPr kumimoji="0" lang="en-US" altLang="en-US" sz="1600" b="0" i="0" u="none" strike="noStrike" cap="none" normalizeH="0" baseline="0" dirty="0">
+                <a:ln>
+                  <a:noFill/>
+                </a:ln>
+                <a:solidFill>
+                  <a:srgbClr val="000000"/>
+                </a:solidFill>
+                <a:effectLst/>
+                <a:latin typeface="Consolas" panose="020B0609020204030204" pitchFamily="49" charset="0"/>
+              </a:rPr>
+              <a:t>();</a:t>
+            </a:r>
+            <a:br>
+              <a:rPr kumimoji="0" lang="en-US" altLang="en-US" sz="1600" b="0" i="0" u="none" strike="noStrike" cap="none" normalizeH="0" baseline="0" dirty="0">
+                <a:ln>
+                  <a:noFill/>
+                </a:ln>
+                <a:solidFill>
+                  <a:srgbClr val="000000"/>
+                </a:solidFill>
+                <a:effectLst/>
+                <a:latin typeface="Consolas" panose="020B0609020204030204" pitchFamily="49" charset="0"/>
+              </a:rPr>
+            </a:br>
+            <a:r>
+              <a:rPr kumimoji="0" lang="en-US" altLang="en-US" sz="1600" b="0" i="0" u="none" strike="noStrike" cap="none" normalizeH="0" baseline="0" dirty="0">
+                <a:ln>
+                  <a:noFill/>
+                </a:ln>
+                <a:solidFill>
+                  <a:srgbClr val="000000"/>
+                </a:solidFill>
+                <a:effectLst/>
+                <a:latin typeface="Consolas" panose="020B0609020204030204" pitchFamily="49" charset="0"/>
+              </a:rPr>
+              <a:t>    }</a:t>
+            </a:r>
+            <a:br>
+              <a:rPr kumimoji="0" lang="en-US" altLang="en-US" sz="1600" b="0" i="0" u="none" strike="noStrike" cap="none" normalizeH="0" baseline="0" dirty="0">
+                <a:ln>
+                  <a:noFill/>
+                </a:ln>
+                <a:solidFill>
+                  <a:srgbClr val="000000"/>
+                </a:solidFill>
+                <a:effectLst/>
+                <a:latin typeface="Consolas" panose="020B0609020204030204" pitchFamily="49" charset="0"/>
+              </a:rPr>
+            </a:br>
+            <a:r>
+              <a:rPr kumimoji="0" lang="en-US" altLang="en-US" sz="1600" b="0" i="0" u="none" strike="noStrike" cap="none" normalizeH="0" baseline="0" dirty="0">
+                <a:ln>
+                  <a:noFill/>
+                </a:ln>
+                <a:solidFill>
+                  <a:srgbClr val="000000"/>
+                </a:solidFill>
+                <a:effectLst/>
+                <a:latin typeface="Consolas" panose="020B0609020204030204" pitchFamily="49" charset="0"/>
+              </a:rPr>
+              <a:t>}</a:t>
+            </a:r>
+            <a:endParaRPr kumimoji="0" lang="en-US" altLang="en-US" sz="1600" b="0" i="0" u="none" strike="noStrike" cap="none" normalizeH="0" baseline="0" dirty="0">
+              <a:ln>
+                <a:noFill/>
+              </a:ln>
+              <a:solidFill>
+                <a:schemeClr val="tx1"/>
+              </a:solidFill>
+              <a:effectLst/>
+              <a:latin typeface="Arial" panose="020B0604020202020204" pitchFamily="34" charset="0"/>
+            </a:endParaRPr>
+          </a:p>
+        </p:txBody>
+      </p:sp>
+    </p:spTree>
+    <p:extLst>
+      <p:ext uri="{BB962C8B-B14F-4D97-AF65-F5344CB8AC3E}">
+        <p14:creationId xmlns:p14="http://schemas.microsoft.com/office/powerpoint/2010/main" val="1537819827"/>
+      </p:ext>
+    </p:extLst>
+  </p:cSld>
+  <p:clrMapOvr>
+    <a:masterClrMapping/>
+  </p:clrMapOvr>
+</p:sld>
+</file>
+
+<file path=ppt/slides/slide32.xml><?xml version="1.0" encoding="utf-8"?>
+<p:sld xmlns:a="http://schemas.openxmlformats.org/drawingml/2006/main" xmlns:r="http://schemas.openxmlformats.org/officeDocument/2006/relationships" xmlns:p="http://schemas.openxmlformats.org/presentationml/2006/main">
+  <p:cSld>
+    <p:spTree>
+      <p:nvGrpSpPr>
+        <p:cNvPr id="1" name=""/>
+        <p:cNvGrpSpPr/>
+        <p:nvPr/>
+      </p:nvGrpSpPr>
+      <p:grpSpPr>
+        <a:xfrm>
+          <a:off x="0" y="0"/>
+          <a:ext cx="0" cy="0"/>
+          <a:chOff x="0" y="0"/>
+          <a:chExt cx="0" cy="0"/>
+        </a:xfrm>
+      </p:grpSpPr>
+      <p:sp>
+        <p:nvSpPr>
+          <p:cNvPr id="2" name="Title 1">
+            <a:extLst>
+              <a:ext uri="{FF2B5EF4-FFF2-40B4-BE49-F238E27FC236}">
+                <a16:creationId xmlns:a16="http://schemas.microsoft.com/office/drawing/2014/main" id="{9612958F-B082-4745-84BD-9476A6BBC557}"/>
+              </a:ext>
+            </a:extLst>
+          </p:cNvPr>
+          <p:cNvSpPr>
+            <a:spLocks noGrp="1"/>
+          </p:cNvSpPr>
+          <p:nvPr>
+            <p:ph type="title"/>
+          </p:nvPr>
+        </p:nvSpPr>
+        <p:spPr/>
+        <p:txBody>
+          <a:bodyPr/>
+          <a:lstStyle/>
+          <a:p>
+            <a:r>
+              <a:rPr lang="en-US" dirty="0">
+                <a:solidFill>
+                  <a:srgbClr val="0070C0"/>
+                </a:solidFill>
+                <a:latin typeface="Times New Roman" panose="02020603050405020304" pitchFamily="18" charset="0"/>
+                <a:cs typeface="Times New Roman" panose="02020603050405020304" pitchFamily="18" charset="0"/>
+              </a:rPr>
+              <a:t>Java Interface</a:t>
+            </a:r>
+          </a:p>
+        </p:txBody>
+      </p:sp>
+      <p:sp>
+        <p:nvSpPr>
+          <p:cNvPr id="5" name="Content Placeholder 2">
+            <a:extLst>
+              <a:ext uri="{FF2B5EF4-FFF2-40B4-BE49-F238E27FC236}">
+                <a16:creationId xmlns:a16="http://schemas.microsoft.com/office/drawing/2014/main" id="{6AF5DBE1-EE41-4D0E-BA8E-8B5BA70A9156}"/>
+              </a:ext>
+            </a:extLst>
+          </p:cNvPr>
+          <p:cNvSpPr txBox="1">
+            <a:spLocks/>
+          </p:cNvSpPr>
+          <p:nvPr/>
+        </p:nvSpPr>
+        <p:spPr>
+          <a:xfrm>
+            <a:off x="838201" y="1880371"/>
+            <a:ext cx="10515599" cy="4511551"/>
+          </a:xfrm>
+          <a:prstGeom prst="rect">
+            <a:avLst/>
+          </a:prstGeom>
+        </p:spPr>
+        <p:txBody>
+          <a:bodyPr vert="horz" lIns="91440" tIns="45720" rIns="91440" bIns="45720" rtlCol="0">
+            <a:normAutofit/>
+          </a:bodyPr>
+          <a:lstStyle>
+            <a:lvl1pPr marL="228600" indent="-228600" algn="l" defTabSz="914400" rtl="0" eaLnBrk="1" latinLnBrk="0" hangingPunct="1">
+              <a:lnSpc>
+                <a:spcPct val="90000"/>
+              </a:lnSpc>
+              <a:spcBef>
+                <a:spcPts val="1000"/>
+              </a:spcBef>
+              <a:buFont typeface="Arial" panose="020B0604020202020204" pitchFamily="34" charset="0"/>
+              <a:buChar char="•"/>
+              <a:defRPr sz="2800" kern="1200">
+                <a:solidFill>
+                  <a:schemeClr val="tx1"/>
+                </a:solidFill>
+                <a:latin typeface="+mn-lt"/>
+                <a:ea typeface="+mn-ea"/>
+                <a:cs typeface="+mn-cs"/>
+              </a:defRPr>
+            </a:lvl1pPr>
+            <a:lvl2pPr marL="685800" indent="-228600" algn="l" defTabSz="914400" rtl="0" eaLnBrk="1" latinLnBrk="0" hangingPunct="1">
+              <a:lnSpc>
+                <a:spcPct val="90000"/>
+              </a:lnSpc>
+              <a:spcBef>
+                <a:spcPts val="500"/>
+              </a:spcBef>
+              <a:buFont typeface="Arial" panose="020B0604020202020204" pitchFamily="34" charset="0"/>
+              <a:buChar char="•"/>
+              <a:defRPr sz="2400" kern="1200">
+                <a:solidFill>
+                  <a:schemeClr val="tx1"/>
+                </a:solidFill>
+                <a:latin typeface="+mn-lt"/>
+                <a:ea typeface="+mn-ea"/>
+                <a:cs typeface="+mn-cs"/>
+              </a:defRPr>
+            </a:lvl2pPr>
+            <a:lvl3pPr marL="1143000" indent="-228600" algn="l" defTabSz="914400" rtl="0" eaLnBrk="1" latinLnBrk="0" hangingPunct="1">
+              <a:lnSpc>
+                <a:spcPct val="90000"/>
+              </a:lnSpc>
+              <a:spcBef>
+                <a:spcPts val="500"/>
+              </a:spcBef>
+              <a:buFont typeface="Arial" panose="020B0604020202020204" pitchFamily="34" charset="0"/>
+              <a:buChar char="•"/>
+              <a:defRPr sz="2000" kern="1200">
+                <a:solidFill>
+                  <a:schemeClr val="tx1"/>
+                </a:solidFill>
+                <a:latin typeface="+mn-lt"/>
+                <a:ea typeface="+mn-ea"/>
+                <a:cs typeface="+mn-cs"/>
+              </a:defRPr>
+            </a:lvl3pPr>
+            <a:lvl4pPr marL="1600200" indent="-228600" algn="l" defTabSz="914400" rtl="0" eaLnBrk="1" latinLnBrk="0" hangingPunct="1">
+              <a:lnSpc>
+                <a:spcPct val="90000"/>
+              </a:lnSpc>
+              <a:spcBef>
+                <a:spcPts val="500"/>
+              </a:spcBef>
+              <a:buFont typeface="Arial" panose="020B0604020202020204" pitchFamily="34" charset="0"/>
+              <a:buChar char="•"/>
+              <a:defRPr sz="1800" kern="1200">
+                <a:solidFill>
+                  <a:schemeClr val="tx1"/>
+                </a:solidFill>
+                <a:latin typeface="+mn-lt"/>
+                <a:ea typeface="+mn-ea"/>
+                <a:cs typeface="+mn-cs"/>
+              </a:defRPr>
+            </a:lvl4pPr>
+            <a:lvl5pPr marL="2057400" indent="-228600" algn="l" defTabSz="914400" rtl="0" eaLnBrk="1" latinLnBrk="0" hangingPunct="1">
+              <a:lnSpc>
+                <a:spcPct val="90000"/>
+              </a:lnSpc>
+              <a:spcBef>
+                <a:spcPts val="500"/>
+              </a:spcBef>
+              <a:buFont typeface="Arial" panose="020B0604020202020204" pitchFamily="34" charset="0"/>
+              <a:buChar char="•"/>
+              <a:defRPr sz="1800" kern="1200">
+                <a:solidFill>
+                  <a:schemeClr val="tx1"/>
+                </a:solidFill>
+                <a:latin typeface="+mn-lt"/>
+                <a:ea typeface="+mn-ea"/>
+                <a:cs typeface="+mn-cs"/>
+              </a:defRPr>
+            </a:lvl5pPr>
+            <a:lvl6pPr marL="2514600" indent="-228600" algn="l" defTabSz="914400" rtl="0" eaLnBrk="1" latinLnBrk="0" hangingPunct="1">
+              <a:lnSpc>
+                <a:spcPct val="90000"/>
+              </a:lnSpc>
+              <a:spcBef>
+                <a:spcPts val="500"/>
+              </a:spcBef>
+              <a:buFont typeface="Arial" panose="020B0604020202020204" pitchFamily="34" charset="0"/>
+              <a:buChar char="•"/>
+              <a:defRPr sz="1800" kern="1200">
+                <a:solidFill>
+                  <a:schemeClr val="tx1"/>
+                </a:solidFill>
+                <a:latin typeface="+mn-lt"/>
+                <a:ea typeface="+mn-ea"/>
+                <a:cs typeface="+mn-cs"/>
+              </a:defRPr>
+            </a:lvl6pPr>
+            <a:lvl7pPr marL="2971800" indent="-228600" algn="l" defTabSz="914400" rtl="0" eaLnBrk="1" latinLnBrk="0" hangingPunct="1">
+              <a:lnSpc>
+                <a:spcPct val="90000"/>
+              </a:lnSpc>
+              <a:spcBef>
+                <a:spcPts val="500"/>
+              </a:spcBef>
+              <a:buFont typeface="Arial" panose="020B0604020202020204" pitchFamily="34" charset="0"/>
+              <a:buChar char="•"/>
+              <a:defRPr sz="1800" kern="1200">
+                <a:solidFill>
+                  <a:schemeClr val="tx1"/>
+                </a:solidFill>
+                <a:latin typeface="+mn-lt"/>
+                <a:ea typeface="+mn-ea"/>
+                <a:cs typeface="+mn-cs"/>
+              </a:defRPr>
+            </a:lvl7pPr>
+            <a:lvl8pPr marL="3429000" indent="-228600" algn="l" defTabSz="914400" rtl="0" eaLnBrk="1" latinLnBrk="0" hangingPunct="1">
+              <a:lnSpc>
+                <a:spcPct val="90000"/>
+              </a:lnSpc>
+              <a:spcBef>
+                <a:spcPts val="500"/>
+              </a:spcBef>
+              <a:buFont typeface="Arial" panose="020B0604020202020204" pitchFamily="34" charset="0"/>
+              <a:buChar char="•"/>
+              <a:defRPr sz="1800" kern="1200">
+                <a:solidFill>
+                  <a:schemeClr val="tx1"/>
+                </a:solidFill>
+                <a:latin typeface="+mn-lt"/>
+                <a:ea typeface="+mn-ea"/>
+                <a:cs typeface="+mn-cs"/>
+              </a:defRPr>
+            </a:lvl8pPr>
+            <a:lvl9pPr marL="3886200" indent="-228600" algn="l" defTabSz="914400" rtl="0" eaLnBrk="1" latinLnBrk="0" hangingPunct="1">
+              <a:lnSpc>
+                <a:spcPct val="90000"/>
+              </a:lnSpc>
+              <a:spcBef>
+                <a:spcPts val="500"/>
+              </a:spcBef>
+              <a:buFont typeface="Arial" panose="020B0604020202020204" pitchFamily="34" charset="0"/>
+              <a:buChar char="•"/>
+              <a:defRPr sz="1800" kern="1200">
+                <a:solidFill>
+                  <a:schemeClr val="tx1"/>
+                </a:solidFill>
+                <a:latin typeface="+mn-lt"/>
+                <a:ea typeface="+mn-ea"/>
+                <a:cs typeface="+mn-cs"/>
+              </a:defRPr>
+            </a:lvl9pPr>
+          </a:lstStyle>
+          <a:p>
+            <a:r>
+              <a:rPr lang="en-US" sz="2000" dirty="0" err="1">
+                <a:latin typeface="Times New Roman" panose="02020603050405020304" pitchFamily="18" charset="0"/>
+                <a:cs typeface="Times New Roman" panose="02020603050405020304" pitchFamily="18" charset="0"/>
+              </a:rPr>
+              <a:t>Là</a:t>
+            </a:r>
+            <a:r>
+              <a:rPr lang="en-US" sz="2000" dirty="0">
+                <a:latin typeface="Times New Roman" panose="02020603050405020304" pitchFamily="18" charset="0"/>
+                <a:cs typeface="Times New Roman" panose="02020603050405020304" pitchFamily="18" charset="0"/>
+              </a:rPr>
+              <a:t> abstract class </a:t>
+            </a:r>
+            <a:r>
+              <a:rPr lang="en-US" sz="2000" dirty="0" err="1">
+                <a:latin typeface="Times New Roman" panose="02020603050405020304" pitchFamily="18" charset="0"/>
+                <a:cs typeface="Times New Roman" panose="02020603050405020304" pitchFamily="18" charset="0"/>
+              </a:rPr>
+              <a:t>mà</a:t>
+            </a:r>
+            <a:r>
+              <a:rPr lang="en-US" sz="2000" dirty="0">
+                <a:latin typeface="Times New Roman" panose="02020603050405020304" pitchFamily="18" charset="0"/>
+                <a:cs typeface="Times New Roman" panose="02020603050405020304" pitchFamily="18" charset="0"/>
+              </a:rPr>
+              <a:t> </a:t>
+            </a:r>
+            <a:r>
+              <a:rPr lang="en-US" sz="2000" dirty="0" err="1">
+                <a:latin typeface="Times New Roman" panose="02020603050405020304" pitchFamily="18" charset="0"/>
+                <a:cs typeface="Times New Roman" panose="02020603050405020304" pitchFamily="18" charset="0"/>
+              </a:rPr>
+              <a:t>tất</a:t>
+            </a:r>
+            <a:r>
+              <a:rPr lang="en-US" sz="2000" dirty="0">
+                <a:latin typeface="Times New Roman" panose="02020603050405020304" pitchFamily="18" charset="0"/>
+                <a:cs typeface="Times New Roman" panose="02020603050405020304" pitchFamily="18" charset="0"/>
+              </a:rPr>
+              <a:t> </a:t>
+            </a:r>
+            <a:r>
+              <a:rPr lang="en-US" sz="2000" dirty="0" err="1">
+                <a:latin typeface="Times New Roman" panose="02020603050405020304" pitchFamily="18" charset="0"/>
+                <a:cs typeface="Times New Roman" panose="02020603050405020304" pitchFamily="18" charset="0"/>
+              </a:rPr>
+              <a:t>cả</a:t>
+            </a:r>
+            <a:r>
+              <a:rPr lang="en-US" sz="2000" dirty="0">
+                <a:latin typeface="Times New Roman" panose="02020603050405020304" pitchFamily="18" charset="0"/>
+                <a:cs typeface="Times New Roman" panose="02020603050405020304" pitchFamily="18" charset="0"/>
+              </a:rPr>
+              <a:t> method </a:t>
+            </a:r>
+            <a:r>
+              <a:rPr lang="en-US" sz="2000" dirty="0" err="1">
+                <a:latin typeface="Times New Roman" panose="02020603050405020304" pitchFamily="18" charset="0"/>
+                <a:cs typeface="Times New Roman" panose="02020603050405020304" pitchFamily="18" charset="0"/>
+              </a:rPr>
+              <a:t>là</a:t>
+            </a:r>
+            <a:r>
+              <a:rPr lang="en-US" sz="2000" dirty="0">
+                <a:latin typeface="Times New Roman" panose="02020603050405020304" pitchFamily="18" charset="0"/>
+                <a:cs typeface="Times New Roman" panose="02020603050405020304" pitchFamily="18" charset="0"/>
+              </a:rPr>
+              <a:t> abstract</a:t>
+            </a:r>
+          </a:p>
+          <a:p>
+            <a:r>
+              <a:rPr lang="en-US" sz="2000" dirty="0" err="1">
+                <a:latin typeface="Times New Roman" panose="02020603050405020304" pitchFamily="18" charset="0"/>
+                <a:cs typeface="Times New Roman" panose="02020603050405020304" pitchFamily="18" charset="0"/>
+              </a:rPr>
+              <a:t>Không</a:t>
+            </a:r>
+            <a:r>
+              <a:rPr lang="en-US" sz="2000" dirty="0">
+                <a:latin typeface="Times New Roman" panose="02020603050405020304" pitchFamily="18" charset="0"/>
+                <a:cs typeface="Times New Roman" panose="02020603050405020304" pitchFamily="18" charset="0"/>
+              </a:rPr>
+              <a:t> đ</a:t>
+            </a:r>
+            <a:r>
+              <a:rPr lang="vi-VN" sz="2000" dirty="0">
+                <a:latin typeface="Times New Roman" panose="02020603050405020304" pitchFamily="18" charset="0"/>
+                <a:cs typeface="Times New Roman" panose="02020603050405020304" pitchFamily="18" charset="0"/>
+              </a:rPr>
+              <a:t>ư</a:t>
+            </a:r>
+            <a:r>
+              <a:rPr lang="en-US" sz="2000" dirty="0" err="1">
+                <a:latin typeface="Times New Roman" panose="02020603050405020304" pitchFamily="18" charset="0"/>
+                <a:cs typeface="Times New Roman" panose="02020603050405020304" pitchFamily="18" charset="0"/>
+              </a:rPr>
+              <a:t>ợc</a:t>
+            </a:r>
+            <a:r>
+              <a:rPr lang="en-US" sz="2000" dirty="0">
+                <a:latin typeface="Times New Roman" panose="02020603050405020304" pitchFamily="18" charset="0"/>
+                <a:cs typeface="Times New Roman" panose="02020603050405020304" pitchFamily="18" charset="0"/>
+              </a:rPr>
+              <a:t> dung </a:t>
+            </a:r>
+            <a:r>
+              <a:rPr lang="en-US" sz="2000" dirty="0" err="1">
+                <a:latin typeface="Times New Roman" panose="02020603050405020304" pitchFamily="18" charset="0"/>
+                <a:cs typeface="Times New Roman" panose="02020603050405020304" pitchFamily="18" charset="0"/>
+              </a:rPr>
+              <a:t>để</a:t>
+            </a:r>
+            <a:r>
+              <a:rPr lang="en-US" sz="2000" dirty="0">
+                <a:latin typeface="Times New Roman" panose="02020603050405020304" pitchFamily="18" charset="0"/>
+                <a:cs typeface="Times New Roman" panose="02020603050405020304" pitchFamily="18" charset="0"/>
+              </a:rPr>
+              <a:t> </a:t>
+            </a:r>
+            <a:r>
+              <a:rPr lang="en-US" sz="2000" dirty="0" err="1">
+                <a:latin typeface="Times New Roman" panose="02020603050405020304" pitchFamily="18" charset="0"/>
+                <a:cs typeface="Times New Roman" panose="02020603050405020304" pitchFamily="18" charset="0"/>
+              </a:rPr>
+              <a:t>tạo</a:t>
+            </a:r>
+            <a:r>
+              <a:rPr lang="en-US" sz="2000" dirty="0">
+                <a:latin typeface="Times New Roman" panose="02020603050405020304" pitchFamily="18" charset="0"/>
+                <a:cs typeface="Times New Roman" panose="02020603050405020304" pitchFamily="18" charset="0"/>
+              </a:rPr>
+              <a:t> </a:t>
+            </a:r>
+            <a:r>
+              <a:rPr lang="en-US" sz="2000" dirty="0" err="1">
+                <a:latin typeface="Times New Roman" panose="02020603050405020304" pitchFamily="18" charset="0"/>
+                <a:cs typeface="Times New Roman" panose="02020603050405020304" pitchFamily="18" charset="0"/>
+              </a:rPr>
+              <a:t>đối</a:t>
+            </a:r>
+            <a:r>
+              <a:rPr lang="en-US" sz="2000" dirty="0">
+                <a:latin typeface="Times New Roman" panose="02020603050405020304" pitchFamily="18" charset="0"/>
+                <a:cs typeface="Times New Roman" panose="02020603050405020304" pitchFamily="18" charset="0"/>
+              </a:rPr>
+              <a:t> t</a:t>
+            </a:r>
+            <a:r>
+              <a:rPr lang="vi-VN" sz="2000" dirty="0">
+                <a:latin typeface="Times New Roman" panose="02020603050405020304" pitchFamily="18" charset="0"/>
+                <a:cs typeface="Times New Roman" panose="02020603050405020304" pitchFamily="18" charset="0"/>
+              </a:rPr>
+              <a:t>ư</a:t>
+            </a:r>
+            <a:r>
+              <a:rPr lang="en-US" sz="2000" dirty="0" err="1">
+                <a:latin typeface="Times New Roman" panose="02020603050405020304" pitchFamily="18" charset="0"/>
+                <a:cs typeface="Times New Roman" panose="02020603050405020304" pitchFamily="18" charset="0"/>
+              </a:rPr>
+              <a:t>ợng</a:t>
+            </a:r>
+            <a:endParaRPr lang="en-US" sz="2000" dirty="0">
+              <a:latin typeface="Times New Roman" panose="02020603050405020304" pitchFamily="18" charset="0"/>
+              <a:cs typeface="Times New Roman" panose="02020603050405020304" pitchFamily="18" charset="0"/>
+            </a:endParaRPr>
+          </a:p>
+          <a:p>
+            <a:r>
+              <a:rPr lang="en-US" sz="2000" dirty="0">
+                <a:latin typeface="Times New Roman" panose="02020603050405020304" pitchFamily="18" charset="0"/>
+                <a:cs typeface="Times New Roman" panose="02020603050405020304" pitchFamily="18" charset="0"/>
+              </a:rPr>
+              <a:t>Method </a:t>
+            </a:r>
+            <a:r>
+              <a:rPr lang="en-US" sz="2000" dirty="0" err="1">
+                <a:latin typeface="Times New Roman" panose="02020603050405020304" pitchFamily="18" charset="0"/>
+                <a:cs typeface="Times New Roman" panose="02020603050405020304" pitchFamily="18" charset="0"/>
+              </a:rPr>
+              <a:t>trong</a:t>
+            </a:r>
+            <a:r>
+              <a:rPr lang="en-US" sz="2000" dirty="0">
+                <a:latin typeface="Times New Roman" panose="02020603050405020304" pitchFamily="18" charset="0"/>
+                <a:cs typeface="Times New Roman" panose="02020603050405020304" pitchFamily="18" charset="0"/>
+              </a:rPr>
+              <a:t> interface </a:t>
+            </a:r>
+            <a:r>
+              <a:rPr lang="en-US" sz="2000" dirty="0" err="1">
+                <a:latin typeface="Times New Roman" panose="02020603050405020304" pitchFamily="18" charset="0"/>
+                <a:cs typeface="Times New Roman" panose="02020603050405020304" pitchFamily="18" charset="0"/>
+              </a:rPr>
+              <a:t>mặc</a:t>
+            </a:r>
+            <a:r>
+              <a:rPr lang="en-US" sz="2000" dirty="0">
+                <a:latin typeface="Times New Roman" panose="02020603050405020304" pitchFamily="18" charset="0"/>
+                <a:cs typeface="Times New Roman" panose="02020603050405020304" pitchFamily="18" charset="0"/>
+              </a:rPr>
+              <a:t> </a:t>
+            </a:r>
+            <a:r>
+              <a:rPr lang="en-US" sz="2000" dirty="0" err="1">
+                <a:latin typeface="Times New Roman" panose="02020603050405020304" pitchFamily="18" charset="0"/>
+                <a:cs typeface="Times New Roman" panose="02020603050405020304" pitchFamily="18" charset="0"/>
+              </a:rPr>
+              <a:t>định</a:t>
+            </a:r>
+            <a:r>
+              <a:rPr lang="en-US" sz="2000" dirty="0">
+                <a:latin typeface="Times New Roman" panose="02020603050405020304" pitchFamily="18" charset="0"/>
+                <a:cs typeface="Times New Roman" panose="02020603050405020304" pitchFamily="18" charset="0"/>
+              </a:rPr>
+              <a:t> </a:t>
+            </a:r>
+            <a:r>
+              <a:rPr lang="en-US" sz="2000" dirty="0" err="1">
+                <a:latin typeface="Times New Roman" panose="02020603050405020304" pitchFamily="18" charset="0"/>
+                <a:cs typeface="Times New Roman" panose="02020603050405020304" pitchFamily="18" charset="0"/>
+              </a:rPr>
+              <a:t>là</a:t>
+            </a:r>
+            <a:r>
+              <a:rPr lang="en-US" sz="2000" dirty="0">
+                <a:latin typeface="Times New Roman" panose="02020603050405020304" pitchFamily="18" charset="0"/>
+                <a:cs typeface="Times New Roman" panose="02020603050405020304" pitchFamily="18" charset="0"/>
+              </a:rPr>
+              <a:t> public </a:t>
+            </a:r>
+            <a:r>
+              <a:rPr lang="en-US" sz="2000" dirty="0" err="1">
+                <a:latin typeface="Times New Roman" panose="02020603050405020304" pitchFamily="18" charset="0"/>
+                <a:cs typeface="Times New Roman" panose="02020603050405020304" pitchFamily="18" charset="0"/>
+              </a:rPr>
+              <a:t>và</a:t>
+            </a:r>
+            <a:r>
+              <a:rPr lang="en-US" sz="2000" dirty="0">
+                <a:latin typeface="Times New Roman" panose="02020603050405020304" pitchFamily="18" charset="0"/>
+                <a:cs typeface="Times New Roman" panose="02020603050405020304" pitchFamily="18" charset="0"/>
+              </a:rPr>
+              <a:t> abstract</a:t>
+            </a:r>
+          </a:p>
+          <a:p>
+            <a:r>
+              <a:rPr lang="en-US" sz="2000" dirty="0">
+                <a:latin typeface="Times New Roman" panose="02020603050405020304" pitchFamily="18" charset="0"/>
+                <a:cs typeface="Times New Roman" panose="02020603050405020304" pitchFamily="18" charset="0"/>
+              </a:rPr>
+              <a:t>Attribute </a:t>
+            </a:r>
+            <a:r>
+              <a:rPr lang="en-US" sz="2000" dirty="0" err="1">
+                <a:latin typeface="Times New Roman" panose="02020603050405020304" pitchFamily="18" charset="0"/>
+                <a:cs typeface="Times New Roman" panose="02020603050405020304" pitchFamily="18" charset="0"/>
+              </a:rPr>
+              <a:t>trong</a:t>
+            </a:r>
+            <a:r>
+              <a:rPr lang="en-US" sz="2000" dirty="0">
+                <a:latin typeface="Times New Roman" panose="02020603050405020304" pitchFamily="18" charset="0"/>
+                <a:cs typeface="Times New Roman" panose="02020603050405020304" pitchFamily="18" charset="0"/>
+              </a:rPr>
+              <a:t> interface </a:t>
+            </a:r>
+            <a:r>
+              <a:rPr lang="en-US" sz="2000" dirty="0" err="1">
+                <a:latin typeface="Times New Roman" panose="02020603050405020304" pitchFamily="18" charset="0"/>
+                <a:cs typeface="Times New Roman" panose="02020603050405020304" pitchFamily="18" charset="0"/>
+              </a:rPr>
+              <a:t>mặc</a:t>
+            </a:r>
+            <a:r>
+              <a:rPr lang="en-US" sz="2000" dirty="0">
+                <a:latin typeface="Times New Roman" panose="02020603050405020304" pitchFamily="18" charset="0"/>
+                <a:cs typeface="Times New Roman" panose="02020603050405020304" pitchFamily="18" charset="0"/>
+              </a:rPr>
+              <a:t> </a:t>
+            </a:r>
+            <a:r>
+              <a:rPr lang="en-US" sz="2000" dirty="0" err="1">
+                <a:latin typeface="Times New Roman" panose="02020603050405020304" pitchFamily="18" charset="0"/>
+                <a:cs typeface="Times New Roman" panose="02020603050405020304" pitchFamily="18" charset="0"/>
+              </a:rPr>
+              <a:t>định</a:t>
+            </a:r>
+            <a:r>
+              <a:rPr lang="en-US" sz="2000" dirty="0">
+                <a:latin typeface="Times New Roman" panose="02020603050405020304" pitchFamily="18" charset="0"/>
+                <a:cs typeface="Times New Roman" panose="02020603050405020304" pitchFamily="18" charset="0"/>
+              </a:rPr>
+              <a:t> </a:t>
+            </a:r>
+            <a:r>
+              <a:rPr lang="en-US" sz="2000" dirty="0" err="1">
+                <a:latin typeface="Times New Roman" panose="02020603050405020304" pitchFamily="18" charset="0"/>
+                <a:cs typeface="Times New Roman" panose="02020603050405020304" pitchFamily="18" charset="0"/>
+              </a:rPr>
+              <a:t>là</a:t>
+            </a:r>
+            <a:r>
+              <a:rPr lang="en-US" sz="2000" dirty="0">
+                <a:latin typeface="Times New Roman" panose="02020603050405020304" pitchFamily="18" charset="0"/>
+                <a:cs typeface="Times New Roman" panose="02020603050405020304" pitchFamily="18" charset="0"/>
+              </a:rPr>
+              <a:t> public, static </a:t>
+            </a:r>
+            <a:r>
+              <a:rPr lang="en-US" sz="2000" dirty="0" err="1">
+                <a:latin typeface="Times New Roman" panose="02020603050405020304" pitchFamily="18" charset="0"/>
+                <a:cs typeface="Times New Roman" panose="02020603050405020304" pitchFamily="18" charset="0"/>
+              </a:rPr>
+              <a:t>và</a:t>
+            </a:r>
+            <a:r>
+              <a:rPr lang="en-US" sz="2000" dirty="0">
+                <a:latin typeface="Times New Roman" panose="02020603050405020304" pitchFamily="18" charset="0"/>
+                <a:cs typeface="Times New Roman" panose="02020603050405020304" pitchFamily="18" charset="0"/>
+              </a:rPr>
+              <a:t> final</a:t>
+            </a:r>
+          </a:p>
+          <a:p>
+            <a:r>
+              <a:rPr lang="en-US" sz="2000" dirty="0" err="1">
+                <a:latin typeface="Times New Roman" panose="02020603050405020304" pitchFamily="18" charset="0"/>
+                <a:cs typeface="Times New Roman" panose="02020603050405020304" pitchFamily="18" charset="0"/>
+              </a:rPr>
+              <a:t>Không</a:t>
+            </a:r>
+            <a:r>
+              <a:rPr lang="en-US" sz="2000" dirty="0">
+                <a:latin typeface="Times New Roman" panose="02020603050405020304" pitchFamily="18" charset="0"/>
+                <a:cs typeface="Times New Roman" panose="02020603050405020304" pitchFamily="18" charset="0"/>
+              </a:rPr>
+              <a:t> </a:t>
+            </a:r>
+            <a:r>
+              <a:rPr lang="en-US" sz="2000" dirty="0" err="1">
+                <a:latin typeface="Times New Roman" panose="02020603050405020304" pitchFamily="18" charset="0"/>
+                <a:cs typeface="Times New Roman" panose="02020603050405020304" pitchFamily="18" charset="0"/>
+              </a:rPr>
+              <a:t>có</a:t>
+            </a:r>
+            <a:r>
+              <a:rPr lang="en-US" sz="2000" dirty="0">
+                <a:latin typeface="Times New Roman" panose="02020603050405020304" pitchFamily="18" charset="0"/>
+                <a:cs typeface="Times New Roman" panose="02020603050405020304" pitchFamily="18" charset="0"/>
+              </a:rPr>
+              <a:t> constructor</a:t>
+            </a:r>
+          </a:p>
+        </p:txBody>
+      </p:sp>
+      <p:sp>
+        <p:nvSpPr>
+          <p:cNvPr id="3" name="Rectangle 1">
+            <a:extLst>
+              <a:ext uri="{FF2B5EF4-FFF2-40B4-BE49-F238E27FC236}">
+                <a16:creationId xmlns:a16="http://schemas.microsoft.com/office/drawing/2014/main" id="{5C69201A-644D-48F9-AA4C-81BB49330964}"/>
+              </a:ext>
+            </a:extLst>
+          </p:cNvPr>
+          <p:cNvSpPr>
+            <a:spLocks noChangeArrowheads="1"/>
+          </p:cNvSpPr>
+          <p:nvPr/>
+        </p:nvSpPr>
+        <p:spPr bwMode="auto">
+          <a:xfrm>
+            <a:off x="838200" y="4136146"/>
+            <a:ext cx="8376011" cy="1077218"/>
+          </a:xfrm>
+          <a:prstGeom prst="rect">
+            <a:avLst/>
+          </a:prstGeom>
+          <a:solidFill>
+            <a:srgbClr val="FFFFFF"/>
+          </a:solidFill>
+          <a:ln>
+            <a:noFill/>
+          </a:ln>
+          <a:effectLst/>
+          <a:extLst>
+            <a:ext uri="{91240B29-F687-4F45-9708-019B960494DF}">
+              <a14:hiddenLine xmlns:a14="http://schemas.microsoft.com/office/drawing/2010/main" w="9525">
+                <a:solidFill>
+                  <a:schemeClr val="tx1"/>
+                </a:solidFill>
+                <a:miter lim="800000"/>
+                <a:headEnd/>
+                <a:tailEnd/>
+              </a14:hiddenLine>
+            </a:ext>
+            <a:ext uri="{AF507438-7753-43E0-B8FC-AC1667EBCBE1}">
+              <a14:hiddenEffects xmlns:a14="http://schemas.microsoft.com/office/drawing/2010/main">
+                <a:effectLst>
+                  <a:outerShdw dist="35921" dir="2700000" algn="ctr" rotWithShape="0">
+                    <a:schemeClr val="bg2"/>
+                  </a:outerShdw>
+                </a:effectLst>
+              </a14:hiddenEffects>
+            </a:ext>
+          </a:extLst>
+        </p:spPr>
+        <p:txBody>
+          <a:bodyPr vert="horz" wrap="none" lIns="91440" tIns="45720" rIns="91440" bIns="45720" numCol="1" anchor="ctr" anchorCtr="0" compatLnSpc="1">
+            <a:prstTxWarp prst="textNoShape">
+              <a:avLst/>
+            </a:prstTxWarp>
+            <a:spAutoFit/>
+          </a:bodyPr>
+          <a:lstStyle/>
+          <a:p>
+            <a:pPr marL="0" marR="0" lvl="0" indent="0" algn="l" defTabSz="914400" rtl="0" eaLnBrk="0" fontAlgn="base" latinLnBrk="0" hangingPunct="0">
+              <a:lnSpc>
+                <a:spcPct val="100000"/>
+              </a:lnSpc>
+              <a:spcBef>
+                <a:spcPct val="0"/>
+              </a:spcBef>
+              <a:spcAft>
+                <a:spcPct val="0"/>
+              </a:spcAft>
+              <a:buClrTx/>
+              <a:buSzTx/>
+              <a:buFontTx/>
+              <a:buNone/>
+              <a:tabLst/>
+            </a:pPr>
+            <a:r>
+              <a:rPr kumimoji="0" lang="en-US" altLang="en-US" sz="1600" b="1" i="0" u="none" strike="noStrike" cap="none" normalizeH="0" baseline="0" dirty="0">
+                <a:ln>
+                  <a:noFill/>
+                </a:ln>
+                <a:solidFill>
+                  <a:srgbClr val="000080"/>
+                </a:solidFill>
+                <a:effectLst/>
+                <a:latin typeface="Consolas" panose="020B0609020204030204" pitchFamily="49" charset="0"/>
+              </a:rPr>
+              <a:t>interface </a:t>
+            </a:r>
+            <a:r>
+              <a:rPr kumimoji="0" lang="en-US" altLang="en-US" sz="1600" b="0" i="0" u="none" strike="noStrike" cap="none" normalizeH="0" baseline="0" dirty="0">
+                <a:ln>
+                  <a:noFill/>
+                </a:ln>
+                <a:solidFill>
+                  <a:srgbClr val="000000"/>
+                </a:solidFill>
+                <a:effectLst/>
+                <a:latin typeface="Consolas" panose="020B0609020204030204" pitchFamily="49" charset="0"/>
+              </a:rPr>
+              <a:t>Animal {</a:t>
+            </a:r>
+            <a:br>
+              <a:rPr kumimoji="0" lang="en-US" altLang="en-US" sz="1600" b="0" i="0" u="none" strike="noStrike" cap="none" normalizeH="0" baseline="0" dirty="0">
+                <a:ln>
+                  <a:noFill/>
+                </a:ln>
+                <a:solidFill>
+                  <a:srgbClr val="000000"/>
+                </a:solidFill>
+                <a:effectLst/>
+                <a:latin typeface="Consolas" panose="020B0609020204030204" pitchFamily="49" charset="0"/>
+              </a:rPr>
+            </a:br>
+            <a:r>
+              <a:rPr kumimoji="0" lang="en-US" altLang="en-US" sz="1600" b="0" i="0" u="none" strike="noStrike" cap="none" normalizeH="0" baseline="0" dirty="0">
+                <a:ln>
+                  <a:noFill/>
+                </a:ln>
+                <a:solidFill>
+                  <a:srgbClr val="000000"/>
+                </a:solidFill>
+                <a:effectLst/>
+                <a:latin typeface="Consolas" panose="020B0609020204030204" pitchFamily="49" charset="0"/>
+              </a:rPr>
+              <a:t>    </a:t>
+            </a:r>
+            <a:r>
+              <a:rPr kumimoji="0" lang="en-US" altLang="en-US" sz="1600" b="1" i="0" u="none" strike="noStrike" cap="none" normalizeH="0" baseline="0" dirty="0">
+                <a:ln>
+                  <a:noFill/>
+                </a:ln>
+                <a:solidFill>
+                  <a:srgbClr val="000080"/>
+                </a:solidFill>
+                <a:effectLst/>
+                <a:latin typeface="Consolas" panose="020B0609020204030204" pitchFamily="49" charset="0"/>
+              </a:rPr>
+              <a:t>public void </a:t>
+            </a:r>
+            <a:r>
+              <a:rPr kumimoji="0" lang="en-US" altLang="en-US" sz="1600" b="0" i="0" u="none" strike="noStrike" cap="none" normalizeH="0" baseline="0" dirty="0" err="1">
+                <a:ln>
+                  <a:noFill/>
+                </a:ln>
+                <a:solidFill>
+                  <a:srgbClr val="000000"/>
+                </a:solidFill>
+                <a:effectLst/>
+                <a:latin typeface="Consolas" panose="020B0609020204030204" pitchFamily="49" charset="0"/>
+              </a:rPr>
+              <a:t>animalSound</a:t>
+            </a:r>
+            <a:r>
+              <a:rPr kumimoji="0" lang="en-US" altLang="en-US" sz="1600" b="0" i="0" u="none" strike="noStrike" cap="none" normalizeH="0" baseline="0" dirty="0">
+                <a:ln>
+                  <a:noFill/>
+                </a:ln>
+                <a:solidFill>
+                  <a:srgbClr val="000000"/>
+                </a:solidFill>
+                <a:effectLst/>
+                <a:latin typeface="Consolas" panose="020B0609020204030204" pitchFamily="49" charset="0"/>
+              </a:rPr>
+              <a:t>(); </a:t>
+            </a:r>
+            <a:r>
+              <a:rPr kumimoji="0" lang="en-US" altLang="en-US" sz="1600" b="0" i="1" u="none" strike="noStrike" cap="none" normalizeH="0" baseline="0" dirty="0">
+                <a:ln>
+                  <a:noFill/>
+                </a:ln>
+                <a:solidFill>
+                  <a:srgbClr val="808080"/>
+                </a:solidFill>
+                <a:effectLst/>
+                <a:latin typeface="Consolas" panose="020B0609020204030204" pitchFamily="49" charset="0"/>
+              </a:rPr>
+              <a:t>// interface method (does not have a body)</a:t>
+            </a:r>
+            <a:br>
+              <a:rPr kumimoji="0" lang="en-US" altLang="en-US" sz="1600" b="0" i="1" u="none" strike="noStrike" cap="none" normalizeH="0" baseline="0" dirty="0">
+                <a:ln>
+                  <a:noFill/>
+                </a:ln>
+                <a:solidFill>
+                  <a:srgbClr val="808080"/>
+                </a:solidFill>
+                <a:effectLst/>
+                <a:latin typeface="Consolas" panose="020B0609020204030204" pitchFamily="49" charset="0"/>
+              </a:rPr>
+            </a:br>
+            <a:r>
+              <a:rPr kumimoji="0" lang="en-US" altLang="en-US" sz="1600" b="0" i="1" u="none" strike="noStrike" cap="none" normalizeH="0" baseline="0" dirty="0">
+                <a:ln>
+                  <a:noFill/>
+                </a:ln>
+                <a:solidFill>
+                  <a:srgbClr val="808080"/>
+                </a:solidFill>
+                <a:effectLst/>
+                <a:latin typeface="Consolas" panose="020B0609020204030204" pitchFamily="49" charset="0"/>
+              </a:rPr>
+              <a:t>    </a:t>
+            </a:r>
+            <a:r>
+              <a:rPr kumimoji="0" lang="en-US" altLang="en-US" sz="1600" b="1" i="0" u="none" strike="noStrike" cap="none" normalizeH="0" baseline="0" dirty="0">
+                <a:ln>
+                  <a:noFill/>
+                </a:ln>
+                <a:solidFill>
+                  <a:srgbClr val="000080"/>
+                </a:solidFill>
+                <a:effectLst/>
+                <a:latin typeface="Consolas" panose="020B0609020204030204" pitchFamily="49" charset="0"/>
+              </a:rPr>
+              <a:t>public void </a:t>
+            </a:r>
+            <a:r>
+              <a:rPr kumimoji="0" lang="en-US" altLang="en-US" sz="1600" b="0" i="0" u="none" strike="noStrike" cap="none" normalizeH="0" baseline="0" dirty="0">
+                <a:ln>
+                  <a:noFill/>
+                </a:ln>
+                <a:solidFill>
+                  <a:srgbClr val="000000"/>
+                </a:solidFill>
+                <a:effectLst/>
+                <a:latin typeface="Consolas" panose="020B0609020204030204" pitchFamily="49" charset="0"/>
+              </a:rPr>
+              <a:t>run(); </a:t>
+            </a:r>
+            <a:r>
+              <a:rPr kumimoji="0" lang="en-US" altLang="en-US" sz="1600" b="0" i="1" u="none" strike="noStrike" cap="none" normalizeH="0" baseline="0" dirty="0">
+                <a:ln>
+                  <a:noFill/>
+                </a:ln>
+                <a:solidFill>
+                  <a:srgbClr val="808080"/>
+                </a:solidFill>
+                <a:effectLst/>
+                <a:latin typeface="Consolas" panose="020B0609020204030204" pitchFamily="49" charset="0"/>
+              </a:rPr>
+              <a:t>// interface method (does not have a body)</a:t>
+            </a:r>
+            <a:br>
+              <a:rPr kumimoji="0" lang="en-US" altLang="en-US" sz="1600" b="0" i="1" u="none" strike="noStrike" cap="none" normalizeH="0" baseline="0" dirty="0">
+                <a:ln>
+                  <a:noFill/>
+                </a:ln>
+                <a:solidFill>
+                  <a:srgbClr val="808080"/>
+                </a:solidFill>
+                <a:effectLst/>
+                <a:latin typeface="Consolas" panose="020B0609020204030204" pitchFamily="49" charset="0"/>
+              </a:rPr>
+            </a:br>
+            <a:r>
+              <a:rPr kumimoji="0" lang="en-US" altLang="en-US" sz="1600" b="0" i="0" u="none" strike="noStrike" cap="none" normalizeH="0" baseline="0" dirty="0">
+                <a:ln>
+                  <a:noFill/>
+                </a:ln>
+                <a:solidFill>
+                  <a:srgbClr val="000000"/>
+                </a:solidFill>
+                <a:effectLst/>
+                <a:latin typeface="Consolas" panose="020B0609020204030204" pitchFamily="49" charset="0"/>
+              </a:rPr>
+              <a:t>}</a:t>
+            </a:r>
+            <a:endParaRPr kumimoji="0" lang="en-US" altLang="en-US" sz="1600" b="0" i="0" u="none" strike="noStrike" cap="none" normalizeH="0" baseline="0" dirty="0">
+              <a:ln>
+                <a:noFill/>
+              </a:ln>
+              <a:solidFill>
+                <a:schemeClr val="tx1"/>
+              </a:solidFill>
+              <a:effectLst/>
+              <a:latin typeface="Arial" panose="020B0604020202020204" pitchFamily="34" charset="0"/>
+            </a:endParaRPr>
+          </a:p>
+        </p:txBody>
+      </p:sp>
+    </p:spTree>
+    <p:extLst>
+      <p:ext uri="{BB962C8B-B14F-4D97-AF65-F5344CB8AC3E}">
+        <p14:creationId xmlns:p14="http://schemas.microsoft.com/office/powerpoint/2010/main" val="1901648938"/>
       </p:ext>
     </p:extLst>
   </p:cSld>
